--- a/shopbag_ui.pptx
+++ b/shopbag_ui.pptx
@@ -8,8 +8,9 @@
     <p:sldId id="256" r:id="rId2"/>
     <p:sldId id="257" r:id="rId3"/>
     <p:sldId id="258" r:id="rId4"/>
-    <p:sldId id="259" r:id="rId5"/>
-    <p:sldId id="262" r:id="rId6"/>
+    <p:sldId id="263" r:id="rId5"/>
+    <p:sldId id="259" r:id="rId6"/>
+    <p:sldId id="262" r:id="rId7"/>
   </p:sldIdLst>
   <p:sldSz cx="10080625" cy="5670550"/>
   <p:notesSz cx="7772400" cy="10058400"/>
@@ -2605,7 +2606,7 @@
     <mc:Choice Requires="p14">
       <p:transition spd="slow" p14:dur="2000"/>
     </mc:Choice>
-    <mc:Fallback xmlns="" xmlns:p15="http://schemas.microsoft.com/office/powerpoint/2012/main">
+    <mc:Fallback xmlns:p15="http://schemas.microsoft.com/office/powerpoint/2012/main" xmlns="">
       <p:transition spd="slow"/>
     </mc:Fallback>
   </mc:AlternateContent>
@@ -4744,7 +4745,7 @@
     <mc:Choice Requires="p14">
       <p:transition spd="slow" p14:dur="2000"/>
     </mc:Choice>
-    <mc:Fallback xmlns="" xmlns:p15="http://schemas.microsoft.com/office/powerpoint/2012/main">
+    <mc:Fallback xmlns:p15="http://schemas.microsoft.com/office/powerpoint/2012/main" xmlns="">
       <p:transition spd="slow"/>
     </mc:Fallback>
   </mc:AlternateContent>
@@ -6313,7 +6314,7 @@
     <mc:Choice Requires="p14">
       <p:transition spd="slow" p14:dur="2000"/>
     </mc:Choice>
-    <mc:Fallback xmlns="" xmlns:p15="http://schemas.microsoft.com/office/powerpoint/2012/main">
+    <mc:Fallback xmlns:p15="http://schemas.microsoft.com/office/powerpoint/2012/main" xmlns="">
       <p:transition spd="slow"/>
     </mc:Fallback>
   </mc:AlternateContent>
@@ -6321,6 +6322,1754 @@
 </file>
 
 <file path=ppt/slides/slide4.xml><?xml version="1.0" encoding="utf-8"?>
+<p:sld xmlns:a="http://schemas.openxmlformats.org/drawingml/2006/main" xmlns:r="http://schemas.openxmlformats.org/officeDocument/2006/relationships" xmlns:p="http://schemas.openxmlformats.org/presentationml/2006/main">
+  <p:cSld>
+    <p:spTree>
+      <p:nvGrpSpPr>
+        <p:cNvPr id="1" name=""/>
+        <p:cNvGrpSpPr/>
+        <p:nvPr/>
+      </p:nvGrpSpPr>
+      <p:grpSpPr>
+        <a:xfrm>
+          <a:off x="0" y="0"/>
+          <a:ext cx="0" cy="0"/>
+          <a:chOff x="0" y="0"/>
+          <a:chExt cx="0" cy="0"/>
+        </a:xfrm>
+      </p:grpSpPr>
+      <p:sp>
+        <p:nvSpPr>
+          <p:cNvPr id="35" name="CustomShape 1"/>
+          <p:cNvSpPr/>
+          <p:nvPr/>
+        </p:nvSpPr>
+        <p:spPr>
+          <a:xfrm>
+            <a:off x="368703" y="250723"/>
+            <a:ext cx="3940920" cy="7013520"/>
+          </a:xfrm>
+          <a:prstGeom prst="rect">
+            <a:avLst/>
+          </a:prstGeom>
+          <a:solidFill>
+            <a:schemeClr val="bg1"/>
+          </a:solidFill>
+          <a:ln w="0">
+            <a:noFill/>
+          </a:ln>
+        </p:spPr>
+        <p:style>
+          <a:lnRef idx="0">
+            <a:scrgbClr r="0" g="0" b="0"/>
+          </a:lnRef>
+          <a:fillRef idx="0">
+            <a:scrgbClr r="0" g="0" b="0"/>
+          </a:fillRef>
+          <a:effectRef idx="0">
+            <a:scrgbClr r="0" g="0" b="0"/>
+          </a:effectRef>
+          <a:fontRef idx="minor"/>
+        </p:style>
+      </p:sp>
+      <p:sp>
+        <p:nvSpPr>
+          <p:cNvPr id="8" name="Title 2"/>
+          <p:cNvSpPr txBox="1">
+            <a:spLocks/>
+          </p:cNvSpPr>
+          <p:nvPr/>
+        </p:nvSpPr>
+        <p:spPr>
+          <a:xfrm>
+            <a:off x="4131224" y="-562495"/>
+            <a:ext cx="2007856" cy="314609"/>
+          </a:xfrm>
+          <a:prstGeom prst="rect">
+            <a:avLst/>
+          </a:prstGeom>
+        </p:spPr>
+        <p:txBody>
+          <a:bodyPr/>
+          <a:lstStyle>
+            <a:lvl1pPr algn="l" defTabSz="914400" rtl="0" eaLnBrk="1" latinLnBrk="0" hangingPunct="1">
+              <a:lnSpc>
+                <a:spcPct val="90000"/>
+              </a:lnSpc>
+              <a:spcBef>
+                <a:spcPct val="0"/>
+              </a:spcBef>
+              <a:buNone/>
+              <a:defRPr sz="4400" kern="1200">
+                <a:solidFill>
+                  <a:schemeClr val="tx1"/>
+                </a:solidFill>
+                <a:latin typeface="+mj-lt"/>
+                <a:ea typeface="+mj-ea"/>
+                <a:cs typeface="+mj-cs"/>
+              </a:defRPr>
+            </a:lvl1pPr>
+          </a:lstStyle>
+          <a:p>
+            <a:pPr algn="ctr"/>
+            <a:endParaRPr lang="en-US" sz="2400" spc="-1" dirty="0"/>
+          </a:p>
+        </p:txBody>
+      </p:sp>
+      <p:sp>
+        <p:nvSpPr>
+          <p:cNvPr id="2" name="Title 1"/>
+          <p:cNvSpPr>
+            <a:spLocks noGrp="1"/>
+          </p:cNvSpPr>
+          <p:nvPr>
+            <p:ph type="title"/>
+          </p:nvPr>
+        </p:nvSpPr>
+        <p:spPr>
+          <a:xfrm>
+            <a:off x="3711500" y="-1100478"/>
+            <a:ext cx="2618458" cy="946440"/>
+          </a:xfrm>
+        </p:spPr>
+        <p:txBody>
+          <a:bodyPr/>
+          <a:lstStyle/>
+          <a:p>
+            <a:r>
+              <a:rPr lang="en-US" spc="-1" dirty="0"/>
+              <a:t>Bag </a:t>
+            </a:r>
+            <a:r>
+              <a:rPr lang="en-US" spc="-1" dirty="0" smtClean="0"/>
+              <a:t>page</a:t>
+            </a:r>
+            <a:endParaRPr lang="en-US" dirty="0"/>
+          </a:p>
+        </p:txBody>
+      </p:sp>
+      <p:sp>
+        <p:nvSpPr>
+          <p:cNvPr id="3" name="TextBox 2"/>
+          <p:cNvSpPr txBox="1"/>
+          <p:nvPr/>
+        </p:nvSpPr>
+        <p:spPr>
+          <a:xfrm>
+            <a:off x="5867791" y="940854"/>
+            <a:ext cx="2382695" cy="4801314"/>
+          </a:xfrm>
+          <a:prstGeom prst="rect">
+            <a:avLst/>
+          </a:prstGeom>
+          <a:noFill/>
+        </p:spPr>
+        <p:txBody>
+          <a:bodyPr wrap="square" rtlCol="0">
+            <a:spAutoFit/>
+          </a:bodyPr>
+          <a:lstStyle/>
+          <a:p>
+            <a:r>
+              <a:rPr lang="en-US" sz="2400" spc="-1" dirty="0" smtClean="0"/>
+              <a:t> </a:t>
+            </a:r>
+            <a:r>
+              <a:rPr lang="en-US" sz="2400" spc="-1" dirty="0">
+                <a:solidFill>
+                  <a:schemeClr val="bg1"/>
+                </a:solidFill>
+              </a:rPr>
+              <a:t>bag </a:t>
+            </a:r>
+            <a:r>
+              <a:rPr lang="en-US" sz="2400" spc="-1" dirty="0" smtClean="0">
+                <a:solidFill>
+                  <a:schemeClr val="bg1"/>
+                </a:solidFill>
+              </a:rPr>
+              <a:t>page</a:t>
+            </a:r>
+            <a:endParaRPr lang="en-US" sz="2400" spc="-1" dirty="0">
+              <a:solidFill>
+                <a:schemeClr val="bg1"/>
+              </a:solidFill>
+            </a:endParaRPr>
+          </a:p>
+          <a:p>
+            <a:r>
+              <a:rPr lang="en-US" sz="2400" spc="-1" dirty="0" smtClean="0">
+                <a:solidFill>
+                  <a:schemeClr val="bg1"/>
+                </a:solidFill>
+              </a:rPr>
+              <a:t>- Edit </a:t>
+            </a:r>
+            <a:r>
+              <a:rPr lang="en-US" sz="2400" spc="-1" dirty="0">
+                <a:solidFill>
+                  <a:schemeClr val="bg1"/>
+                </a:solidFill>
+              </a:rPr>
+              <a:t>button(appear </a:t>
+            </a:r>
+            <a:r>
+              <a:rPr lang="en-US" sz="2400" spc="-1" dirty="0" smtClean="0">
+                <a:solidFill>
+                  <a:schemeClr val="bg1"/>
+                </a:solidFill>
+              </a:rPr>
+              <a:t>on same </a:t>
+            </a:r>
+            <a:r>
+              <a:rPr lang="en-US" sz="2400" spc="-1" dirty="0">
+                <a:solidFill>
+                  <a:schemeClr val="bg1"/>
+                </a:solidFill>
+              </a:rPr>
+              <a:t>line with bag </a:t>
+            </a:r>
+            <a:r>
+              <a:rPr lang="en-US" sz="2400" spc="-1" dirty="0" smtClean="0">
+                <a:solidFill>
+                  <a:schemeClr val="bg1"/>
+                </a:solidFill>
+              </a:rPr>
+              <a:t>name </a:t>
+            </a:r>
+            <a:r>
+              <a:rPr lang="en-US" sz="2400" spc="-1" dirty="0">
+                <a:solidFill>
+                  <a:schemeClr val="bg1"/>
+                </a:solidFill>
+              </a:rPr>
+              <a:t>on far right</a:t>
+            </a:r>
+            <a:r>
+              <a:rPr lang="en-US" sz="2400" spc="-1" dirty="0" smtClean="0">
+                <a:solidFill>
+                  <a:schemeClr val="bg1"/>
+                </a:solidFill>
+              </a:rPr>
+              <a:t>)</a:t>
+            </a:r>
+          </a:p>
+          <a:p>
+            <a:endParaRPr lang="en-US" sz="2400" spc="-1" dirty="0">
+              <a:solidFill>
+                <a:schemeClr val="bg1"/>
+              </a:solidFill>
+            </a:endParaRPr>
+          </a:p>
+          <a:p>
+            <a:r>
+              <a:rPr lang="en-US" sz="2400" spc="-1" dirty="0" smtClean="0">
+                <a:solidFill>
+                  <a:schemeClr val="bg1"/>
+                </a:solidFill>
+              </a:rPr>
+              <a:t>- Add button on header and bottom</a:t>
+            </a:r>
+            <a:endParaRPr lang="en-US" sz="2400" spc="-1" dirty="0">
+              <a:solidFill>
+                <a:schemeClr val="bg1"/>
+              </a:solidFill>
+            </a:endParaRPr>
+          </a:p>
+          <a:p>
+            <a:endParaRPr lang="en-US" sz="2400" spc="-1" dirty="0" smtClean="0">
+              <a:solidFill>
+                <a:schemeClr val="bg1"/>
+              </a:solidFill>
+            </a:endParaRPr>
+          </a:p>
+          <a:p>
+            <a:r>
+              <a:rPr lang="en-US" sz="2400" spc="-1" dirty="0">
+                <a:solidFill>
+                  <a:schemeClr val="bg1"/>
+                </a:solidFill>
+              </a:rPr>
+              <a:t>-</a:t>
+            </a:r>
+            <a:r>
+              <a:rPr lang="en-US" sz="2400" spc="-1" dirty="0" smtClean="0">
+                <a:solidFill>
+                  <a:schemeClr val="bg1"/>
+                </a:solidFill>
+              </a:rPr>
+              <a:t>Totals </a:t>
+            </a:r>
+            <a:r>
+              <a:rPr lang="en-US" sz="2400" spc="-1" dirty="0">
+                <a:solidFill>
+                  <a:schemeClr val="bg1"/>
+                </a:solidFill>
+              </a:rPr>
+              <a:t>and diff</a:t>
+            </a:r>
+          </a:p>
+          <a:p>
+            <a:endParaRPr lang="en-US" dirty="0"/>
+          </a:p>
+        </p:txBody>
+      </p:sp>
+      <p:sp>
+        <p:nvSpPr>
+          <p:cNvPr id="36" name="CustomShape 2"/>
+          <p:cNvSpPr/>
+          <p:nvPr/>
+        </p:nvSpPr>
+        <p:spPr>
+          <a:xfrm>
+            <a:off x="368703" y="228600"/>
+            <a:ext cx="3945865" cy="685800"/>
+          </a:xfrm>
+          <a:prstGeom prst="rect">
+            <a:avLst/>
+          </a:prstGeom>
+          <a:solidFill>
+            <a:srgbClr val="FFC000"/>
+          </a:solidFill>
+          <a:ln w="29160">
+            <a:noFill/>
+            <a:round/>
+          </a:ln>
+          <a:effectLst>
+            <a:outerShdw blurRad="50800" dist="114300" dir="5400000" algn="t" rotWithShape="0">
+              <a:prstClr val="black">
+                <a:alpha val="15000"/>
+              </a:prstClr>
+            </a:outerShdw>
+          </a:effectLst>
+        </p:spPr>
+        <p:style>
+          <a:lnRef idx="0">
+            <a:scrgbClr r="0" g="0" b="0"/>
+          </a:lnRef>
+          <a:fillRef idx="0">
+            <a:scrgbClr r="0" g="0" b="0"/>
+          </a:fillRef>
+          <a:effectRef idx="0">
+            <a:scrgbClr r="0" g="0" b="0"/>
+          </a:effectRef>
+          <a:fontRef idx="minor"/>
+        </p:style>
+      </p:sp>
+      <p:grpSp>
+        <p:nvGrpSpPr>
+          <p:cNvPr id="25" name="Group 24"/>
+          <p:cNvGrpSpPr/>
+          <p:nvPr/>
+        </p:nvGrpSpPr>
+        <p:grpSpPr>
+          <a:xfrm>
+            <a:off x="1095352" y="1616019"/>
+            <a:ext cx="2918451" cy="677110"/>
+            <a:chOff x="1086509" y="1227386"/>
+            <a:chExt cx="2918451" cy="677110"/>
+          </a:xfrm>
+        </p:grpSpPr>
+        <p:grpSp>
+          <p:nvGrpSpPr>
+            <p:cNvPr id="28" name="Group 27"/>
+            <p:cNvGrpSpPr/>
+            <p:nvPr/>
+          </p:nvGrpSpPr>
+          <p:grpSpPr>
+            <a:xfrm>
+              <a:off x="1086509" y="1227386"/>
+              <a:ext cx="2356220" cy="677110"/>
+              <a:chOff x="1086509" y="1227386"/>
+              <a:chExt cx="2356220" cy="677110"/>
+            </a:xfrm>
+          </p:grpSpPr>
+          <p:sp>
+            <p:nvSpPr>
+              <p:cNvPr id="32" name="TextBox 31"/>
+              <p:cNvSpPr txBox="1"/>
+              <p:nvPr/>
+            </p:nvSpPr>
+            <p:spPr>
+              <a:xfrm>
+                <a:off x="1086509" y="1227386"/>
+                <a:ext cx="1471942" cy="400110"/>
+              </a:xfrm>
+              <a:prstGeom prst="rect">
+                <a:avLst/>
+              </a:prstGeom>
+              <a:noFill/>
+            </p:spPr>
+            <p:txBody>
+              <a:bodyPr wrap="square" rtlCol="0">
+                <a:spAutoFit/>
+              </a:bodyPr>
+              <a:lstStyle/>
+              <a:p>
+                <a:r>
+                  <a:rPr lang="en-US" sz="2000" dirty="0" smtClean="0">
+                    <a:solidFill>
+                      <a:schemeClr val="tx1">
+                        <a:lumMod val="85000"/>
+                        <a:lumOff val="15000"/>
+                      </a:schemeClr>
+                    </a:solidFill>
+                  </a:rPr>
+                  <a:t>Tomatoes</a:t>
+                </a:r>
+                <a:r>
+                  <a:rPr lang="en-US" sz="2000" dirty="0" smtClean="0">
+                    <a:solidFill>
+                      <a:schemeClr val="tx1">
+                        <a:lumMod val="65000"/>
+                        <a:lumOff val="35000"/>
+                      </a:schemeClr>
+                    </a:solidFill>
+                  </a:rPr>
+                  <a:t> </a:t>
+                </a:r>
+                <a:endParaRPr lang="en-US" sz="2000" dirty="0">
+                  <a:solidFill>
+                    <a:schemeClr val="tx1">
+                      <a:lumMod val="65000"/>
+                      <a:lumOff val="35000"/>
+                    </a:schemeClr>
+                  </a:solidFill>
+                </a:endParaRPr>
+              </a:p>
+            </p:txBody>
+          </p:sp>
+          <p:sp>
+            <p:nvSpPr>
+              <p:cNvPr id="33" name="TextBox 32"/>
+              <p:cNvSpPr txBox="1"/>
+              <p:nvPr/>
+            </p:nvSpPr>
+            <p:spPr>
+              <a:xfrm>
+                <a:off x="1091587" y="1596719"/>
+                <a:ext cx="2351142" cy="307777"/>
+              </a:xfrm>
+              <a:prstGeom prst="rect">
+                <a:avLst/>
+              </a:prstGeom>
+              <a:noFill/>
+            </p:spPr>
+            <p:txBody>
+              <a:bodyPr wrap="square" rtlCol="0">
+                <a:spAutoFit/>
+              </a:bodyPr>
+              <a:lstStyle/>
+              <a:p>
+                <a:r>
+                  <a:rPr lang="en-US" sz="1400" dirty="0" smtClean="0">
+                    <a:solidFill>
+                      <a:schemeClr val="tx1">
+                        <a:lumMod val="65000"/>
+                        <a:lumOff val="35000"/>
+                      </a:schemeClr>
+                    </a:solidFill>
+                  </a:rPr>
+                  <a:t>₵20     ₵20     2     ₵20</a:t>
+                </a:r>
+                <a:endParaRPr lang="en-US" sz="1400" dirty="0">
+                  <a:solidFill>
+                    <a:schemeClr val="tx1">
+                      <a:lumMod val="65000"/>
+                      <a:lumOff val="35000"/>
+                    </a:schemeClr>
+                  </a:solidFill>
+                </a:endParaRPr>
+              </a:p>
+            </p:txBody>
+          </p:sp>
+        </p:grpSp>
+        <p:grpSp>
+          <p:nvGrpSpPr>
+            <p:cNvPr id="29" name="Group 28"/>
+            <p:cNvGrpSpPr/>
+            <p:nvPr/>
+          </p:nvGrpSpPr>
+          <p:grpSpPr>
+            <a:xfrm>
+              <a:off x="3710082" y="1435756"/>
+              <a:ext cx="294878" cy="290124"/>
+              <a:chOff x="3620774" y="1413009"/>
+              <a:chExt cx="369342" cy="363388"/>
+            </a:xfrm>
+          </p:grpSpPr>
+          <p:sp>
+            <p:nvSpPr>
+              <p:cNvPr id="30" name="Oval 29"/>
+              <p:cNvSpPr/>
+              <p:nvPr/>
+            </p:nvSpPr>
+            <p:spPr>
+              <a:xfrm>
+                <a:off x="3620774" y="1413009"/>
+                <a:ext cx="369342" cy="363388"/>
+              </a:xfrm>
+              <a:prstGeom prst="ellipse">
+                <a:avLst/>
+              </a:prstGeom>
+              <a:solidFill>
+                <a:schemeClr val="bg1">
+                  <a:lumMod val="75000"/>
+                </a:schemeClr>
+              </a:solidFill>
+              <a:ln>
+                <a:noFill/>
+              </a:ln>
+            </p:spPr>
+            <p:style>
+              <a:lnRef idx="2">
+                <a:schemeClr val="accent1">
+                  <a:shade val="50000"/>
+                </a:schemeClr>
+              </a:lnRef>
+              <a:fillRef idx="1">
+                <a:schemeClr val="accent1"/>
+              </a:fillRef>
+              <a:effectRef idx="0">
+                <a:schemeClr val="accent1"/>
+              </a:effectRef>
+              <a:fontRef idx="minor">
+                <a:schemeClr val="lt1"/>
+              </a:fontRef>
+            </p:style>
+            <p:txBody>
+              <a:bodyPr rtlCol="0" anchor="ctr"/>
+              <a:lstStyle/>
+              <a:p>
+                <a:pPr algn="ctr"/>
+                <a:endParaRPr lang="en-US"/>
+              </a:p>
+            </p:txBody>
+          </p:sp>
+          <p:pic>
+            <p:nvPicPr>
+              <p:cNvPr id="31" name="Picture 30"/>
+              <p:cNvPicPr>
+                <a:picLocks noChangeAspect="1"/>
+              </p:cNvPicPr>
+              <p:nvPr/>
+            </p:nvPicPr>
+            <p:blipFill>
+              <a:blip r:embed="rId2" cstate="print">
+                <a:extLst>
+                  <a:ext uri="{28A0092B-C50C-407E-A947-70E740481C1C}">
+                    <a14:useLocalDpi xmlns:a14="http://schemas.microsoft.com/office/drawing/2010/main" val="0"/>
+                  </a:ext>
+                </a:extLst>
+              </a:blip>
+              <a:stretch>
+                <a:fillRect/>
+              </a:stretch>
+            </p:blipFill>
+            <p:spPr>
+              <a:xfrm>
+                <a:off x="3726971" y="1492509"/>
+                <a:ext cx="159423" cy="204388"/>
+              </a:xfrm>
+              <a:prstGeom prst="rect">
+                <a:avLst/>
+              </a:prstGeom>
+            </p:spPr>
+          </p:pic>
+        </p:grpSp>
+      </p:grpSp>
+      <p:sp>
+        <p:nvSpPr>
+          <p:cNvPr id="34" name="TextBox 33"/>
+          <p:cNvSpPr txBox="1"/>
+          <p:nvPr/>
+        </p:nvSpPr>
+        <p:spPr>
+          <a:xfrm>
+            <a:off x="446705" y="1021367"/>
+            <a:ext cx="904415" cy="461665"/>
+          </a:xfrm>
+          <a:prstGeom prst="rect">
+            <a:avLst/>
+          </a:prstGeom>
+          <a:noFill/>
+        </p:spPr>
+        <p:txBody>
+          <a:bodyPr wrap="none" rtlCol="0">
+            <a:spAutoFit/>
+          </a:bodyPr>
+          <a:lstStyle/>
+          <a:p>
+            <a:r>
+              <a:rPr lang="en-US" sz="2400" dirty="0"/>
+              <a:t>Jollof</a:t>
+            </a:r>
+            <a:endParaRPr lang="en-US" sz="1600" dirty="0">
+              <a:latin typeface="Roboto" panose="02000000000000000000" pitchFamily="2" charset="0"/>
+              <a:ea typeface="Roboto" panose="02000000000000000000" pitchFamily="2" charset="0"/>
+            </a:endParaRPr>
+          </a:p>
+        </p:txBody>
+      </p:sp>
+      <p:pic>
+        <p:nvPicPr>
+          <p:cNvPr id="37" name="Picture 36"/>
+          <p:cNvPicPr/>
+          <p:nvPr/>
+        </p:nvPicPr>
+        <p:blipFill>
+          <a:blip r:embed="rId3"/>
+          <a:stretch/>
+        </p:blipFill>
+        <p:spPr>
+          <a:xfrm>
+            <a:off x="474839" y="319680"/>
+            <a:ext cx="1440213" cy="499186"/>
+          </a:xfrm>
+          <a:prstGeom prst="rect">
+            <a:avLst/>
+          </a:prstGeom>
+          <a:ln w="0">
+            <a:noFill/>
+          </a:ln>
+        </p:spPr>
+      </p:pic>
+      <p:pic>
+        <p:nvPicPr>
+          <p:cNvPr id="38" name="Picture 37"/>
+          <p:cNvPicPr/>
+          <p:nvPr/>
+        </p:nvPicPr>
+        <p:blipFill>
+          <a:blip r:embed="rId4"/>
+          <a:stretch/>
+        </p:blipFill>
+        <p:spPr>
+          <a:xfrm>
+            <a:off x="3782847" y="409764"/>
+            <a:ext cx="261647" cy="309492"/>
+          </a:xfrm>
+          <a:prstGeom prst="rect">
+            <a:avLst/>
+          </a:prstGeom>
+          <a:ln w="0">
+            <a:noFill/>
+          </a:ln>
+        </p:spPr>
+      </p:pic>
+      <p:pic>
+        <p:nvPicPr>
+          <p:cNvPr id="24" name="Picture 23"/>
+          <p:cNvPicPr/>
+          <p:nvPr/>
+        </p:nvPicPr>
+        <p:blipFill>
+          <a:blip r:embed="rId5"/>
+          <a:stretch/>
+        </p:blipFill>
+        <p:spPr>
+          <a:xfrm>
+            <a:off x="3142317" y="384341"/>
+            <a:ext cx="367348" cy="375002"/>
+          </a:xfrm>
+          <a:prstGeom prst="rect">
+            <a:avLst/>
+          </a:prstGeom>
+          <a:ln w="0">
+            <a:noFill/>
+          </a:ln>
+        </p:spPr>
+      </p:pic>
+      <p:grpSp>
+        <p:nvGrpSpPr>
+          <p:cNvPr id="52" name="Group 51"/>
+          <p:cNvGrpSpPr/>
+          <p:nvPr/>
+        </p:nvGrpSpPr>
+        <p:grpSpPr>
+          <a:xfrm>
+            <a:off x="1086941" y="2625760"/>
+            <a:ext cx="2916370" cy="677110"/>
+            <a:chOff x="1086509" y="1227386"/>
+            <a:chExt cx="2918451" cy="677110"/>
+          </a:xfrm>
+        </p:grpSpPr>
+        <p:grpSp>
+          <p:nvGrpSpPr>
+            <p:cNvPr id="55" name="Group 54"/>
+            <p:cNvGrpSpPr/>
+            <p:nvPr/>
+          </p:nvGrpSpPr>
+          <p:grpSpPr>
+            <a:xfrm>
+              <a:off x="1086509" y="1227386"/>
+              <a:ext cx="2356220" cy="677110"/>
+              <a:chOff x="1086509" y="1227386"/>
+              <a:chExt cx="2356220" cy="677110"/>
+            </a:xfrm>
+          </p:grpSpPr>
+          <p:sp>
+            <p:nvSpPr>
+              <p:cNvPr id="61" name="TextBox 60"/>
+              <p:cNvSpPr txBox="1"/>
+              <p:nvPr/>
+            </p:nvSpPr>
+            <p:spPr>
+              <a:xfrm>
+                <a:off x="1086509" y="1227386"/>
+                <a:ext cx="1471942" cy="400110"/>
+              </a:xfrm>
+              <a:prstGeom prst="rect">
+                <a:avLst/>
+              </a:prstGeom>
+              <a:noFill/>
+            </p:spPr>
+            <p:txBody>
+              <a:bodyPr wrap="square" rtlCol="0">
+                <a:spAutoFit/>
+              </a:bodyPr>
+              <a:lstStyle/>
+              <a:p>
+                <a:r>
+                  <a:rPr lang="en-US" sz="2000" dirty="0" smtClean="0">
+                    <a:solidFill>
+                      <a:schemeClr val="tx1">
+                        <a:lumMod val="85000"/>
+                        <a:lumOff val="15000"/>
+                      </a:schemeClr>
+                    </a:solidFill>
+                  </a:rPr>
+                  <a:t>Rice 5kg</a:t>
+                </a:r>
+                <a:r>
+                  <a:rPr lang="en-US" sz="2000" dirty="0" smtClean="0">
+                    <a:solidFill>
+                      <a:schemeClr val="tx1">
+                        <a:lumMod val="65000"/>
+                        <a:lumOff val="35000"/>
+                      </a:schemeClr>
+                    </a:solidFill>
+                  </a:rPr>
+                  <a:t> </a:t>
+                </a:r>
+                <a:endParaRPr lang="en-US" sz="2000" dirty="0">
+                  <a:solidFill>
+                    <a:schemeClr val="tx1">
+                      <a:lumMod val="65000"/>
+                      <a:lumOff val="35000"/>
+                    </a:schemeClr>
+                  </a:solidFill>
+                </a:endParaRPr>
+              </a:p>
+            </p:txBody>
+          </p:sp>
+          <p:sp>
+            <p:nvSpPr>
+              <p:cNvPr id="62" name="TextBox 61"/>
+              <p:cNvSpPr txBox="1"/>
+              <p:nvPr/>
+            </p:nvSpPr>
+            <p:spPr>
+              <a:xfrm>
+                <a:off x="1091587" y="1596719"/>
+                <a:ext cx="2351142" cy="307777"/>
+              </a:xfrm>
+              <a:prstGeom prst="rect">
+                <a:avLst/>
+              </a:prstGeom>
+              <a:noFill/>
+            </p:spPr>
+            <p:txBody>
+              <a:bodyPr wrap="square" rtlCol="0">
+                <a:spAutoFit/>
+              </a:bodyPr>
+              <a:lstStyle/>
+              <a:p>
+                <a:r>
+                  <a:rPr lang="en-US" sz="1400" dirty="0" smtClean="0">
+                    <a:solidFill>
+                      <a:schemeClr val="tx1">
+                        <a:lumMod val="65000"/>
+                        <a:lumOff val="35000"/>
+                      </a:schemeClr>
+                    </a:solidFill>
+                  </a:rPr>
+                  <a:t>₵20     ₵0     </a:t>
+                </a:r>
+                <a:r>
+                  <a:rPr lang="en-US" sz="1400" dirty="0">
+                    <a:solidFill>
+                      <a:schemeClr val="tx1">
+                        <a:lumMod val="65000"/>
+                        <a:lumOff val="35000"/>
+                      </a:schemeClr>
+                    </a:solidFill>
+                  </a:rPr>
+                  <a:t>0</a:t>
+                </a:r>
+                <a:r>
+                  <a:rPr lang="en-US" sz="1400" dirty="0" smtClean="0">
+                    <a:solidFill>
+                      <a:schemeClr val="tx1">
+                        <a:lumMod val="65000"/>
+                        <a:lumOff val="35000"/>
+                      </a:schemeClr>
+                    </a:solidFill>
+                  </a:rPr>
+                  <a:t>     ₵0</a:t>
+                </a:r>
+                <a:endParaRPr lang="en-US" sz="1400" dirty="0">
+                  <a:solidFill>
+                    <a:schemeClr val="tx1">
+                      <a:lumMod val="65000"/>
+                      <a:lumOff val="35000"/>
+                    </a:schemeClr>
+                  </a:solidFill>
+                </a:endParaRPr>
+              </a:p>
+            </p:txBody>
+          </p:sp>
+        </p:grpSp>
+        <p:grpSp>
+          <p:nvGrpSpPr>
+            <p:cNvPr id="56" name="Group 55"/>
+            <p:cNvGrpSpPr/>
+            <p:nvPr/>
+          </p:nvGrpSpPr>
+          <p:grpSpPr>
+            <a:xfrm>
+              <a:off x="3710082" y="1435756"/>
+              <a:ext cx="294878" cy="290124"/>
+              <a:chOff x="3620774" y="1413009"/>
+              <a:chExt cx="369342" cy="363388"/>
+            </a:xfrm>
+          </p:grpSpPr>
+          <p:sp>
+            <p:nvSpPr>
+              <p:cNvPr id="57" name="Oval 56"/>
+              <p:cNvSpPr/>
+              <p:nvPr/>
+            </p:nvSpPr>
+            <p:spPr>
+              <a:xfrm>
+                <a:off x="3620774" y="1413009"/>
+                <a:ext cx="369342" cy="363388"/>
+              </a:xfrm>
+              <a:prstGeom prst="ellipse">
+                <a:avLst/>
+              </a:prstGeom>
+              <a:solidFill>
+                <a:schemeClr val="bg1">
+                  <a:lumMod val="75000"/>
+                </a:schemeClr>
+              </a:solidFill>
+              <a:ln>
+                <a:noFill/>
+              </a:ln>
+            </p:spPr>
+            <p:style>
+              <a:lnRef idx="2">
+                <a:schemeClr val="accent1">
+                  <a:shade val="50000"/>
+                </a:schemeClr>
+              </a:lnRef>
+              <a:fillRef idx="1">
+                <a:schemeClr val="accent1"/>
+              </a:fillRef>
+              <a:effectRef idx="0">
+                <a:schemeClr val="accent1"/>
+              </a:effectRef>
+              <a:fontRef idx="minor">
+                <a:schemeClr val="lt1"/>
+              </a:fontRef>
+            </p:style>
+            <p:txBody>
+              <a:bodyPr rtlCol="0" anchor="ctr"/>
+              <a:lstStyle/>
+              <a:p>
+                <a:pPr algn="ctr"/>
+                <a:endParaRPr lang="en-US"/>
+              </a:p>
+            </p:txBody>
+          </p:sp>
+          <p:pic>
+            <p:nvPicPr>
+              <p:cNvPr id="60" name="Picture 59"/>
+              <p:cNvPicPr>
+                <a:picLocks noChangeAspect="1"/>
+              </p:cNvPicPr>
+              <p:nvPr/>
+            </p:nvPicPr>
+            <p:blipFill>
+              <a:blip r:embed="rId2" cstate="print">
+                <a:extLst>
+                  <a:ext uri="{28A0092B-C50C-407E-A947-70E740481C1C}">
+                    <a14:useLocalDpi xmlns:a14="http://schemas.microsoft.com/office/drawing/2010/main" val="0"/>
+                  </a:ext>
+                </a:extLst>
+              </a:blip>
+              <a:stretch>
+                <a:fillRect/>
+              </a:stretch>
+            </p:blipFill>
+            <p:spPr>
+              <a:xfrm>
+                <a:off x="3726971" y="1492509"/>
+                <a:ext cx="159423" cy="204388"/>
+              </a:xfrm>
+              <a:prstGeom prst="rect">
+                <a:avLst/>
+              </a:prstGeom>
+            </p:spPr>
+          </p:pic>
+        </p:grpSp>
+      </p:grpSp>
+      <p:grpSp>
+        <p:nvGrpSpPr>
+          <p:cNvPr id="63" name="Group 62"/>
+          <p:cNvGrpSpPr/>
+          <p:nvPr/>
+        </p:nvGrpSpPr>
+        <p:grpSpPr>
+          <a:xfrm>
+            <a:off x="1084718" y="3678895"/>
+            <a:ext cx="2918452" cy="677110"/>
+            <a:chOff x="1086508" y="1227386"/>
+            <a:chExt cx="2918452" cy="677110"/>
+          </a:xfrm>
+        </p:grpSpPr>
+        <p:grpSp>
+          <p:nvGrpSpPr>
+            <p:cNvPr id="66" name="Group 65"/>
+            <p:cNvGrpSpPr/>
+            <p:nvPr/>
+          </p:nvGrpSpPr>
+          <p:grpSpPr>
+            <a:xfrm>
+              <a:off x="1086508" y="1227386"/>
+              <a:ext cx="2356221" cy="677110"/>
+              <a:chOff x="1086508" y="1227386"/>
+              <a:chExt cx="2356221" cy="677110"/>
+            </a:xfrm>
+          </p:grpSpPr>
+          <p:sp>
+            <p:nvSpPr>
+              <p:cNvPr id="70" name="TextBox 69"/>
+              <p:cNvSpPr txBox="1"/>
+              <p:nvPr/>
+            </p:nvSpPr>
+            <p:spPr>
+              <a:xfrm>
+                <a:off x="1086508" y="1227386"/>
+                <a:ext cx="2127739" cy="400110"/>
+              </a:xfrm>
+              <a:prstGeom prst="rect">
+                <a:avLst/>
+              </a:prstGeom>
+              <a:noFill/>
+            </p:spPr>
+            <p:txBody>
+              <a:bodyPr wrap="square" rtlCol="0">
+                <a:spAutoFit/>
+              </a:bodyPr>
+              <a:lstStyle/>
+              <a:p>
+                <a:r>
+                  <a:rPr lang="en-US" sz="2000" strike="sngStrike" dirty="0" smtClean="0">
+                    <a:solidFill>
+                      <a:schemeClr val="tx1">
+                        <a:lumMod val="85000"/>
+                        <a:lumOff val="15000"/>
+                      </a:schemeClr>
+                    </a:solidFill>
+                  </a:rPr>
+                  <a:t>Tomato paste</a:t>
+                </a:r>
+                <a:endParaRPr lang="en-US" sz="2000" strike="sngStrike" dirty="0">
+                  <a:solidFill>
+                    <a:schemeClr val="tx1">
+                      <a:lumMod val="65000"/>
+                      <a:lumOff val="35000"/>
+                    </a:schemeClr>
+                  </a:solidFill>
+                </a:endParaRPr>
+              </a:p>
+            </p:txBody>
+          </p:sp>
+          <p:sp>
+            <p:nvSpPr>
+              <p:cNvPr id="71" name="TextBox 70"/>
+              <p:cNvSpPr txBox="1"/>
+              <p:nvPr/>
+            </p:nvSpPr>
+            <p:spPr>
+              <a:xfrm>
+                <a:off x="1091587" y="1596719"/>
+                <a:ext cx="2351142" cy="307777"/>
+              </a:xfrm>
+              <a:prstGeom prst="rect">
+                <a:avLst/>
+              </a:prstGeom>
+              <a:noFill/>
+            </p:spPr>
+            <p:txBody>
+              <a:bodyPr wrap="square" rtlCol="0">
+                <a:spAutoFit/>
+              </a:bodyPr>
+              <a:lstStyle/>
+              <a:p>
+                <a:r>
+                  <a:rPr lang="en-US" sz="1400" strike="sngStrike" dirty="0">
+                    <a:solidFill>
+                      <a:schemeClr val="tx1">
+                        <a:lumMod val="65000"/>
+                        <a:lumOff val="35000"/>
+                      </a:schemeClr>
+                    </a:solidFill>
+                  </a:rPr>
+                  <a:t>₵</a:t>
+                </a:r>
+                <a:r>
+                  <a:rPr lang="en-US" sz="1400" strike="sngStrike" dirty="0" smtClean="0">
+                    <a:solidFill>
+                      <a:schemeClr val="tx1">
+                        <a:lumMod val="65000"/>
+                        <a:lumOff val="35000"/>
+                      </a:schemeClr>
+                    </a:solidFill>
+                  </a:rPr>
+                  <a:t>10     </a:t>
+                </a:r>
+                <a:r>
+                  <a:rPr lang="en-US" sz="1400" strike="sngStrike" dirty="0">
+                    <a:solidFill>
+                      <a:schemeClr val="tx1">
+                        <a:lumMod val="65000"/>
+                        <a:lumOff val="35000"/>
+                      </a:schemeClr>
+                    </a:solidFill>
+                  </a:rPr>
+                  <a:t>₵</a:t>
+                </a:r>
+                <a:r>
+                  <a:rPr lang="en-US" sz="1400" strike="sngStrike" dirty="0" smtClean="0">
+                    <a:solidFill>
+                      <a:schemeClr val="tx1">
+                        <a:lumMod val="65000"/>
+                        <a:lumOff val="35000"/>
+                      </a:schemeClr>
+                    </a:solidFill>
+                  </a:rPr>
+                  <a:t>15.20     2     ₵40</a:t>
+                </a:r>
+                <a:endParaRPr lang="en-US" sz="1400" strike="sngStrike" dirty="0">
+                  <a:solidFill>
+                    <a:schemeClr val="tx1">
+                      <a:lumMod val="65000"/>
+                      <a:lumOff val="35000"/>
+                    </a:schemeClr>
+                  </a:solidFill>
+                </a:endParaRPr>
+              </a:p>
+            </p:txBody>
+          </p:sp>
+        </p:grpSp>
+        <p:grpSp>
+          <p:nvGrpSpPr>
+            <p:cNvPr id="67" name="Group 66"/>
+            <p:cNvGrpSpPr/>
+            <p:nvPr/>
+          </p:nvGrpSpPr>
+          <p:grpSpPr>
+            <a:xfrm>
+              <a:off x="3710082" y="1435756"/>
+              <a:ext cx="294878" cy="290124"/>
+              <a:chOff x="3620774" y="1413009"/>
+              <a:chExt cx="369342" cy="363388"/>
+            </a:xfrm>
+          </p:grpSpPr>
+          <p:sp>
+            <p:nvSpPr>
+              <p:cNvPr id="68" name="Oval 67"/>
+              <p:cNvSpPr/>
+              <p:nvPr/>
+            </p:nvSpPr>
+            <p:spPr>
+              <a:xfrm>
+                <a:off x="3620774" y="1413009"/>
+                <a:ext cx="369342" cy="363388"/>
+              </a:xfrm>
+              <a:prstGeom prst="ellipse">
+                <a:avLst/>
+              </a:prstGeom>
+              <a:solidFill>
+                <a:schemeClr val="bg1">
+                  <a:lumMod val="75000"/>
+                </a:schemeClr>
+              </a:solidFill>
+              <a:ln>
+                <a:noFill/>
+              </a:ln>
+            </p:spPr>
+            <p:style>
+              <a:lnRef idx="2">
+                <a:schemeClr val="accent1">
+                  <a:shade val="50000"/>
+                </a:schemeClr>
+              </a:lnRef>
+              <a:fillRef idx="1">
+                <a:schemeClr val="accent1"/>
+              </a:fillRef>
+              <a:effectRef idx="0">
+                <a:schemeClr val="accent1"/>
+              </a:effectRef>
+              <a:fontRef idx="minor">
+                <a:schemeClr val="lt1"/>
+              </a:fontRef>
+            </p:style>
+            <p:txBody>
+              <a:bodyPr rtlCol="0" anchor="ctr"/>
+              <a:lstStyle/>
+              <a:p>
+                <a:pPr algn="ctr"/>
+                <a:endParaRPr lang="en-US"/>
+              </a:p>
+            </p:txBody>
+          </p:sp>
+          <p:pic>
+            <p:nvPicPr>
+              <p:cNvPr id="69" name="Picture 68"/>
+              <p:cNvPicPr>
+                <a:picLocks noChangeAspect="1"/>
+              </p:cNvPicPr>
+              <p:nvPr/>
+            </p:nvPicPr>
+            <p:blipFill>
+              <a:blip r:embed="rId2" cstate="print">
+                <a:extLst>
+                  <a:ext uri="{28A0092B-C50C-407E-A947-70E740481C1C}">
+                    <a14:useLocalDpi xmlns:a14="http://schemas.microsoft.com/office/drawing/2010/main" val="0"/>
+                  </a:ext>
+                </a:extLst>
+              </a:blip>
+              <a:stretch>
+                <a:fillRect/>
+              </a:stretch>
+            </p:blipFill>
+            <p:spPr>
+              <a:xfrm>
+                <a:off x="3726971" y="1492509"/>
+                <a:ext cx="159423" cy="204388"/>
+              </a:xfrm>
+              <a:prstGeom prst="rect">
+                <a:avLst/>
+              </a:prstGeom>
+            </p:spPr>
+          </p:pic>
+        </p:grpSp>
+      </p:grpSp>
+      <p:sp>
+        <p:nvSpPr>
+          <p:cNvPr id="72" name="Rounded Rectangle 71"/>
+          <p:cNvSpPr/>
+          <p:nvPr/>
+        </p:nvSpPr>
+        <p:spPr>
+          <a:xfrm>
+            <a:off x="680920" y="1880802"/>
+            <a:ext cx="228599" cy="218643"/>
+          </a:xfrm>
+          <a:prstGeom prst="roundRect">
+            <a:avLst/>
+          </a:prstGeom>
+          <a:solidFill>
+            <a:schemeClr val="bg1">
+              <a:alpha val="50000"/>
+            </a:schemeClr>
+          </a:solidFill>
+          <a:ln>
+            <a:solidFill>
+              <a:srgbClr val="B2B2B2"/>
+            </a:solidFill>
+          </a:ln>
+        </p:spPr>
+        <p:style>
+          <a:lnRef idx="2">
+            <a:schemeClr val="accent1">
+              <a:shade val="50000"/>
+            </a:schemeClr>
+          </a:lnRef>
+          <a:fillRef idx="1">
+            <a:schemeClr val="accent1"/>
+          </a:fillRef>
+          <a:effectRef idx="0">
+            <a:schemeClr val="accent1"/>
+          </a:effectRef>
+          <a:fontRef idx="minor">
+            <a:schemeClr val="lt1"/>
+          </a:fontRef>
+        </p:style>
+        <p:txBody>
+          <a:bodyPr rtlCol="0" anchor="ctr"/>
+          <a:lstStyle/>
+          <a:p>
+            <a:pPr algn="ctr"/>
+            <a:endParaRPr lang="en-US"/>
+          </a:p>
+        </p:txBody>
+      </p:sp>
+      <p:sp>
+        <p:nvSpPr>
+          <p:cNvPr id="73" name="Rounded Rectangle 72"/>
+          <p:cNvSpPr/>
+          <p:nvPr/>
+        </p:nvSpPr>
+        <p:spPr>
+          <a:xfrm>
+            <a:off x="680920" y="3954154"/>
+            <a:ext cx="228599" cy="218643"/>
+          </a:xfrm>
+          <a:prstGeom prst="roundRect">
+            <a:avLst/>
+          </a:prstGeom>
+          <a:blipFill>
+            <a:blip r:embed="rId6"/>
+            <a:stretch>
+              <a:fillRect/>
+            </a:stretch>
+          </a:blipFill>
+          <a:ln>
+            <a:solidFill>
+              <a:srgbClr val="B2B2B2"/>
+            </a:solidFill>
+          </a:ln>
+        </p:spPr>
+        <p:style>
+          <a:lnRef idx="2">
+            <a:schemeClr val="accent1">
+              <a:shade val="50000"/>
+            </a:schemeClr>
+          </a:lnRef>
+          <a:fillRef idx="1">
+            <a:schemeClr val="accent1"/>
+          </a:fillRef>
+          <a:effectRef idx="0">
+            <a:schemeClr val="accent1"/>
+          </a:effectRef>
+          <a:fontRef idx="minor">
+            <a:schemeClr val="lt1"/>
+          </a:fontRef>
+        </p:style>
+        <p:txBody>
+          <a:bodyPr rtlCol="0" anchor="ctr"/>
+          <a:lstStyle/>
+          <a:p>
+            <a:pPr algn="ctr"/>
+            <a:endParaRPr lang="en-US"/>
+          </a:p>
+        </p:txBody>
+      </p:sp>
+      <p:sp>
+        <p:nvSpPr>
+          <p:cNvPr id="74" name="Rounded Rectangle 73"/>
+          <p:cNvSpPr/>
+          <p:nvPr/>
+        </p:nvSpPr>
+        <p:spPr>
+          <a:xfrm>
+            <a:off x="684459" y="2905075"/>
+            <a:ext cx="228599" cy="218643"/>
+          </a:xfrm>
+          <a:prstGeom prst="roundRect">
+            <a:avLst/>
+          </a:prstGeom>
+          <a:solidFill>
+            <a:schemeClr val="bg1">
+              <a:alpha val="50000"/>
+            </a:schemeClr>
+          </a:solidFill>
+          <a:ln>
+            <a:solidFill>
+              <a:srgbClr val="B2B2B2"/>
+            </a:solidFill>
+          </a:ln>
+        </p:spPr>
+        <p:style>
+          <a:lnRef idx="2">
+            <a:schemeClr val="accent1">
+              <a:shade val="50000"/>
+            </a:schemeClr>
+          </a:lnRef>
+          <a:fillRef idx="1">
+            <a:schemeClr val="accent1"/>
+          </a:fillRef>
+          <a:effectRef idx="0">
+            <a:schemeClr val="accent1"/>
+          </a:effectRef>
+          <a:fontRef idx="minor">
+            <a:schemeClr val="lt1"/>
+          </a:fontRef>
+        </p:style>
+        <p:txBody>
+          <a:bodyPr rtlCol="0" anchor="ctr"/>
+          <a:lstStyle/>
+          <a:p>
+            <a:pPr algn="ctr"/>
+            <a:endParaRPr lang="en-US"/>
+          </a:p>
+        </p:txBody>
+      </p:sp>
+      <p:sp>
+        <p:nvSpPr>
+          <p:cNvPr id="4" name="Rounded Rectangle 3"/>
+          <p:cNvSpPr/>
+          <p:nvPr/>
+        </p:nvSpPr>
+        <p:spPr>
+          <a:xfrm>
+            <a:off x="483682" y="4644540"/>
+            <a:ext cx="3716280" cy="1137684"/>
+          </a:xfrm>
+          <a:prstGeom prst="roundRect">
+            <a:avLst>
+              <a:gd name="adj" fmla="val 0"/>
+            </a:avLst>
+          </a:prstGeom>
+          <a:solidFill>
+            <a:schemeClr val="bg1"/>
+          </a:solidFill>
+          <a:ln>
+            <a:noFill/>
+          </a:ln>
+        </p:spPr>
+        <p:style>
+          <a:lnRef idx="2">
+            <a:schemeClr val="accent1">
+              <a:shade val="50000"/>
+            </a:schemeClr>
+          </a:lnRef>
+          <a:fillRef idx="1">
+            <a:schemeClr val="accent1"/>
+          </a:fillRef>
+          <a:effectRef idx="0">
+            <a:schemeClr val="accent1"/>
+          </a:effectRef>
+          <a:fontRef idx="minor">
+            <a:schemeClr val="lt1"/>
+          </a:fontRef>
+        </p:style>
+        <p:txBody>
+          <a:bodyPr rtlCol="0" anchor="ctr"/>
+          <a:lstStyle/>
+          <a:p>
+            <a:r>
+              <a:rPr lang="en-US" sz="1600" dirty="0" smtClean="0">
+                <a:solidFill>
+                  <a:srgbClr val="262626"/>
+                </a:solidFill>
+              </a:rPr>
+              <a:t>Your Notes</a:t>
+            </a:r>
+          </a:p>
+          <a:p>
+            <a:r>
+              <a:rPr lang="en-US" sz="1400" dirty="0" smtClean="0">
+                <a:solidFill>
+                  <a:schemeClr val="tx1">
+                    <a:lumMod val="65000"/>
+                    <a:lumOff val="35000"/>
+                  </a:schemeClr>
+                </a:solidFill>
+              </a:rPr>
+              <a:t>One olonka of tomatoes is 1 quantity. </a:t>
+            </a:r>
+            <a:endParaRPr lang="en-US" sz="1400" dirty="0">
+              <a:solidFill>
+                <a:schemeClr val="tx1">
+                  <a:lumMod val="65000"/>
+                  <a:lumOff val="35000"/>
+                </a:schemeClr>
+              </a:solidFill>
+            </a:endParaRPr>
+          </a:p>
+        </p:txBody>
+      </p:sp>
+      <p:pic>
+        <p:nvPicPr>
+          <p:cNvPr id="7" name="Picture 6"/>
+          <p:cNvPicPr>
+            <a:picLocks noChangeAspect="1"/>
+          </p:cNvPicPr>
+          <p:nvPr/>
+        </p:nvPicPr>
+        <p:blipFill>
+          <a:blip r:embed="rId7" cstate="print">
+            <a:extLst>
+              <a:ext uri="{28A0092B-C50C-407E-A947-70E740481C1C}">
+                <a14:useLocalDpi xmlns:a14="http://schemas.microsoft.com/office/drawing/2010/main" val="0"/>
+              </a:ext>
+            </a:extLst>
+          </a:blip>
+          <a:stretch>
+            <a:fillRect/>
+          </a:stretch>
+        </p:blipFill>
+        <p:spPr>
+          <a:xfrm>
+            <a:off x="3799089" y="1128321"/>
+            <a:ext cx="186077" cy="264564"/>
+          </a:xfrm>
+          <a:prstGeom prst="rect">
+            <a:avLst/>
+          </a:prstGeom>
+        </p:spPr>
+      </p:pic>
+      <p:cxnSp>
+        <p:nvCxnSpPr>
+          <p:cNvPr id="6" name="Straight Connector 5"/>
+          <p:cNvCxnSpPr/>
+          <p:nvPr/>
+        </p:nvCxnSpPr>
+        <p:spPr>
+          <a:xfrm>
+            <a:off x="483682" y="2473569"/>
+            <a:ext cx="3647542" cy="0"/>
+          </a:xfrm>
+          <a:prstGeom prst="line">
+            <a:avLst/>
+          </a:prstGeom>
+          <a:ln>
+            <a:solidFill>
+              <a:srgbClr val="FFC000"/>
+            </a:solidFill>
+          </a:ln>
+        </p:spPr>
+        <p:style>
+          <a:lnRef idx="1">
+            <a:schemeClr val="accent1"/>
+          </a:lnRef>
+          <a:fillRef idx="0">
+            <a:schemeClr val="accent1"/>
+          </a:fillRef>
+          <a:effectRef idx="0">
+            <a:schemeClr val="accent1"/>
+          </a:effectRef>
+          <a:fontRef idx="minor">
+            <a:schemeClr val="tx1"/>
+          </a:fontRef>
+        </p:style>
+      </p:cxnSp>
+      <p:cxnSp>
+        <p:nvCxnSpPr>
+          <p:cNvPr id="42" name="Straight Connector 41"/>
+          <p:cNvCxnSpPr/>
+          <p:nvPr/>
+        </p:nvCxnSpPr>
+        <p:spPr>
+          <a:xfrm>
+            <a:off x="507129" y="3540367"/>
+            <a:ext cx="3647542" cy="0"/>
+          </a:xfrm>
+          <a:prstGeom prst="line">
+            <a:avLst/>
+          </a:prstGeom>
+          <a:ln>
+            <a:solidFill>
+              <a:srgbClr val="FFC000"/>
+            </a:solidFill>
+          </a:ln>
+        </p:spPr>
+        <p:style>
+          <a:lnRef idx="1">
+            <a:schemeClr val="accent1"/>
+          </a:lnRef>
+          <a:fillRef idx="0">
+            <a:schemeClr val="accent1"/>
+          </a:fillRef>
+          <a:effectRef idx="0">
+            <a:schemeClr val="accent1"/>
+          </a:effectRef>
+          <a:fontRef idx="minor">
+            <a:schemeClr val="tx1"/>
+          </a:fontRef>
+        </p:style>
+      </p:cxnSp>
+      <p:cxnSp>
+        <p:nvCxnSpPr>
+          <p:cNvPr id="43" name="Straight Connector 42"/>
+          <p:cNvCxnSpPr/>
+          <p:nvPr/>
+        </p:nvCxnSpPr>
+        <p:spPr>
+          <a:xfrm>
+            <a:off x="518852" y="4665783"/>
+            <a:ext cx="3647542" cy="0"/>
+          </a:xfrm>
+          <a:prstGeom prst="line">
+            <a:avLst/>
+          </a:prstGeom>
+          <a:ln>
+            <a:solidFill>
+              <a:srgbClr val="FFC000"/>
+            </a:solidFill>
+          </a:ln>
+        </p:spPr>
+        <p:style>
+          <a:lnRef idx="1">
+            <a:schemeClr val="accent1"/>
+          </a:lnRef>
+          <a:fillRef idx="0">
+            <a:schemeClr val="accent1"/>
+          </a:fillRef>
+          <a:effectRef idx="0">
+            <a:schemeClr val="accent1"/>
+          </a:effectRef>
+          <a:fontRef idx="minor">
+            <a:schemeClr val="tx1"/>
+          </a:fontRef>
+        </p:style>
+      </p:cxnSp>
+      <p:sp>
+        <p:nvSpPr>
+          <p:cNvPr id="44" name="Rounded Rectangle 43"/>
+          <p:cNvSpPr/>
+          <p:nvPr/>
+        </p:nvSpPr>
+        <p:spPr>
+          <a:xfrm>
+            <a:off x="1567476" y="5810100"/>
+            <a:ext cx="1295678" cy="439275"/>
+          </a:xfrm>
+          <a:prstGeom prst="roundRect">
+            <a:avLst>
+              <a:gd name="adj" fmla="val 0"/>
+            </a:avLst>
+          </a:prstGeom>
+          <a:solidFill>
+            <a:srgbClr val="FFC000"/>
+          </a:solidFill>
+          <a:ln>
+            <a:solidFill>
+              <a:srgbClr val="FFC000"/>
+            </a:solidFill>
+          </a:ln>
+        </p:spPr>
+        <p:style>
+          <a:lnRef idx="2">
+            <a:schemeClr val="accent1">
+              <a:shade val="50000"/>
+            </a:schemeClr>
+          </a:lnRef>
+          <a:fillRef idx="1">
+            <a:schemeClr val="accent1"/>
+          </a:fillRef>
+          <a:effectRef idx="0">
+            <a:schemeClr val="accent1"/>
+          </a:effectRef>
+          <a:fontRef idx="minor">
+            <a:schemeClr val="lt1"/>
+          </a:fontRef>
+        </p:style>
+        <p:txBody>
+          <a:bodyPr rtlCol="0" anchor="ctr"/>
+          <a:lstStyle/>
+          <a:p>
+            <a:pPr algn="ctr"/>
+            <a:r>
+              <a:rPr lang="en-US" dirty="0" smtClean="0">
+                <a:solidFill>
+                  <a:schemeClr val="tx1"/>
+                </a:solidFill>
+              </a:rPr>
+              <a:t>Add Item</a:t>
+            </a:r>
+            <a:endParaRPr lang="en-US" dirty="0">
+              <a:solidFill>
+                <a:schemeClr val="tx1"/>
+              </a:solidFill>
+            </a:endParaRPr>
+          </a:p>
+        </p:txBody>
+      </p:sp>
+      <p:sp>
+        <p:nvSpPr>
+          <p:cNvPr id="45" name="Rounded Rectangle 44"/>
+          <p:cNvSpPr/>
+          <p:nvPr/>
+        </p:nvSpPr>
+        <p:spPr>
+          <a:xfrm>
+            <a:off x="6771718" y="3827979"/>
+            <a:ext cx="3724256" cy="528026"/>
+          </a:xfrm>
+          <a:prstGeom prst="roundRect">
+            <a:avLst>
+              <a:gd name="adj" fmla="val 50000"/>
+            </a:avLst>
+          </a:prstGeom>
+          <a:noFill/>
+          <a:ln>
+            <a:solidFill>
+              <a:srgbClr val="FFC000"/>
+            </a:solidFill>
+          </a:ln>
+        </p:spPr>
+        <p:style>
+          <a:lnRef idx="2">
+            <a:schemeClr val="accent1">
+              <a:shade val="50000"/>
+            </a:schemeClr>
+          </a:lnRef>
+          <a:fillRef idx="1">
+            <a:schemeClr val="accent1"/>
+          </a:fillRef>
+          <a:effectRef idx="0">
+            <a:schemeClr val="accent1"/>
+          </a:effectRef>
+          <a:fontRef idx="minor">
+            <a:schemeClr val="lt1"/>
+          </a:fontRef>
+        </p:style>
+        <p:txBody>
+          <a:bodyPr rtlCol="0" anchor="ctr"/>
+          <a:lstStyle/>
+          <a:p>
+            <a:pPr algn="ctr"/>
+            <a:r>
+              <a:rPr lang="en-US" dirty="0" smtClean="0">
+                <a:solidFill>
+                  <a:schemeClr val="tx1"/>
+                </a:solidFill>
+              </a:rPr>
+              <a:t>Create Bag</a:t>
+            </a:r>
+            <a:endParaRPr lang="en-US" dirty="0">
+              <a:solidFill>
+                <a:schemeClr val="tx1"/>
+              </a:solidFill>
+            </a:endParaRPr>
+          </a:p>
+        </p:txBody>
+      </p:sp>
+      <p:sp>
+        <p:nvSpPr>
+          <p:cNvPr id="48" name="Rounded Rectangle 47"/>
+          <p:cNvSpPr/>
+          <p:nvPr/>
+        </p:nvSpPr>
+        <p:spPr>
+          <a:xfrm>
+            <a:off x="1021071" y="6526975"/>
+            <a:ext cx="2488594" cy="446868"/>
+          </a:xfrm>
+          <a:prstGeom prst="roundRect">
+            <a:avLst>
+              <a:gd name="adj" fmla="val 0"/>
+            </a:avLst>
+          </a:prstGeom>
+          <a:solidFill>
+            <a:srgbClr val="FFC000"/>
+          </a:solidFill>
+          <a:ln>
+            <a:solidFill>
+              <a:srgbClr val="FFC000"/>
+            </a:solidFill>
+          </a:ln>
+        </p:spPr>
+        <p:style>
+          <a:lnRef idx="2">
+            <a:schemeClr val="accent1">
+              <a:shade val="50000"/>
+            </a:schemeClr>
+          </a:lnRef>
+          <a:fillRef idx="1">
+            <a:schemeClr val="accent1"/>
+          </a:fillRef>
+          <a:effectRef idx="0">
+            <a:schemeClr val="accent1"/>
+          </a:effectRef>
+          <a:fontRef idx="minor">
+            <a:schemeClr val="lt1"/>
+          </a:fontRef>
+        </p:style>
+        <p:txBody>
+          <a:bodyPr rtlCol="0" anchor="ctr"/>
+          <a:lstStyle/>
+          <a:p>
+            <a:pPr algn="ctr"/>
+            <a:r>
+              <a:rPr lang="en-US" dirty="0" smtClean="0">
+                <a:solidFill>
+                  <a:schemeClr val="tx1"/>
+                </a:solidFill>
+              </a:rPr>
+              <a:t>Add Item</a:t>
+            </a:r>
+            <a:endParaRPr lang="en-US" dirty="0">
+              <a:solidFill>
+                <a:schemeClr val="tx1"/>
+              </a:solidFill>
+            </a:endParaRPr>
+          </a:p>
+        </p:txBody>
+      </p:sp>
+      <p:cxnSp>
+        <p:nvCxnSpPr>
+          <p:cNvPr id="49" name="Straight Connector 48"/>
+          <p:cNvCxnSpPr/>
+          <p:nvPr/>
+        </p:nvCxnSpPr>
+        <p:spPr>
+          <a:xfrm>
+            <a:off x="495148" y="1479553"/>
+            <a:ext cx="3647542" cy="0"/>
+          </a:xfrm>
+          <a:prstGeom prst="line">
+            <a:avLst/>
+          </a:prstGeom>
+          <a:ln>
+            <a:solidFill>
+              <a:srgbClr val="FFC000"/>
+            </a:solidFill>
+          </a:ln>
+        </p:spPr>
+        <p:style>
+          <a:lnRef idx="1">
+            <a:schemeClr val="accent1"/>
+          </a:lnRef>
+          <a:fillRef idx="0">
+            <a:schemeClr val="accent1"/>
+          </a:fillRef>
+          <a:effectRef idx="0">
+            <a:schemeClr val="accent1"/>
+          </a:effectRef>
+          <a:fontRef idx="minor">
+            <a:schemeClr val="tx1"/>
+          </a:fontRef>
+        </p:style>
+      </p:cxnSp>
+    </p:spTree>
+    <p:extLst>
+      <p:ext uri="{BB962C8B-B14F-4D97-AF65-F5344CB8AC3E}">
+        <p14:creationId xmlns:p14="http://schemas.microsoft.com/office/powerpoint/2010/main" val="3510928073"/>
+      </p:ext>
+    </p:extLst>
+  </p:cSld>
+  <p:clrMapOvr>
+    <a:masterClrMapping/>
+  </p:clrMapOvr>
+  <mc:AlternateContent xmlns:mc="http://schemas.openxmlformats.org/markup-compatibility/2006" xmlns:p14="http://schemas.microsoft.com/office/powerpoint/2010/main">
+    <mc:Choice Requires="p14">
+      <p:transition spd="slow" p14:dur="2000"/>
+    </mc:Choice>
+    <mc:Fallback xmlns:p15="http://schemas.microsoft.com/office/powerpoint/2012/main" xmlns="">
+      <p:transition spd="slow"/>
+    </mc:Fallback>
+  </mc:AlternateContent>
+</p:sld>
+</file>
+
+<file path=ppt/slides/slide5.xml><?xml version="1.0" encoding="utf-8"?>
 <p:sld xmlns:a="http://schemas.openxmlformats.org/drawingml/2006/main" xmlns:r="http://schemas.openxmlformats.org/officeDocument/2006/relationships" xmlns:p="http://schemas.openxmlformats.org/presentationml/2006/main">
   <p:cSld>
     <p:spTree>
@@ -6359,11 +8108,7 @@
           <a:p>
             <a:r>
               <a:rPr lang="en-US" spc="-1" dirty="0" smtClean="0"/>
-              <a:t>add </a:t>
-            </a:r>
-            <a:r>
-              <a:rPr lang="en-US" spc="-1" dirty="0" smtClean="0"/>
-              <a:t>page</a:t>
+              <a:t>add page</a:t>
             </a:r>
             <a:endParaRPr lang="en-US" dirty="0"/>
           </a:p>
@@ -7133,14 +8878,14 @@
     <mc:Choice Requires="p14">
       <p:transition spd="slow" p14:dur="2000"/>
     </mc:Choice>
-    <mc:Fallback xmlns="" xmlns:p15="http://schemas.microsoft.com/office/powerpoint/2012/main">
+    <mc:Fallback xmlns:p15="http://schemas.microsoft.com/office/powerpoint/2012/main" xmlns="">
       <p:transition spd="slow"/>
     </mc:Fallback>
   </mc:AlternateContent>
 </p:sld>
 </file>
 
-<file path=ppt/slides/slide5.xml><?xml version="1.0" encoding="utf-8"?>
+<file path=ppt/slides/slide6.xml><?xml version="1.0" encoding="utf-8"?>
 <p:sld xmlns:a="http://schemas.openxmlformats.org/drawingml/2006/main" xmlns:r="http://schemas.openxmlformats.org/officeDocument/2006/relationships" xmlns:p="http://schemas.openxmlformats.org/presentationml/2006/main">
   <p:cSld>
     <p:spTree>

--- a/shopbag_ui.pptx
+++ b/shopbag_ui.pptx
@@ -3199,7 +3199,7 @@
         </p:blipFill>
         <p:spPr>
           <a:xfrm>
-            <a:off x="2819108" y="451620"/>
+            <a:off x="3742605" y="1046538"/>
             <a:ext cx="272574" cy="273486"/>
           </a:xfrm>
           <a:prstGeom prst="rect">
@@ -7899,7 +7899,7 @@
         </p:nvSpPr>
         <p:spPr>
           <a:xfrm>
-            <a:off x="6771718" y="3827979"/>
+            <a:off x="6329958" y="6526975"/>
             <a:ext cx="3724256" cy="528026"/>
           </a:xfrm>
           <a:prstGeom prst="roundRect">

--- a/shopbag_ui.pptx
+++ b/shopbag_ui.pptx
@@ -11,8 +11,13 @@
     <p:sldId id="263" r:id="rId5"/>
     <p:sldId id="259" r:id="rId6"/>
     <p:sldId id="262" r:id="rId7"/>
+    <p:sldId id="264" r:id="rId8"/>
+    <p:sldId id="266" r:id="rId9"/>
+    <p:sldId id="267" r:id="rId10"/>
+    <p:sldId id="268" r:id="rId11"/>
+    <p:sldId id="265" r:id="rId12"/>
   </p:sldIdLst>
-  <p:sldSz cx="10080625" cy="5670550"/>
+  <p:sldSz cx="9906000" cy="6858000" type="A4"/>
   <p:notesSz cx="7772400" cy="10058400"/>
   <p:defaultTextStyle>
     <a:defPPr>
@@ -171,8 +176,8 @@
         </p:nvSpPr>
         <p:spPr>
           <a:xfrm>
-            <a:off x="504000" y="226080"/>
-            <a:ext cx="9071640" cy="946440"/>
+            <a:off x="495270" y="273422"/>
+            <a:ext cx="8914493" cy="1144631"/>
           </a:xfrm>
           <a:prstGeom prst="rect">
             <a:avLst/>
@@ -185,7 +190,7 @@
           <a:lstStyle/>
           <a:p>
             <a:pPr algn="ctr"/>
-            <a:endParaRPr lang="en-US" sz="4400" b="0" strike="noStrike" spc="-1">
+            <a:endParaRPr lang="en-US" sz="4324" b="0" strike="noStrike" spc="-1">
               <a:latin typeface="Arial"/>
             </a:endParaRPr>
           </a:p>
@@ -203,8 +208,8 @@
         </p:nvSpPr>
         <p:spPr>
           <a:xfrm>
-            <a:off x="504000" y="1326600"/>
-            <a:ext cx="9071640" cy="1568160"/>
+            <a:off x="495270" y="1604399"/>
+            <a:ext cx="8914493" cy="1896543"/>
           </a:xfrm>
           <a:prstGeom prst="rect">
             <a:avLst/>
@@ -216,7 +221,7 @@
           </a:bodyPr>
           <a:lstStyle/>
           <a:p>
-            <a:endParaRPr lang="en-US" sz="3200" b="0" strike="noStrike" spc="-1">
+            <a:endParaRPr lang="en-US" sz="3145" b="0" strike="noStrike" spc="-1">
               <a:latin typeface="Arial"/>
             </a:endParaRPr>
           </a:p>
@@ -234,8 +239,8 @@
         </p:nvSpPr>
         <p:spPr>
           <a:xfrm>
-            <a:off x="504000" y="3044160"/>
-            <a:ext cx="9071640" cy="1568160"/>
+            <a:off x="495270" y="3681627"/>
+            <a:ext cx="8914493" cy="1896543"/>
           </a:xfrm>
           <a:prstGeom prst="rect">
             <a:avLst/>
@@ -247,7 +252,7 @@
           </a:bodyPr>
           <a:lstStyle/>
           <a:p>
-            <a:endParaRPr lang="en-US" sz="3200" b="0" strike="noStrike" spc="-1">
+            <a:endParaRPr lang="en-US" sz="3145" b="0" strike="noStrike" spc="-1">
               <a:latin typeface="Arial"/>
             </a:endParaRPr>
           </a:p>
@@ -290,8 +295,8 @@
         </p:nvSpPr>
         <p:spPr>
           <a:xfrm>
-            <a:off x="504000" y="226080"/>
-            <a:ext cx="9071640" cy="946440"/>
+            <a:off x="495270" y="273422"/>
+            <a:ext cx="8914493" cy="1144631"/>
           </a:xfrm>
           <a:prstGeom prst="rect">
             <a:avLst/>
@@ -304,7 +309,7 @@
           <a:lstStyle/>
           <a:p>
             <a:pPr algn="ctr"/>
-            <a:endParaRPr lang="en-US" sz="4400" b="0" strike="noStrike" spc="-1">
+            <a:endParaRPr lang="en-US" sz="4324" b="0" strike="noStrike" spc="-1">
               <a:latin typeface="Arial"/>
             </a:endParaRPr>
           </a:p>
@@ -322,8 +327,8 @@
         </p:nvSpPr>
         <p:spPr>
           <a:xfrm>
-            <a:off x="504000" y="1326600"/>
-            <a:ext cx="4426920" cy="1568160"/>
+            <a:off x="495269" y="1604399"/>
+            <a:ext cx="4350233" cy="1896543"/>
           </a:xfrm>
           <a:prstGeom prst="rect">
             <a:avLst/>
@@ -335,7 +340,7 @@
           </a:bodyPr>
           <a:lstStyle/>
           <a:p>
-            <a:endParaRPr lang="en-US" sz="3200" b="0" strike="noStrike" spc="-1">
+            <a:endParaRPr lang="en-US" sz="3145" b="0" strike="noStrike" spc="-1">
               <a:latin typeface="Arial"/>
             </a:endParaRPr>
           </a:p>
@@ -353,8 +358,8 @@
         </p:nvSpPr>
         <p:spPr>
           <a:xfrm>
-            <a:off x="5152680" y="1326600"/>
-            <a:ext cx="4426920" cy="1568160"/>
+            <a:off x="5063421" y="1604399"/>
+            <a:ext cx="4350233" cy="1896543"/>
           </a:xfrm>
           <a:prstGeom prst="rect">
             <a:avLst/>
@@ -366,7 +371,7 @@
           </a:bodyPr>
           <a:lstStyle/>
           <a:p>
-            <a:endParaRPr lang="en-US" sz="3200" b="0" strike="noStrike" spc="-1">
+            <a:endParaRPr lang="en-US" sz="3145" b="0" strike="noStrike" spc="-1">
               <a:latin typeface="Arial"/>
             </a:endParaRPr>
           </a:p>
@@ -384,8 +389,8 @@
         </p:nvSpPr>
         <p:spPr>
           <a:xfrm>
-            <a:off x="504000" y="3044160"/>
-            <a:ext cx="4426920" cy="1568160"/>
+            <a:off x="495269" y="3681627"/>
+            <a:ext cx="4350233" cy="1896543"/>
           </a:xfrm>
           <a:prstGeom prst="rect">
             <a:avLst/>
@@ -397,7 +402,7 @@
           </a:bodyPr>
           <a:lstStyle/>
           <a:p>
-            <a:endParaRPr lang="en-US" sz="3200" b="0" strike="noStrike" spc="-1">
+            <a:endParaRPr lang="en-US" sz="3145" b="0" strike="noStrike" spc="-1">
               <a:latin typeface="Arial"/>
             </a:endParaRPr>
           </a:p>
@@ -415,8 +420,8 @@
         </p:nvSpPr>
         <p:spPr>
           <a:xfrm>
-            <a:off x="5152680" y="3044160"/>
-            <a:ext cx="4426920" cy="1568160"/>
+            <a:off x="5063421" y="3681627"/>
+            <a:ext cx="4350233" cy="1896543"/>
           </a:xfrm>
           <a:prstGeom prst="rect">
             <a:avLst/>
@@ -428,7 +433,7 @@
           </a:bodyPr>
           <a:lstStyle/>
           <a:p>
-            <a:endParaRPr lang="en-US" sz="3200" b="0" strike="noStrike" spc="-1">
+            <a:endParaRPr lang="en-US" sz="3145" b="0" strike="noStrike" spc="-1">
               <a:latin typeface="Arial"/>
             </a:endParaRPr>
           </a:p>
@@ -471,8 +476,8 @@
         </p:nvSpPr>
         <p:spPr>
           <a:xfrm>
-            <a:off x="504000" y="226080"/>
-            <a:ext cx="9071640" cy="946440"/>
+            <a:off x="495270" y="273422"/>
+            <a:ext cx="8914493" cy="1144631"/>
           </a:xfrm>
           <a:prstGeom prst="rect">
             <a:avLst/>
@@ -485,7 +490,7 @@
           <a:lstStyle/>
           <a:p>
             <a:pPr algn="ctr"/>
-            <a:endParaRPr lang="en-US" sz="4400" b="0" strike="noStrike" spc="-1">
+            <a:endParaRPr lang="en-US" sz="4324" b="0" strike="noStrike" spc="-1">
               <a:latin typeface="Arial"/>
             </a:endParaRPr>
           </a:p>
@@ -503,8 +508,8 @@
         </p:nvSpPr>
         <p:spPr>
           <a:xfrm>
-            <a:off x="504000" y="1326600"/>
-            <a:ext cx="2920680" cy="1568160"/>
+            <a:off x="495269" y="1604399"/>
+            <a:ext cx="2870086" cy="1896543"/>
           </a:xfrm>
           <a:prstGeom prst="rect">
             <a:avLst/>
@@ -516,7 +521,7 @@
           </a:bodyPr>
           <a:lstStyle/>
           <a:p>
-            <a:endParaRPr lang="en-US" sz="3200" b="0" strike="noStrike" spc="-1">
+            <a:endParaRPr lang="en-US" sz="3145" b="0" strike="noStrike" spc="-1">
               <a:latin typeface="Arial"/>
             </a:endParaRPr>
           </a:p>
@@ -534,8 +539,8 @@
         </p:nvSpPr>
         <p:spPr>
           <a:xfrm>
-            <a:off x="3571200" y="1326600"/>
-            <a:ext cx="2920680" cy="1568160"/>
+            <a:off x="3509336" y="1604399"/>
+            <a:ext cx="2870086" cy="1896543"/>
           </a:xfrm>
           <a:prstGeom prst="rect">
             <a:avLst/>
@@ -547,7 +552,7 @@
           </a:bodyPr>
           <a:lstStyle/>
           <a:p>
-            <a:endParaRPr lang="en-US" sz="3200" b="0" strike="noStrike" spc="-1">
+            <a:endParaRPr lang="en-US" sz="3145" b="0" strike="noStrike" spc="-1">
               <a:latin typeface="Arial"/>
             </a:endParaRPr>
           </a:p>
@@ -565,8 +570,8 @@
         </p:nvSpPr>
         <p:spPr>
           <a:xfrm>
-            <a:off x="6638040" y="1326600"/>
-            <a:ext cx="2920680" cy="1568160"/>
+            <a:off x="6523050" y="1604399"/>
+            <a:ext cx="2870086" cy="1896543"/>
           </a:xfrm>
           <a:prstGeom prst="rect">
             <a:avLst/>
@@ -578,7 +583,7 @@
           </a:bodyPr>
           <a:lstStyle/>
           <a:p>
-            <a:endParaRPr lang="en-US" sz="3200" b="0" strike="noStrike" spc="-1">
+            <a:endParaRPr lang="en-US" sz="3145" b="0" strike="noStrike" spc="-1">
               <a:latin typeface="Arial"/>
             </a:endParaRPr>
           </a:p>
@@ -596,8 +601,8 @@
         </p:nvSpPr>
         <p:spPr>
           <a:xfrm>
-            <a:off x="504000" y="3044160"/>
-            <a:ext cx="2920680" cy="1568160"/>
+            <a:off x="495269" y="3681627"/>
+            <a:ext cx="2870086" cy="1896543"/>
           </a:xfrm>
           <a:prstGeom prst="rect">
             <a:avLst/>
@@ -609,7 +614,7 @@
           </a:bodyPr>
           <a:lstStyle/>
           <a:p>
-            <a:endParaRPr lang="en-US" sz="3200" b="0" strike="noStrike" spc="-1">
+            <a:endParaRPr lang="en-US" sz="3145" b="0" strike="noStrike" spc="-1">
               <a:latin typeface="Arial"/>
             </a:endParaRPr>
           </a:p>
@@ -627,8 +632,8 @@
         </p:nvSpPr>
         <p:spPr>
           <a:xfrm>
-            <a:off x="3571200" y="3044160"/>
-            <a:ext cx="2920680" cy="1568160"/>
+            <a:off x="3509336" y="3681627"/>
+            <a:ext cx="2870086" cy="1896543"/>
           </a:xfrm>
           <a:prstGeom prst="rect">
             <a:avLst/>
@@ -640,7 +645,7 @@
           </a:bodyPr>
           <a:lstStyle/>
           <a:p>
-            <a:endParaRPr lang="en-US" sz="3200" b="0" strike="noStrike" spc="-1">
+            <a:endParaRPr lang="en-US" sz="3145" b="0" strike="noStrike" spc="-1">
               <a:latin typeface="Arial"/>
             </a:endParaRPr>
           </a:p>
@@ -658,8 +663,8 @@
         </p:nvSpPr>
         <p:spPr>
           <a:xfrm>
-            <a:off x="6638040" y="3044160"/>
-            <a:ext cx="2920680" cy="1568160"/>
+            <a:off x="6523050" y="3681627"/>
+            <a:ext cx="2870086" cy="1896543"/>
           </a:xfrm>
           <a:prstGeom prst="rect">
             <a:avLst/>
@@ -671,7 +676,7 @@
           </a:bodyPr>
           <a:lstStyle/>
           <a:p>
-            <a:endParaRPr lang="en-US" sz="3200" b="0" strike="noStrike" spc="-1">
+            <a:endParaRPr lang="en-US" sz="3145" b="0" strike="noStrike" spc="-1">
               <a:latin typeface="Arial"/>
             </a:endParaRPr>
           </a:p>
@@ -714,8 +719,8 @@
         </p:nvSpPr>
         <p:spPr>
           <a:xfrm>
-            <a:off x="504000" y="226080"/>
-            <a:ext cx="9071640" cy="946440"/>
+            <a:off x="495270" y="273422"/>
+            <a:ext cx="8914493" cy="1144631"/>
           </a:xfrm>
           <a:prstGeom prst="rect">
             <a:avLst/>
@@ -728,7 +733,7 @@
           <a:lstStyle/>
           <a:p>
             <a:pPr algn="ctr"/>
-            <a:endParaRPr lang="en-US" sz="4400" b="0" strike="noStrike" spc="-1">
+            <a:endParaRPr lang="en-US" sz="4324" b="0" strike="noStrike" spc="-1">
               <a:latin typeface="Arial"/>
             </a:endParaRPr>
           </a:p>
@@ -746,8 +751,8 @@
         </p:nvSpPr>
         <p:spPr>
           <a:xfrm>
-            <a:off x="504000" y="1326600"/>
-            <a:ext cx="9071640" cy="3288240"/>
+            <a:off x="495270" y="1604399"/>
+            <a:ext cx="8914493" cy="3976819"/>
           </a:xfrm>
           <a:prstGeom prst="rect">
             <a:avLst/>
@@ -760,7 +765,7 @@
           <a:lstStyle/>
           <a:p>
             <a:pPr algn="ctr"/>
-            <a:endParaRPr lang="en-US" sz="3200" b="0" strike="noStrike" spc="-1">
+            <a:endParaRPr lang="en-US" sz="3145" b="0" strike="noStrike" spc="-1">
               <a:latin typeface="Arial"/>
             </a:endParaRPr>
           </a:p>
@@ -803,8 +808,8 @@
         </p:nvSpPr>
         <p:spPr>
           <a:xfrm>
-            <a:off x="504000" y="226080"/>
-            <a:ext cx="9071640" cy="946440"/>
+            <a:off x="495270" y="273422"/>
+            <a:ext cx="8914493" cy="1144631"/>
           </a:xfrm>
           <a:prstGeom prst="rect">
             <a:avLst/>
@@ -817,7 +822,7 @@
           <a:lstStyle/>
           <a:p>
             <a:pPr algn="ctr"/>
-            <a:endParaRPr lang="en-US" sz="4400" b="0" strike="noStrike" spc="-1">
+            <a:endParaRPr lang="en-US" sz="4324" b="0" strike="noStrike" spc="-1">
               <a:latin typeface="Arial"/>
             </a:endParaRPr>
           </a:p>
@@ -835,8 +840,8 @@
         </p:nvSpPr>
         <p:spPr>
           <a:xfrm>
-            <a:off x="504000" y="1326600"/>
-            <a:ext cx="9071640" cy="3288240"/>
+            <a:off x="495270" y="1604399"/>
+            <a:ext cx="8914493" cy="3976819"/>
           </a:xfrm>
           <a:prstGeom prst="rect">
             <a:avLst/>
@@ -848,7 +853,7 @@
           </a:bodyPr>
           <a:lstStyle/>
           <a:p>
-            <a:endParaRPr lang="en-US" sz="3200" b="0" strike="noStrike" spc="-1">
+            <a:endParaRPr lang="en-US" sz="3145" b="0" strike="noStrike" spc="-1">
               <a:latin typeface="Arial"/>
             </a:endParaRPr>
           </a:p>
@@ -891,8 +896,8 @@
         </p:nvSpPr>
         <p:spPr>
           <a:xfrm>
-            <a:off x="504000" y="226080"/>
-            <a:ext cx="9071640" cy="946440"/>
+            <a:off x="495270" y="273422"/>
+            <a:ext cx="8914493" cy="1144631"/>
           </a:xfrm>
           <a:prstGeom prst="rect">
             <a:avLst/>
@@ -905,7 +910,7 @@
           <a:lstStyle/>
           <a:p>
             <a:pPr algn="ctr"/>
-            <a:endParaRPr lang="en-US" sz="4400" b="0" strike="noStrike" spc="-1">
+            <a:endParaRPr lang="en-US" sz="4324" b="0" strike="noStrike" spc="-1">
               <a:latin typeface="Arial"/>
             </a:endParaRPr>
           </a:p>
@@ -923,8 +928,8 @@
         </p:nvSpPr>
         <p:spPr>
           <a:xfrm>
-            <a:off x="504000" y="1326600"/>
-            <a:ext cx="4426920" cy="3288240"/>
+            <a:off x="495269" y="1604399"/>
+            <a:ext cx="4350233" cy="3976819"/>
           </a:xfrm>
           <a:prstGeom prst="rect">
             <a:avLst/>
@@ -936,7 +941,7 @@
           </a:bodyPr>
           <a:lstStyle/>
           <a:p>
-            <a:endParaRPr lang="en-US" sz="3200" b="0" strike="noStrike" spc="-1">
+            <a:endParaRPr lang="en-US" sz="3145" b="0" strike="noStrike" spc="-1">
               <a:latin typeface="Arial"/>
             </a:endParaRPr>
           </a:p>
@@ -954,8 +959,8 @@
         </p:nvSpPr>
         <p:spPr>
           <a:xfrm>
-            <a:off x="5152680" y="1326600"/>
-            <a:ext cx="4426920" cy="3288240"/>
+            <a:off x="5063421" y="1604399"/>
+            <a:ext cx="4350233" cy="3976819"/>
           </a:xfrm>
           <a:prstGeom prst="rect">
             <a:avLst/>
@@ -967,7 +972,7 @@
           </a:bodyPr>
           <a:lstStyle/>
           <a:p>
-            <a:endParaRPr lang="en-US" sz="3200" b="0" strike="noStrike" spc="-1">
+            <a:endParaRPr lang="en-US" sz="3145" b="0" strike="noStrike" spc="-1">
               <a:latin typeface="Arial"/>
             </a:endParaRPr>
           </a:p>
@@ -1010,8 +1015,8 @@
         </p:nvSpPr>
         <p:spPr>
           <a:xfrm>
-            <a:off x="504000" y="226080"/>
-            <a:ext cx="9071640" cy="946440"/>
+            <a:off x="495270" y="273422"/>
+            <a:ext cx="8914493" cy="1144631"/>
           </a:xfrm>
           <a:prstGeom prst="rect">
             <a:avLst/>
@@ -1024,7 +1029,7 @@
           <a:lstStyle/>
           <a:p>
             <a:pPr algn="ctr"/>
-            <a:endParaRPr lang="en-US" sz="4400" b="0" strike="noStrike" spc="-1">
+            <a:endParaRPr lang="en-US" sz="4324" b="0" strike="noStrike" spc="-1">
               <a:latin typeface="Arial"/>
             </a:endParaRPr>
           </a:p>
@@ -1067,8 +1072,8 @@
         </p:nvSpPr>
         <p:spPr>
           <a:xfrm>
-            <a:off x="504000" y="226080"/>
-            <a:ext cx="9071640" cy="4388400"/>
+            <a:off x="495270" y="273423"/>
+            <a:ext cx="8914493" cy="5307359"/>
           </a:xfrm>
           <a:prstGeom prst="rect">
             <a:avLst/>
@@ -1081,7 +1086,7 @@
           <a:lstStyle/>
           <a:p>
             <a:pPr algn="ctr"/>
-            <a:endParaRPr lang="en-US" sz="3200" b="0" strike="noStrike" spc="-1">
+            <a:endParaRPr lang="en-US" sz="3145" b="0" strike="noStrike" spc="-1">
               <a:latin typeface="Arial"/>
             </a:endParaRPr>
           </a:p>
@@ -1124,8 +1129,8 @@
         </p:nvSpPr>
         <p:spPr>
           <a:xfrm>
-            <a:off x="504000" y="226080"/>
-            <a:ext cx="9071640" cy="946440"/>
+            <a:off x="495270" y="273422"/>
+            <a:ext cx="8914493" cy="1144631"/>
           </a:xfrm>
           <a:prstGeom prst="rect">
             <a:avLst/>
@@ -1138,7 +1143,7 @@
           <a:lstStyle/>
           <a:p>
             <a:pPr algn="ctr"/>
-            <a:endParaRPr lang="en-US" sz="4400" b="0" strike="noStrike" spc="-1">
+            <a:endParaRPr lang="en-US" sz="4324" b="0" strike="noStrike" spc="-1">
               <a:latin typeface="Arial"/>
             </a:endParaRPr>
           </a:p>
@@ -1156,8 +1161,8 @@
         </p:nvSpPr>
         <p:spPr>
           <a:xfrm>
-            <a:off x="504000" y="1326600"/>
-            <a:ext cx="4426920" cy="1568160"/>
+            <a:off x="495269" y="1604399"/>
+            <a:ext cx="4350233" cy="1896543"/>
           </a:xfrm>
           <a:prstGeom prst="rect">
             <a:avLst/>
@@ -1169,7 +1174,7 @@
           </a:bodyPr>
           <a:lstStyle/>
           <a:p>
-            <a:endParaRPr lang="en-US" sz="3200" b="0" strike="noStrike" spc="-1">
+            <a:endParaRPr lang="en-US" sz="3145" b="0" strike="noStrike" spc="-1">
               <a:latin typeface="Arial"/>
             </a:endParaRPr>
           </a:p>
@@ -1187,8 +1192,8 @@
         </p:nvSpPr>
         <p:spPr>
           <a:xfrm>
-            <a:off x="5152680" y="1326600"/>
-            <a:ext cx="4426920" cy="3288240"/>
+            <a:off x="5063421" y="1604399"/>
+            <a:ext cx="4350233" cy="3976819"/>
           </a:xfrm>
           <a:prstGeom prst="rect">
             <a:avLst/>
@@ -1200,7 +1205,7 @@
           </a:bodyPr>
           <a:lstStyle/>
           <a:p>
-            <a:endParaRPr lang="en-US" sz="3200" b="0" strike="noStrike" spc="-1">
+            <a:endParaRPr lang="en-US" sz="3145" b="0" strike="noStrike" spc="-1">
               <a:latin typeface="Arial"/>
             </a:endParaRPr>
           </a:p>
@@ -1218,8 +1223,8 @@
         </p:nvSpPr>
         <p:spPr>
           <a:xfrm>
-            <a:off x="504000" y="3044160"/>
-            <a:ext cx="4426920" cy="1568160"/>
+            <a:off x="495269" y="3681627"/>
+            <a:ext cx="4350233" cy="1896543"/>
           </a:xfrm>
           <a:prstGeom prst="rect">
             <a:avLst/>
@@ -1231,7 +1236,7 @@
           </a:bodyPr>
           <a:lstStyle/>
           <a:p>
-            <a:endParaRPr lang="en-US" sz="3200" b="0" strike="noStrike" spc="-1">
+            <a:endParaRPr lang="en-US" sz="3145" b="0" strike="noStrike" spc="-1">
               <a:latin typeface="Arial"/>
             </a:endParaRPr>
           </a:p>
@@ -1274,8 +1279,8 @@
         </p:nvSpPr>
         <p:spPr>
           <a:xfrm>
-            <a:off x="504000" y="226080"/>
-            <a:ext cx="9071640" cy="946440"/>
+            <a:off x="495270" y="273422"/>
+            <a:ext cx="8914493" cy="1144631"/>
           </a:xfrm>
           <a:prstGeom prst="rect">
             <a:avLst/>
@@ -1288,7 +1293,7 @@
           <a:lstStyle/>
           <a:p>
             <a:pPr algn="ctr"/>
-            <a:endParaRPr lang="en-US" sz="4400" b="0" strike="noStrike" spc="-1">
+            <a:endParaRPr lang="en-US" sz="4324" b="0" strike="noStrike" spc="-1">
               <a:latin typeface="Arial"/>
             </a:endParaRPr>
           </a:p>
@@ -1306,8 +1311,8 @@
         </p:nvSpPr>
         <p:spPr>
           <a:xfrm>
-            <a:off x="504000" y="1326600"/>
-            <a:ext cx="4426920" cy="3288240"/>
+            <a:off x="495269" y="1604399"/>
+            <a:ext cx="4350233" cy="3976819"/>
           </a:xfrm>
           <a:prstGeom prst="rect">
             <a:avLst/>
@@ -1319,7 +1324,7 @@
           </a:bodyPr>
           <a:lstStyle/>
           <a:p>
-            <a:endParaRPr lang="en-US" sz="3200" b="0" strike="noStrike" spc="-1">
+            <a:endParaRPr lang="en-US" sz="3145" b="0" strike="noStrike" spc="-1">
               <a:latin typeface="Arial"/>
             </a:endParaRPr>
           </a:p>
@@ -1337,8 +1342,8 @@
         </p:nvSpPr>
         <p:spPr>
           <a:xfrm>
-            <a:off x="5152680" y="1326600"/>
-            <a:ext cx="4426920" cy="1568160"/>
+            <a:off x="5063421" y="1604399"/>
+            <a:ext cx="4350233" cy="1896543"/>
           </a:xfrm>
           <a:prstGeom prst="rect">
             <a:avLst/>
@@ -1350,7 +1355,7 @@
           </a:bodyPr>
           <a:lstStyle/>
           <a:p>
-            <a:endParaRPr lang="en-US" sz="3200" b="0" strike="noStrike" spc="-1">
+            <a:endParaRPr lang="en-US" sz="3145" b="0" strike="noStrike" spc="-1">
               <a:latin typeface="Arial"/>
             </a:endParaRPr>
           </a:p>
@@ -1368,8 +1373,8 @@
         </p:nvSpPr>
         <p:spPr>
           <a:xfrm>
-            <a:off x="5152680" y="3044160"/>
-            <a:ext cx="4426920" cy="1568160"/>
+            <a:off x="5063421" y="3681627"/>
+            <a:ext cx="4350233" cy="1896543"/>
           </a:xfrm>
           <a:prstGeom prst="rect">
             <a:avLst/>
@@ -1381,7 +1386,7 @@
           </a:bodyPr>
           <a:lstStyle/>
           <a:p>
-            <a:endParaRPr lang="en-US" sz="3200" b="0" strike="noStrike" spc="-1">
+            <a:endParaRPr lang="en-US" sz="3145" b="0" strike="noStrike" spc="-1">
               <a:latin typeface="Arial"/>
             </a:endParaRPr>
           </a:p>
@@ -1424,8 +1429,8 @@
         </p:nvSpPr>
         <p:spPr>
           <a:xfrm>
-            <a:off x="504000" y="226080"/>
-            <a:ext cx="9071640" cy="946440"/>
+            <a:off x="495270" y="273422"/>
+            <a:ext cx="8914493" cy="1144631"/>
           </a:xfrm>
           <a:prstGeom prst="rect">
             <a:avLst/>
@@ -1438,7 +1443,7 @@
           <a:lstStyle/>
           <a:p>
             <a:pPr algn="ctr"/>
-            <a:endParaRPr lang="en-US" sz="4400" b="0" strike="noStrike" spc="-1">
+            <a:endParaRPr lang="en-US" sz="4324" b="0" strike="noStrike" spc="-1">
               <a:latin typeface="Arial"/>
             </a:endParaRPr>
           </a:p>
@@ -1456,8 +1461,8 @@
         </p:nvSpPr>
         <p:spPr>
           <a:xfrm>
-            <a:off x="504000" y="1326600"/>
-            <a:ext cx="4426920" cy="1568160"/>
+            <a:off x="495269" y="1604399"/>
+            <a:ext cx="4350233" cy="1896543"/>
           </a:xfrm>
           <a:prstGeom prst="rect">
             <a:avLst/>
@@ -1469,7 +1474,7 @@
           </a:bodyPr>
           <a:lstStyle/>
           <a:p>
-            <a:endParaRPr lang="en-US" sz="3200" b="0" strike="noStrike" spc="-1">
+            <a:endParaRPr lang="en-US" sz="3145" b="0" strike="noStrike" spc="-1">
               <a:latin typeface="Arial"/>
             </a:endParaRPr>
           </a:p>
@@ -1487,8 +1492,8 @@
         </p:nvSpPr>
         <p:spPr>
           <a:xfrm>
-            <a:off x="5152680" y="1326600"/>
-            <a:ext cx="4426920" cy="1568160"/>
+            <a:off x="5063421" y="1604399"/>
+            <a:ext cx="4350233" cy="1896543"/>
           </a:xfrm>
           <a:prstGeom prst="rect">
             <a:avLst/>
@@ -1500,7 +1505,7 @@
           </a:bodyPr>
           <a:lstStyle/>
           <a:p>
-            <a:endParaRPr lang="en-US" sz="3200" b="0" strike="noStrike" spc="-1">
+            <a:endParaRPr lang="en-US" sz="3145" b="0" strike="noStrike" spc="-1">
               <a:latin typeface="Arial"/>
             </a:endParaRPr>
           </a:p>
@@ -1518,8 +1523,8 @@
         </p:nvSpPr>
         <p:spPr>
           <a:xfrm>
-            <a:off x="504000" y="3044160"/>
-            <a:ext cx="9071640" cy="1568160"/>
+            <a:off x="495270" y="3681627"/>
+            <a:ext cx="8914493" cy="1896543"/>
           </a:xfrm>
           <a:prstGeom prst="rect">
             <a:avLst/>
@@ -1531,7 +1536,7 @@
           </a:bodyPr>
           <a:lstStyle/>
           <a:p>
-            <a:endParaRPr lang="en-US" sz="3200" b="0" strike="noStrike" spc="-1">
+            <a:endParaRPr lang="en-US" sz="3145" b="0" strike="noStrike" spc="-1">
               <a:latin typeface="Arial"/>
             </a:endParaRPr>
           </a:p>
@@ -1582,8 +1587,8 @@
         </p:nvSpPr>
         <p:spPr>
           <a:xfrm>
-            <a:off x="504000" y="226080"/>
-            <a:ext cx="9071640" cy="946440"/>
+            <a:off x="495270" y="273422"/>
+            <a:ext cx="8914493" cy="1144631"/>
           </a:xfrm>
           <a:prstGeom prst="rect">
             <a:avLst/>
@@ -1597,7 +1602,7 @@
           <a:p>
             <a:pPr algn="ctr"/>
             <a:r>
-              <a:rPr lang="en-US" sz="4400" b="0" strike="noStrike" spc="-1">
+              <a:rPr lang="en-US" sz="4324" b="0" strike="noStrike" spc="-1">
                 <a:latin typeface="Arial"/>
               </a:rPr>
               <a:t>Click to edit the title text format</a:t>
@@ -1617,8 +1622,8 @@
         </p:nvSpPr>
         <p:spPr>
           <a:xfrm>
-            <a:off x="504000" y="1326600"/>
-            <a:ext cx="9071640" cy="3288240"/>
+            <a:off x="495270" y="1604399"/>
+            <a:ext cx="8914493" cy="3976819"/>
           </a:xfrm>
           <a:prstGeom prst="rect">
             <a:avLst/>
@@ -1642,16 +1647,16 @@
               <a:buChar char=""/>
             </a:pPr>
             <a:r>
-              <a:rPr lang="en-US" sz="3200" b="0" strike="noStrike" spc="-1">
+              <a:rPr lang="en-US" sz="3145" b="0" strike="noStrike" spc="-1">
                 <a:latin typeface="Arial"/>
               </a:rPr>
               <a:t>Click to edit the outline text format</a:t>
             </a:r>
           </a:p>
           <a:p>
-            <a:pPr marL="864000" lvl="1" indent="-324000">
+            <a:pPr marL="849053" lvl="1" indent="-318395">
               <a:spcBef>
-                <a:spcPts val="1134"/>
+                <a:spcPts val="1114"/>
               </a:spcBef>
               <a:buClr>
                 <a:srgbClr val="000000"/>
@@ -1661,16 +1666,16 @@
               <a:buChar char=""/>
             </a:pPr>
             <a:r>
-              <a:rPr lang="en-US" sz="2800" b="0" strike="noStrike" spc="-1">
+              <a:rPr lang="en-US" sz="2752" b="0" strike="noStrike" spc="-1">
                 <a:latin typeface="Arial"/>
               </a:rPr>
               <a:t>Second Outline Level</a:t>
             </a:r>
           </a:p>
           <a:p>
-            <a:pPr marL="1296000" lvl="2" indent="-288000">
+            <a:pPr marL="1273579" lvl="2" indent="-283018">
               <a:spcBef>
-                <a:spcPts val="850"/>
+                <a:spcPts val="835"/>
               </a:spcBef>
               <a:buClr>
                 <a:srgbClr val="000000"/>
@@ -1680,16 +1685,16 @@
               <a:buChar char=""/>
             </a:pPr>
             <a:r>
-              <a:rPr lang="en-US" sz="2400" b="0" strike="noStrike" spc="-1">
+              <a:rPr lang="en-US" sz="2358" b="0" strike="noStrike" spc="-1">
                 <a:latin typeface="Arial"/>
               </a:rPr>
               <a:t>Third Outline Level</a:t>
             </a:r>
           </a:p>
           <a:p>
-            <a:pPr marL="1728000" lvl="3" indent="-216000">
+            <a:pPr marL="1698106" lvl="3" indent="-212263">
               <a:spcBef>
-                <a:spcPts val="567"/>
+                <a:spcPts val="557"/>
               </a:spcBef>
               <a:buClr>
                 <a:srgbClr val="000000"/>
@@ -1699,16 +1704,16 @@
               <a:buChar char=""/>
             </a:pPr>
             <a:r>
-              <a:rPr lang="en-US" sz="2000" b="0" strike="noStrike" spc="-1">
+              <a:rPr lang="en-US" sz="1965" b="0" strike="noStrike" spc="-1">
                 <a:latin typeface="Arial"/>
               </a:rPr>
               <a:t>Fourth Outline Level</a:t>
             </a:r>
           </a:p>
           <a:p>
-            <a:pPr marL="2160000" lvl="4" indent="-216000">
+            <a:pPr marL="2122632" lvl="4" indent="-212263">
               <a:spcBef>
-                <a:spcPts val="283"/>
+                <a:spcPts val="278"/>
               </a:spcBef>
               <a:buClr>
                 <a:srgbClr val="000000"/>
@@ -1718,16 +1723,16 @@
               <a:buChar char=""/>
             </a:pPr>
             <a:r>
-              <a:rPr lang="en-US" sz="2000" b="0" strike="noStrike" spc="-1">
+              <a:rPr lang="en-US" sz="1965" b="0" strike="noStrike" spc="-1">
                 <a:latin typeface="Arial"/>
               </a:rPr>
               <a:t>Fifth Outline Level</a:t>
             </a:r>
           </a:p>
           <a:p>
-            <a:pPr marL="2592000" lvl="5" indent="-216000">
+            <a:pPr marL="2547158" lvl="5" indent="-212263">
               <a:spcBef>
-                <a:spcPts val="283"/>
+                <a:spcPts val="278"/>
               </a:spcBef>
               <a:buClr>
                 <a:srgbClr val="000000"/>
@@ -1737,16 +1742,16 @@
               <a:buChar char=""/>
             </a:pPr>
             <a:r>
-              <a:rPr lang="en-US" sz="2000" b="0" strike="noStrike" spc="-1">
+              <a:rPr lang="en-US" sz="1965" b="0" strike="noStrike" spc="-1">
                 <a:latin typeface="Arial"/>
               </a:rPr>
               <a:t>Sixth Outline Level</a:t>
             </a:r>
           </a:p>
           <a:p>
-            <a:pPr marL="3024000" lvl="6" indent="-216000">
+            <a:pPr marL="2971685" lvl="6" indent="-212263">
               <a:spcBef>
-                <a:spcPts val="283"/>
+                <a:spcPts val="278"/>
               </a:spcBef>
               <a:buClr>
                 <a:srgbClr val="000000"/>
@@ -1756,7 +1761,7 @@
               <a:buChar char=""/>
             </a:pPr>
             <a:r>
-              <a:rPr lang="en-US" sz="2000" b="0" strike="noStrike" spc="-1">
+              <a:rPr lang="en-US" sz="1965" b="0" strike="noStrike" spc="-1">
                 <a:latin typeface="Arial"/>
               </a:rPr>
               <a:t>Seventh Outline Level</a:t>
@@ -1776,8 +1781,8 @@
         </p:nvSpPr>
         <p:spPr>
           <a:xfrm>
-            <a:off x="504000" y="5165280"/>
-            <a:ext cx="2348280" cy="390600"/>
+            <a:off x="495269" y="6246923"/>
+            <a:ext cx="2307601" cy="472394"/>
           </a:xfrm>
           <a:prstGeom prst="rect">
             <a:avLst/>
@@ -1790,7 +1795,7 @@
           <a:lstStyle/>
           <a:p>
             <a:r>
-              <a:rPr lang="en-US" sz="1400" b="0" strike="noStrike" spc="-1">
+              <a:rPr lang="en-US" sz="1376" b="0" strike="noStrike" spc="-1">
                 <a:latin typeface="Times New Roman"/>
               </a:rPr>
               <a:t>&lt;date/time&gt;</a:t>
@@ -1810,8 +1815,8 @@
         </p:nvSpPr>
         <p:spPr>
           <a:xfrm>
-            <a:off x="3447360" y="5165280"/>
-            <a:ext cx="3195000" cy="390600"/>
+            <a:off x="3387642" y="6246923"/>
+            <a:ext cx="3139654" cy="472394"/>
           </a:xfrm>
           <a:prstGeom prst="rect">
             <a:avLst/>
@@ -1825,7 +1830,7 @@
           <a:p>
             <a:pPr algn="ctr"/>
             <a:r>
-              <a:rPr lang="en-US" sz="1400" b="0" strike="noStrike" spc="-1">
+              <a:rPr lang="en-US" sz="1376" b="0" strike="noStrike" spc="-1">
                 <a:latin typeface="Times New Roman"/>
               </a:rPr>
               <a:t>&lt;footer&gt;</a:t>
@@ -1845,8 +1850,8 @@
         </p:nvSpPr>
         <p:spPr>
           <a:xfrm>
-            <a:off x="7227360" y="5165280"/>
-            <a:ext cx="2348280" cy="390600"/>
+            <a:off x="7102162" y="6246923"/>
+            <a:ext cx="2307601" cy="472394"/>
           </a:xfrm>
           <a:prstGeom prst="rect">
             <a:avLst/>
@@ -1860,12 +1865,12 @@
           <a:p>
             <a:pPr algn="r"/>
             <a:fld id="{2FDE47ED-F151-4D45-9165-5138855C7444}" type="slidenum">
-              <a:rPr lang="en-US" sz="1400" b="0" strike="noStrike" spc="-1">
+              <a:rPr lang="en-US" sz="1376" b="0" strike="noStrike" spc="-1">
                 <a:latin typeface="Times New Roman"/>
               </a:rPr>
               <a:t>‹#›</a:t>
             </a:fld>
-            <a:endParaRPr lang="en-US" sz="1400" b="0" strike="noStrike" spc="-1">
+            <a:endParaRPr lang="en-US" sz="1376" b="0" strike="noStrike" spc="-1">
               <a:latin typeface="Times New Roman"/>
             </a:endParaRPr>
           </a:p>
@@ -1890,7 +1895,7 @@
   </p:sldLayoutIdLst>
   <p:txStyles>
     <p:titleStyle>
-      <a:lvl1pPr algn="l" defTabSz="914400" rtl="0" eaLnBrk="1" latinLnBrk="0" hangingPunct="1">
+      <a:lvl1pPr algn="l" defTabSz="898581" rtl="0" eaLnBrk="1" latinLnBrk="0" hangingPunct="1">
         <a:lnSpc>
           <a:spcPct val="90000"/>
         </a:lnSpc>
@@ -1898,7 +1903,7 @@
           <a:spcPct val="0"/>
         </a:spcBef>
         <a:buNone/>
-        <a:defRPr sz="4400" kern="1200">
+        <a:defRPr sz="4324" kern="1200">
           <a:solidFill>
             <a:schemeClr val="tx1"/>
           </a:solidFill>
@@ -1909,16 +1914,20 @@
       </a:lvl1pPr>
     </p:titleStyle>
     <p:bodyStyle>
-      <a:lvl1pPr marL="228600" indent="-228600" algn="l" defTabSz="914400" rtl="0" eaLnBrk="1" latinLnBrk="0" hangingPunct="1">
+      <a:lvl1pPr marL="424526" indent="-318395" algn="l" defTabSz="898581" rtl="0" eaLnBrk="1" latinLnBrk="0" hangingPunct="1">
         <a:lnSpc>
           <a:spcPct val="90000"/>
         </a:lnSpc>
         <a:spcBef>
-          <a:spcPts val="1000"/>
+          <a:spcPts val="1392"/>
         </a:spcBef>
-        <a:buFont typeface="Arial" panose="020B0604020202020204" pitchFamily="34" charset="0"/>
-        <a:buChar char="•"/>
-        <a:defRPr sz="2800" kern="1200">
+        <a:buClr>
+          <a:srgbClr val="000000"/>
+        </a:buClr>
+        <a:buSzPct val="45000"/>
+        <a:buFont typeface="Wingdings" charset="2"/>
+        <a:buChar char=""/>
+        <a:defRPr sz="2752" kern="1200">
           <a:solidFill>
             <a:schemeClr val="tx1"/>
           </a:solidFill>
@@ -1927,16 +1936,16 @@
           <a:cs typeface="+mn-cs"/>
         </a:defRPr>
       </a:lvl1pPr>
-      <a:lvl2pPr marL="685800" indent="-228600" algn="l" defTabSz="914400" rtl="0" eaLnBrk="1" latinLnBrk="0" hangingPunct="1">
+      <a:lvl2pPr marL="673936" indent="-224645" algn="l" defTabSz="898581" rtl="0" eaLnBrk="1" latinLnBrk="0" hangingPunct="1">
         <a:lnSpc>
           <a:spcPct val="90000"/>
         </a:lnSpc>
         <a:spcBef>
-          <a:spcPts val="500"/>
+          <a:spcPts val="491"/>
         </a:spcBef>
         <a:buFont typeface="Arial" panose="020B0604020202020204" pitchFamily="34" charset="0"/>
         <a:buChar char="•"/>
-        <a:defRPr sz="2400" kern="1200">
+        <a:defRPr sz="2358" kern="1200">
           <a:solidFill>
             <a:schemeClr val="tx1"/>
           </a:solidFill>
@@ -1945,16 +1954,16 @@
           <a:cs typeface="+mn-cs"/>
         </a:defRPr>
       </a:lvl2pPr>
-      <a:lvl3pPr marL="1143000" indent="-228600" algn="l" defTabSz="914400" rtl="0" eaLnBrk="1" latinLnBrk="0" hangingPunct="1">
+      <a:lvl3pPr marL="1123226" indent="-224645" algn="l" defTabSz="898581" rtl="0" eaLnBrk="1" latinLnBrk="0" hangingPunct="1">
         <a:lnSpc>
           <a:spcPct val="90000"/>
         </a:lnSpc>
         <a:spcBef>
-          <a:spcPts val="500"/>
+          <a:spcPts val="491"/>
         </a:spcBef>
         <a:buFont typeface="Arial" panose="020B0604020202020204" pitchFamily="34" charset="0"/>
         <a:buChar char="•"/>
-        <a:defRPr sz="2000" kern="1200">
+        <a:defRPr sz="1965" kern="1200">
           <a:solidFill>
             <a:schemeClr val="tx1"/>
           </a:solidFill>
@@ -1963,16 +1972,16 @@
           <a:cs typeface="+mn-cs"/>
         </a:defRPr>
       </a:lvl3pPr>
-      <a:lvl4pPr marL="1600200" indent="-228600" algn="l" defTabSz="914400" rtl="0" eaLnBrk="1" latinLnBrk="0" hangingPunct="1">
+      <a:lvl4pPr marL="1572517" indent="-224645" algn="l" defTabSz="898581" rtl="0" eaLnBrk="1" latinLnBrk="0" hangingPunct="1">
         <a:lnSpc>
           <a:spcPct val="90000"/>
         </a:lnSpc>
         <a:spcBef>
-          <a:spcPts val="500"/>
+          <a:spcPts val="491"/>
         </a:spcBef>
         <a:buFont typeface="Arial" panose="020B0604020202020204" pitchFamily="34" charset="0"/>
         <a:buChar char="•"/>
-        <a:defRPr sz="1800" kern="1200">
+        <a:defRPr sz="1769" kern="1200">
           <a:solidFill>
             <a:schemeClr val="tx1"/>
           </a:solidFill>
@@ -1981,16 +1990,16 @@
           <a:cs typeface="+mn-cs"/>
         </a:defRPr>
       </a:lvl4pPr>
-      <a:lvl5pPr marL="2057400" indent="-228600" algn="l" defTabSz="914400" rtl="0" eaLnBrk="1" latinLnBrk="0" hangingPunct="1">
+      <a:lvl5pPr marL="2021807" indent="-224645" algn="l" defTabSz="898581" rtl="0" eaLnBrk="1" latinLnBrk="0" hangingPunct="1">
         <a:lnSpc>
           <a:spcPct val="90000"/>
         </a:lnSpc>
         <a:spcBef>
-          <a:spcPts val="500"/>
+          <a:spcPts val="491"/>
         </a:spcBef>
         <a:buFont typeface="Arial" panose="020B0604020202020204" pitchFamily="34" charset="0"/>
         <a:buChar char="•"/>
-        <a:defRPr sz="1800" kern="1200">
+        <a:defRPr sz="1769" kern="1200">
           <a:solidFill>
             <a:schemeClr val="tx1"/>
           </a:solidFill>
@@ -1999,16 +2008,16 @@
           <a:cs typeface="+mn-cs"/>
         </a:defRPr>
       </a:lvl5pPr>
-      <a:lvl6pPr marL="2514600" indent="-228600" algn="l" defTabSz="914400" rtl="0" eaLnBrk="1" latinLnBrk="0" hangingPunct="1">
+      <a:lvl6pPr marL="2471097" indent="-224645" algn="l" defTabSz="898581" rtl="0" eaLnBrk="1" latinLnBrk="0" hangingPunct="1">
         <a:lnSpc>
           <a:spcPct val="90000"/>
         </a:lnSpc>
         <a:spcBef>
-          <a:spcPts val="500"/>
+          <a:spcPts val="491"/>
         </a:spcBef>
         <a:buFont typeface="Arial" panose="020B0604020202020204" pitchFamily="34" charset="0"/>
         <a:buChar char="•"/>
-        <a:defRPr sz="1800" kern="1200">
+        <a:defRPr sz="1769" kern="1200">
           <a:solidFill>
             <a:schemeClr val="tx1"/>
           </a:solidFill>
@@ -2017,16 +2026,16 @@
           <a:cs typeface="+mn-cs"/>
         </a:defRPr>
       </a:lvl6pPr>
-      <a:lvl7pPr marL="2971800" indent="-228600" algn="l" defTabSz="914400" rtl="0" eaLnBrk="1" latinLnBrk="0" hangingPunct="1">
+      <a:lvl7pPr marL="2920388" indent="-224645" algn="l" defTabSz="898581" rtl="0" eaLnBrk="1" latinLnBrk="0" hangingPunct="1">
         <a:lnSpc>
           <a:spcPct val="90000"/>
         </a:lnSpc>
         <a:spcBef>
-          <a:spcPts val="500"/>
+          <a:spcPts val="491"/>
         </a:spcBef>
         <a:buFont typeface="Arial" panose="020B0604020202020204" pitchFamily="34" charset="0"/>
         <a:buChar char="•"/>
-        <a:defRPr sz="1800" kern="1200">
+        <a:defRPr sz="1769" kern="1200">
           <a:solidFill>
             <a:schemeClr val="tx1"/>
           </a:solidFill>
@@ -2035,16 +2044,16 @@
           <a:cs typeface="+mn-cs"/>
         </a:defRPr>
       </a:lvl7pPr>
-      <a:lvl8pPr marL="3429000" indent="-228600" algn="l" defTabSz="914400" rtl="0" eaLnBrk="1" latinLnBrk="0" hangingPunct="1">
+      <a:lvl8pPr marL="3369678" indent="-224645" algn="l" defTabSz="898581" rtl="0" eaLnBrk="1" latinLnBrk="0" hangingPunct="1">
         <a:lnSpc>
           <a:spcPct val="90000"/>
         </a:lnSpc>
         <a:spcBef>
-          <a:spcPts val="500"/>
+          <a:spcPts val="491"/>
         </a:spcBef>
         <a:buFont typeface="Arial" panose="020B0604020202020204" pitchFamily="34" charset="0"/>
         <a:buChar char="•"/>
-        <a:defRPr sz="1800" kern="1200">
+        <a:defRPr sz="1769" kern="1200">
           <a:solidFill>
             <a:schemeClr val="tx1"/>
           </a:solidFill>
@@ -2053,16 +2062,16 @@
           <a:cs typeface="+mn-cs"/>
         </a:defRPr>
       </a:lvl8pPr>
-      <a:lvl9pPr marL="3886200" indent="-228600" algn="l" defTabSz="914400" rtl="0" eaLnBrk="1" latinLnBrk="0" hangingPunct="1">
+      <a:lvl9pPr marL="3818969" indent="-224645" algn="l" defTabSz="898581" rtl="0" eaLnBrk="1" latinLnBrk="0" hangingPunct="1">
         <a:lnSpc>
           <a:spcPct val="90000"/>
         </a:lnSpc>
         <a:spcBef>
-          <a:spcPts val="500"/>
+          <a:spcPts val="491"/>
         </a:spcBef>
         <a:buFont typeface="Arial" panose="020B0604020202020204" pitchFamily="34" charset="0"/>
         <a:buChar char="•"/>
-        <a:defRPr sz="1800" kern="1200">
+        <a:defRPr sz="1769" kern="1200">
           <a:solidFill>
             <a:schemeClr val="tx1"/>
           </a:solidFill>
@@ -2076,8 +2085,8 @@
       <a:defPPr>
         <a:defRPr lang="en-US"/>
       </a:defPPr>
-      <a:lvl1pPr marL="0" algn="l" defTabSz="914400" rtl="0" eaLnBrk="1" latinLnBrk="0" hangingPunct="1">
-        <a:defRPr sz="1800" kern="1200">
+      <a:lvl1pPr marL="0" algn="l" defTabSz="898581" rtl="0" eaLnBrk="1" latinLnBrk="0" hangingPunct="1">
+        <a:defRPr sz="1769" kern="1200">
           <a:solidFill>
             <a:schemeClr val="tx1"/>
           </a:solidFill>
@@ -2086,8 +2095,8 @@
           <a:cs typeface="+mn-cs"/>
         </a:defRPr>
       </a:lvl1pPr>
-      <a:lvl2pPr marL="457200" algn="l" defTabSz="914400" rtl="0" eaLnBrk="1" latinLnBrk="0" hangingPunct="1">
-        <a:defRPr sz="1800" kern="1200">
+      <a:lvl2pPr marL="449290" algn="l" defTabSz="898581" rtl="0" eaLnBrk="1" latinLnBrk="0" hangingPunct="1">
+        <a:defRPr sz="1769" kern="1200">
           <a:solidFill>
             <a:schemeClr val="tx1"/>
           </a:solidFill>
@@ -2096,8 +2105,8 @@
           <a:cs typeface="+mn-cs"/>
         </a:defRPr>
       </a:lvl2pPr>
-      <a:lvl3pPr marL="914400" algn="l" defTabSz="914400" rtl="0" eaLnBrk="1" latinLnBrk="0" hangingPunct="1">
-        <a:defRPr sz="1800" kern="1200">
+      <a:lvl3pPr marL="898581" algn="l" defTabSz="898581" rtl="0" eaLnBrk="1" latinLnBrk="0" hangingPunct="1">
+        <a:defRPr sz="1769" kern="1200">
           <a:solidFill>
             <a:schemeClr val="tx1"/>
           </a:solidFill>
@@ -2106,8 +2115,8 @@
           <a:cs typeface="+mn-cs"/>
         </a:defRPr>
       </a:lvl3pPr>
-      <a:lvl4pPr marL="1371600" algn="l" defTabSz="914400" rtl="0" eaLnBrk="1" latinLnBrk="0" hangingPunct="1">
-        <a:defRPr sz="1800" kern="1200">
+      <a:lvl4pPr marL="1347871" algn="l" defTabSz="898581" rtl="0" eaLnBrk="1" latinLnBrk="0" hangingPunct="1">
+        <a:defRPr sz="1769" kern="1200">
           <a:solidFill>
             <a:schemeClr val="tx1"/>
           </a:solidFill>
@@ -2116,8 +2125,8 @@
           <a:cs typeface="+mn-cs"/>
         </a:defRPr>
       </a:lvl4pPr>
-      <a:lvl5pPr marL="1828800" algn="l" defTabSz="914400" rtl="0" eaLnBrk="1" latinLnBrk="0" hangingPunct="1">
-        <a:defRPr sz="1800" kern="1200">
+      <a:lvl5pPr marL="1797162" algn="l" defTabSz="898581" rtl="0" eaLnBrk="1" latinLnBrk="0" hangingPunct="1">
+        <a:defRPr sz="1769" kern="1200">
           <a:solidFill>
             <a:schemeClr val="tx1"/>
           </a:solidFill>
@@ -2126,8 +2135,8 @@
           <a:cs typeface="+mn-cs"/>
         </a:defRPr>
       </a:lvl5pPr>
-      <a:lvl6pPr marL="2286000" algn="l" defTabSz="914400" rtl="0" eaLnBrk="1" latinLnBrk="0" hangingPunct="1">
-        <a:defRPr sz="1800" kern="1200">
+      <a:lvl6pPr marL="2246452" algn="l" defTabSz="898581" rtl="0" eaLnBrk="1" latinLnBrk="0" hangingPunct="1">
+        <a:defRPr sz="1769" kern="1200">
           <a:solidFill>
             <a:schemeClr val="tx1"/>
           </a:solidFill>
@@ -2136,8 +2145,8 @@
           <a:cs typeface="+mn-cs"/>
         </a:defRPr>
       </a:lvl6pPr>
-      <a:lvl7pPr marL="2743200" algn="l" defTabSz="914400" rtl="0" eaLnBrk="1" latinLnBrk="0" hangingPunct="1">
-        <a:defRPr sz="1800" kern="1200">
+      <a:lvl7pPr marL="2695743" algn="l" defTabSz="898581" rtl="0" eaLnBrk="1" latinLnBrk="0" hangingPunct="1">
+        <a:defRPr sz="1769" kern="1200">
           <a:solidFill>
             <a:schemeClr val="tx1"/>
           </a:solidFill>
@@ -2146,8 +2155,8 @@
           <a:cs typeface="+mn-cs"/>
         </a:defRPr>
       </a:lvl7pPr>
-      <a:lvl8pPr marL="3200400" algn="l" defTabSz="914400" rtl="0" eaLnBrk="1" latinLnBrk="0" hangingPunct="1">
-        <a:defRPr sz="1800" kern="1200">
+      <a:lvl8pPr marL="3145033" algn="l" defTabSz="898581" rtl="0" eaLnBrk="1" latinLnBrk="0" hangingPunct="1">
+        <a:defRPr sz="1769" kern="1200">
           <a:solidFill>
             <a:schemeClr val="tx1"/>
           </a:solidFill>
@@ -2156,8 +2165,8 @@
           <a:cs typeface="+mn-cs"/>
         </a:defRPr>
       </a:lvl8pPr>
-      <a:lvl9pPr marL="3657600" algn="l" defTabSz="914400" rtl="0" eaLnBrk="1" latinLnBrk="0" hangingPunct="1">
-        <a:defRPr sz="1800" kern="1200">
+      <a:lvl9pPr marL="3594324" algn="l" defTabSz="898581" rtl="0" eaLnBrk="1" latinLnBrk="0" hangingPunct="1">
+        <a:defRPr sz="1769" kern="1200">
           <a:solidFill>
             <a:schemeClr val="tx1"/>
           </a:solidFill>
@@ -2198,8 +2207,8 @@
         </p:nvSpPr>
         <p:spPr>
           <a:xfrm>
-            <a:off x="4131224" y="-562495"/>
-            <a:ext cx="2007856" cy="314609"/>
+            <a:off x="4059660" y="-552751"/>
+            <a:ext cx="1973074" cy="309159"/>
           </a:xfrm>
           <a:prstGeom prst="rect">
             <a:avLst/>
@@ -2229,7 +2238,7 @@
           <a:p>
             <a:pPr algn="ctr"/>
             <a:r>
-              <a:rPr lang="en-US" sz="2400" spc="-1" dirty="0"/>
+              <a:rPr lang="en-US" sz="2358" spc="-1" dirty="0"/>
               <a:t>Home page</a:t>
             </a:r>
           </a:p>
@@ -2243,8 +2252,8 @@
         </p:nvSpPr>
         <p:spPr>
           <a:xfrm>
-            <a:off x="513084" y="192505"/>
-            <a:ext cx="3940920" cy="7000309"/>
+            <a:off x="504196" y="832011"/>
+            <a:ext cx="3872652" cy="6879044"/>
           </a:xfrm>
           <a:prstGeom prst="rect">
             <a:avLst/>
@@ -2279,8 +2288,8 @@
         </p:nvSpPr>
         <p:spPr>
           <a:xfrm>
-            <a:off x="513084" y="170382"/>
-            <a:ext cx="3945865" cy="685800"/>
+            <a:off x="504197" y="810271"/>
+            <a:ext cx="3877511" cy="673920"/>
           </a:xfrm>
           <a:prstGeom prst="rect">
             <a:avLst/>
@@ -2327,8 +2336,8 @@
         </p:blipFill>
         <p:spPr>
           <a:xfrm>
-            <a:off x="619220" y="261462"/>
-            <a:ext cx="1440213" cy="499186"/>
+            <a:off x="608495" y="899773"/>
+            <a:ext cx="1415264" cy="490539"/>
           </a:xfrm>
           <a:prstGeom prst="rect">
             <a:avLst/>
@@ -2350,8 +2359,8 @@
         </p:blipFill>
         <p:spPr>
           <a:xfrm>
-            <a:off x="3927228" y="351546"/>
-            <a:ext cx="261647" cy="309492"/>
+            <a:off x="3859198" y="988296"/>
+            <a:ext cx="257115" cy="304131"/>
           </a:xfrm>
           <a:prstGeom prst="rect">
             <a:avLst/>
@@ -2369,8 +2378,8 @@
         </p:nvSpPr>
         <p:spPr>
           <a:xfrm>
-            <a:off x="2787044" y="331133"/>
-            <a:ext cx="952520" cy="399577"/>
+            <a:off x="2738765" y="968237"/>
+            <a:ext cx="936020" cy="392655"/>
           </a:xfrm>
           <a:prstGeom prst="roundRect">
             <a:avLst/>
@@ -2404,14 +2413,14 @@
           <a:p>
             <a:pPr algn="ctr"/>
             <a:r>
-              <a:rPr lang="en-US" dirty="0" smtClean="0">
+              <a:rPr lang="en-US" sz="1769" dirty="0">
                 <a:solidFill>
                   <a:srgbClr val="E4E4E4"/>
                 </a:solidFill>
               </a:rPr>
               <a:t>Demo</a:t>
             </a:r>
-            <a:endParaRPr lang="en-US" sz="2400" dirty="0">
+            <a:endParaRPr lang="en-US" sz="2358" dirty="0">
               <a:solidFill>
                 <a:srgbClr val="E4E4E4"/>
               </a:solidFill>
@@ -2427,8 +2436,8 @@
         </p:nvSpPr>
         <p:spPr>
           <a:xfrm>
-            <a:off x="5678905" y="856182"/>
-            <a:ext cx="2727158" cy="5355312"/>
+            <a:off x="5580531" y="1484191"/>
+            <a:ext cx="2679916" cy="5265159"/>
           </a:xfrm>
           <a:prstGeom prst="rect">
             <a:avLst/>
@@ -2443,7 +2452,7 @@
           <a:p>
             <a:pPr algn="ctr"/>
             <a:r>
-              <a:rPr lang="en-US" spc="-1" dirty="0">
+              <a:rPr lang="en-US" sz="1769" spc="-1" dirty="0">
                 <a:solidFill>
                   <a:schemeClr val="bg1"/>
                 </a:solidFill>
@@ -2454,7 +2463,7 @@
           <a:p>
             <a:pPr algn="ctr"/>
             <a:r>
-              <a:rPr lang="en-US" spc="-1" dirty="0">
+              <a:rPr lang="en-US" sz="1769" spc="-1" dirty="0">
                 <a:solidFill>
                   <a:schemeClr val="bg1"/>
                 </a:solidFill>
@@ -2465,7 +2474,7 @@
           <a:p>
             <a:pPr algn="ctr"/>
             <a:r>
-              <a:rPr lang="en-US" spc="-1" dirty="0">
+              <a:rPr lang="en-US" sz="1769" spc="-1" dirty="0">
                 <a:solidFill>
                   <a:schemeClr val="bg1"/>
                 </a:solidFill>
@@ -2476,7 +2485,7 @@
           <a:p>
             <a:pPr algn="ctr"/>
             <a:r>
-              <a:rPr lang="en-US" spc="-1" dirty="0">
+              <a:rPr lang="en-US" sz="1769" spc="-1" dirty="0">
                 <a:solidFill>
                   <a:schemeClr val="bg1"/>
                 </a:solidFill>
@@ -2487,7 +2496,7 @@
           <a:p>
             <a:pPr algn="ctr"/>
             <a:r>
-              <a:rPr lang="en-US" spc="-1" dirty="0">
+              <a:rPr lang="en-US" sz="1769" spc="-1" dirty="0">
                 <a:solidFill>
                   <a:schemeClr val="bg1"/>
                 </a:solidFill>
@@ -2498,7 +2507,7 @@
           <a:p>
             <a:pPr algn="ctr"/>
             <a:r>
-              <a:rPr lang="en-US" spc="-1" dirty="0">
+              <a:rPr lang="en-US" sz="1769" spc="-1" dirty="0">
                 <a:solidFill>
                   <a:schemeClr val="bg1"/>
                 </a:solidFill>
@@ -2509,7 +2518,7 @@
           <a:p>
             <a:pPr algn="ctr"/>
             <a:r>
-              <a:rPr lang="en-US" spc="-1" dirty="0">
+              <a:rPr lang="en-US" sz="1769" spc="-1" dirty="0">
                 <a:solidFill>
                   <a:schemeClr val="bg1"/>
                 </a:solidFill>
@@ -2520,7 +2529,7 @@
           <a:p>
             <a:pPr algn="ctr"/>
             <a:r>
-              <a:rPr lang="en-US" spc="-1" dirty="0">
+              <a:rPr lang="en-US" sz="1769" spc="-1" dirty="0">
                 <a:solidFill>
                   <a:schemeClr val="bg1"/>
                 </a:solidFill>
@@ -2531,7 +2540,7 @@
           <a:p>
             <a:pPr algn="ctr"/>
             <a:r>
-              <a:rPr lang="en-US" spc="-1" dirty="0">
+              <a:rPr lang="en-US" sz="1769" spc="-1" dirty="0">
                 <a:solidFill>
                   <a:schemeClr val="bg1"/>
                 </a:solidFill>
@@ -2541,7 +2550,7 @@
           </a:p>
           <a:p>
             <a:pPr algn="ctr"/>
-            <a:endParaRPr lang="en-US" spc="-1" dirty="0">
+            <a:endParaRPr lang="en-US" sz="1769" spc="-1" dirty="0">
               <a:solidFill>
                 <a:schemeClr val="bg1"/>
               </a:solidFill>
@@ -2549,7 +2558,7 @@
           </a:p>
           <a:p>
             <a:pPr algn="ctr"/>
-            <a:endParaRPr lang="en-US" spc="-1" dirty="0">
+            <a:endParaRPr lang="en-US" sz="1769" spc="-1" dirty="0">
               <a:solidFill>
                 <a:schemeClr val="bg1"/>
               </a:solidFill>
@@ -2558,7 +2567,7 @@
           <a:p>
             <a:pPr algn="ctr"/>
             <a:r>
-              <a:rPr lang="en-US" spc="-1" dirty="0">
+              <a:rPr lang="en-US" sz="1769" spc="-1" dirty="0">
                 <a:solidFill>
                   <a:schemeClr val="bg1"/>
                 </a:solidFill>
@@ -2569,7 +2578,7 @@
           <a:p>
             <a:pPr algn="ctr"/>
             <a:r>
-              <a:rPr lang="en-US" spc="-1" dirty="0">
+              <a:rPr lang="en-US" sz="1769" spc="-1" dirty="0">
                 <a:solidFill>
                   <a:schemeClr val="bg1"/>
                 </a:solidFill>
@@ -2580,7 +2589,7 @@
           <a:p>
             <a:pPr algn="ctr"/>
             <a:r>
-              <a:rPr lang="en-US" spc="-1" dirty="0">
+              <a:rPr lang="en-US" sz="1769" spc="-1" dirty="0">
                 <a:solidFill>
                   <a:schemeClr val="bg1"/>
                 </a:solidFill>
@@ -2589,7 +2598,7 @@
             </a:r>
           </a:p>
           <a:p>
-            <a:endParaRPr lang="en-US" dirty="0">
+            <a:endParaRPr lang="en-US" sz="1769" dirty="0">
               <a:solidFill>
                 <a:schemeClr val="bg1"/>
               </a:solidFill>
@@ -2606,10 +2615,202 @@
     <mc:Choice Requires="p14">
       <p:transition spd="slow" p14:dur="2000"/>
     </mc:Choice>
-    <mc:Fallback xmlns:p15="http://schemas.microsoft.com/office/powerpoint/2012/main" xmlns="">
+    <mc:Fallback xmlns="" xmlns:p15="http://schemas.microsoft.com/office/powerpoint/2012/main">
       <p:transition spd="slow"/>
     </mc:Fallback>
   </mc:AlternateContent>
+</p:sld>
+</file>
+
+<file path=ppt/slides/slide10.xml><?xml version="1.0" encoding="utf-8"?>
+<p:sld xmlns:a="http://schemas.openxmlformats.org/drawingml/2006/main" xmlns:r="http://schemas.openxmlformats.org/officeDocument/2006/relationships" xmlns:p="http://schemas.openxmlformats.org/presentationml/2006/main">
+  <p:cSld>
+    <p:bg>
+      <p:bgPr>
+        <a:solidFill>
+          <a:schemeClr val="bg1"/>
+        </a:solidFill>
+        <a:effectLst/>
+      </p:bgPr>
+    </p:bg>
+    <p:spTree>
+      <p:nvGrpSpPr>
+        <p:cNvPr id="1" name=""/>
+        <p:cNvGrpSpPr/>
+        <p:nvPr/>
+      </p:nvGrpSpPr>
+      <p:grpSpPr>
+        <a:xfrm>
+          <a:off x="0" y="0"/>
+          <a:ext cx="0" cy="0"/>
+          <a:chOff x="0" y="0"/>
+          <a:chExt cx="0" cy="0"/>
+        </a:xfrm>
+      </p:grpSpPr>
+      <p:sp>
+        <p:nvSpPr>
+          <p:cNvPr id="2" name="Title 1"/>
+          <p:cNvSpPr>
+            <a:spLocks noGrp="1"/>
+          </p:cNvSpPr>
+          <p:nvPr>
+            <p:ph type="title"/>
+          </p:nvPr>
+        </p:nvSpPr>
+        <p:spPr>
+          <a:xfrm>
+            <a:off x="3428971" y="-1402977"/>
+            <a:ext cx="3067080" cy="869578"/>
+          </a:xfrm>
+        </p:spPr>
+        <p:txBody>
+          <a:bodyPr/>
+          <a:lstStyle/>
+          <a:p>
+            <a:r>
+              <a:rPr lang="en-US" sz="3600" dirty="0" smtClean="0"/>
+              <a:t>stock image</a:t>
+            </a:r>
+            <a:endParaRPr lang="en-US" sz="3600" dirty="0"/>
+          </a:p>
+        </p:txBody>
+      </p:sp>
+      <p:sp>
+        <p:nvSpPr>
+          <p:cNvPr id="3" name="Rounded Rectangle 2"/>
+          <p:cNvSpPr/>
+          <p:nvPr/>
+        </p:nvSpPr>
+        <p:spPr>
+          <a:xfrm>
+            <a:off x="2674961" y="1119116"/>
+            <a:ext cx="3971215" cy="3275463"/>
+          </a:xfrm>
+          <a:prstGeom prst="roundRect">
+            <a:avLst>
+              <a:gd name="adj" fmla="val 0"/>
+            </a:avLst>
+          </a:prstGeom>
+          <a:blipFill>
+            <a:blip r:embed="rId2"/>
+            <a:stretch>
+              <a:fillRect/>
+            </a:stretch>
+          </a:blipFill>
+          <a:ln>
+            <a:noFill/>
+          </a:ln>
+          <a:effectLst>
+            <a:outerShdw blurRad="355600" dist="38100" dir="5400000" algn="t" rotWithShape="0">
+              <a:prstClr val="black">
+                <a:alpha val="40000"/>
+              </a:prstClr>
+            </a:outerShdw>
+          </a:effectLst>
+        </p:spPr>
+        <p:style>
+          <a:lnRef idx="2">
+            <a:schemeClr val="accent1">
+              <a:shade val="50000"/>
+            </a:schemeClr>
+          </a:lnRef>
+          <a:fillRef idx="1">
+            <a:schemeClr val="accent1"/>
+          </a:fillRef>
+          <a:effectRef idx="0">
+            <a:schemeClr val="accent1"/>
+          </a:effectRef>
+          <a:fontRef idx="minor">
+            <a:schemeClr val="lt1"/>
+          </a:fontRef>
+        </p:style>
+        <p:txBody>
+          <a:bodyPr rtlCol="0" anchor="ctr"/>
+          <a:lstStyle/>
+          <a:p>
+            <a:pPr algn="ctr"/>
+            <a:endParaRPr lang="en-US"/>
+          </a:p>
+        </p:txBody>
+      </p:sp>
+    </p:spTree>
+    <p:extLst>
+      <p:ext uri="{BB962C8B-B14F-4D97-AF65-F5344CB8AC3E}">
+        <p14:creationId xmlns:p14="http://schemas.microsoft.com/office/powerpoint/2010/main" val="2332025460"/>
+      </p:ext>
+    </p:extLst>
+  </p:cSld>
+  <p:clrMapOvr>
+    <a:masterClrMapping/>
+  </p:clrMapOvr>
+</p:sld>
+</file>
+
+<file path=ppt/slides/slide11.xml><?xml version="1.0" encoding="utf-8"?>
+<p:sld xmlns:a="http://schemas.openxmlformats.org/drawingml/2006/main" xmlns:r="http://schemas.openxmlformats.org/officeDocument/2006/relationships" xmlns:p="http://schemas.openxmlformats.org/presentationml/2006/main">
+  <p:cSld>
+    <p:spTree>
+      <p:nvGrpSpPr>
+        <p:cNvPr id="1" name=""/>
+        <p:cNvGrpSpPr/>
+        <p:nvPr/>
+      </p:nvGrpSpPr>
+      <p:grpSpPr>
+        <a:xfrm>
+          <a:off x="0" y="0"/>
+          <a:ext cx="0" cy="0"/>
+          <a:chOff x="0" y="0"/>
+          <a:chExt cx="0" cy="0"/>
+        </a:xfrm>
+      </p:grpSpPr>
+      <p:sp>
+        <p:nvSpPr>
+          <p:cNvPr id="2" name="Title 1"/>
+          <p:cNvSpPr>
+            <a:spLocks noGrp="1"/>
+          </p:cNvSpPr>
+          <p:nvPr>
+            <p:ph type="title"/>
+          </p:nvPr>
+        </p:nvSpPr>
+        <p:spPr/>
+        <p:txBody>
+          <a:bodyPr/>
+          <a:lstStyle/>
+          <a:p>
+            <a:endParaRPr lang="en-US"/>
+          </a:p>
+        </p:txBody>
+      </p:sp>
+      <p:sp>
+        <p:nvSpPr>
+          <p:cNvPr id="3" name="Subtitle 2"/>
+          <p:cNvSpPr>
+            <a:spLocks noGrp="1"/>
+          </p:cNvSpPr>
+          <p:nvPr>
+            <p:ph type="subTitle"/>
+          </p:nvPr>
+        </p:nvSpPr>
+        <p:spPr/>
+        <p:txBody>
+          <a:bodyPr/>
+          <a:lstStyle/>
+          <a:p>
+            <a:endParaRPr lang="en-US"/>
+          </a:p>
+        </p:txBody>
+      </p:sp>
+    </p:spTree>
+    <p:extLst>
+      <p:ext uri="{BB962C8B-B14F-4D97-AF65-F5344CB8AC3E}">
+        <p14:creationId xmlns:p14="http://schemas.microsoft.com/office/powerpoint/2010/main" val="2660127606"/>
+      </p:ext>
+    </p:extLst>
+  </p:cSld>
+  <p:clrMapOvr>
+    <a:masterClrMapping/>
+  </p:clrMapOvr>
 </p:sld>
 </file>
 
@@ -2638,8 +2839,8 @@
         </p:nvSpPr>
         <p:spPr>
           <a:xfrm>
-            <a:off x="368703" y="250723"/>
-            <a:ext cx="3940920" cy="7013520"/>
+            <a:off x="362317" y="889220"/>
+            <a:ext cx="3872652" cy="6892026"/>
           </a:xfrm>
           <a:prstGeom prst="rect">
             <a:avLst/>
@@ -2674,8 +2875,8 @@
         </p:nvGrpSpPr>
         <p:grpSpPr>
           <a:xfrm>
-            <a:off x="463084" y="6285586"/>
-            <a:ext cx="3734750" cy="802412"/>
+            <a:off x="455062" y="7462382"/>
+            <a:ext cx="3670054" cy="788512"/>
             <a:chOff x="463084" y="6285586"/>
             <a:chExt cx="3734750" cy="802412"/>
           </a:xfrm>
@@ -2724,7 +2925,7 @@
             <a:lstStyle/>
             <a:p>
               <a:pPr algn="ctr"/>
-              <a:endParaRPr lang="en-US" dirty="0"/>
+              <a:endParaRPr lang="en-US" sz="1769" dirty="0"/>
             </a:p>
           </p:txBody>
         </p:sp>
@@ -2765,7 +2966,7 @@
               <a:lstStyle/>
               <a:p>
                 <a:r>
-                  <a:rPr lang="en-US" sz="2000" dirty="0" smtClean="0">
+                  <a:rPr lang="en-US" sz="1965" dirty="0">
                     <a:solidFill>
                       <a:schemeClr val="tx1">
                         <a:lumMod val="65000"/>
@@ -2775,7 +2976,7 @@
                   </a:rPr>
                   <a:t>Building material</a:t>
                 </a:r>
-                <a:endParaRPr lang="en-US" sz="2000" dirty="0">
+                <a:endParaRPr lang="en-US" sz="1965" dirty="0">
                   <a:solidFill>
                     <a:schemeClr val="tx1">
                       <a:lumMod val="65000"/>
@@ -2809,7 +3010,7 @@
               <a:lstStyle/>
               <a:p>
                 <a:r>
-                  <a:rPr lang="en-US" sz="1100" dirty="0" smtClean="0">
+                  <a:rPr lang="en-US" sz="1081" dirty="0">
                     <a:solidFill>
                       <a:schemeClr val="tx1">
                         <a:lumMod val="65000"/>
@@ -2819,7 +3020,7 @@
                   </a:rPr>
                   <a:t>Iron rods | cement| nails</a:t>
                 </a:r>
-                <a:endParaRPr lang="en-US" sz="1100" dirty="0">
+                <a:endParaRPr lang="en-US" sz="1081" dirty="0">
                   <a:solidFill>
                     <a:schemeClr val="tx1">
                       <a:lumMod val="65000"/>
@@ -2889,7 +3090,7 @@
               <a:lstStyle/>
               <a:p>
                 <a:pPr algn="ctr"/>
-                <a:endParaRPr lang="en-US"/>
+                <a:endParaRPr lang="en-US" sz="1769"/>
               </a:p>
             </p:txBody>
           </p:sp>
@@ -2933,8 +3134,8 @@
         </p:nvSpPr>
         <p:spPr>
           <a:xfrm>
-            <a:off x="368703" y="228600"/>
-            <a:ext cx="3945865" cy="685800"/>
+            <a:off x="362317" y="867480"/>
+            <a:ext cx="3877511" cy="673920"/>
           </a:xfrm>
           <a:prstGeom prst="rect">
             <a:avLst/>
@@ -2981,8 +3182,8 @@
         </p:blipFill>
         <p:spPr>
           <a:xfrm>
-            <a:off x="474839" y="319680"/>
-            <a:ext cx="1440213" cy="499186"/>
+            <a:off x="466615" y="956982"/>
+            <a:ext cx="1415264" cy="490539"/>
           </a:xfrm>
           <a:prstGeom prst="rect">
             <a:avLst/>
@@ -3004,8 +3205,8 @@
         </p:blipFill>
         <p:spPr>
           <a:xfrm>
-            <a:off x="3874922" y="409764"/>
-            <a:ext cx="261647" cy="309492"/>
+            <a:off x="3807798" y="1045506"/>
+            <a:ext cx="257115" cy="304131"/>
           </a:xfrm>
           <a:prstGeom prst="rect">
             <a:avLst/>
@@ -3037,8 +3238,8 @@
         </p:blipFill>
         <p:spPr>
           <a:xfrm>
-            <a:off x="3319311" y="433617"/>
-            <a:ext cx="310527" cy="309492"/>
+            <a:off x="3261812" y="1068945"/>
+            <a:ext cx="305148" cy="304131"/>
           </a:xfrm>
           <a:prstGeom prst="rect">
             <a:avLst/>
@@ -3057,8 +3258,8 @@
         </p:nvSpPr>
         <p:spPr>
           <a:xfrm>
-            <a:off x="4131224" y="-562495"/>
-            <a:ext cx="2007856" cy="314609"/>
+            <a:off x="4059660" y="-552751"/>
+            <a:ext cx="1973074" cy="309159"/>
           </a:xfrm>
         </p:spPr>
         <p:txBody>
@@ -3066,14 +3267,14 @@
           <a:lstStyle/>
           <a:p>
             <a:r>
-              <a:rPr lang="en-US" sz="2800" spc="-1" dirty="0"/>
+              <a:rPr lang="en-US" sz="2752" spc="-1" dirty="0"/>
               <a:t>Bags </a:t>
             </a:r>
             <a:r>
-              <a:rPr lang="en-US" sz="2800" spc="-1" dirty="0" smtClean="0"/>
+              <a:rPr lang="en-US" sz="2752" spc="-1" dirty="0"/>
               <a:t>page</a:t>
             </a:r>
-            <a:endParaRPr lang="en-US" sz="2800" dirty="0"/>
+            <a:endParaRPr lang="en-US" sz="2752" dirty="0"/>
           </a:p>
         </p:txBody>
       </p:sp>
@@ -3085,8 +3286,8 @@
         </p:nvGrpSpPr>
         <p:grpSpPr>
           <a:xfrm>
-            <a:off x="2729527" y="6138415"/>
-            <a:ext cx="563525" cy="563525"/>
+            <a:off x="2682245" y="7317760"/>
+            <a:ext cx="553763" cy="553763"/>
             <a:chOff x="2048697" y="6283843"/>
             <a:chExt cx="563525" cy="563525"/>
           </a:xfrm>
@@ -3142,7 +3343,7 @@
             <a:lstStyle/>
             <a:p>
               <a:pPr algn="ctr"/>
-              <a:endParaRPr lang="en-US"/>
+              <a:endParaRPr lang="en-US" sz="1769"/>
             </a:p>
           </p:txBody>
         </p:sp>
@@ -3199,8 +3400,8 @@
         </p:blipFill>
         <p:spPr>
           <a:xfrm>
-            <a:off x="3742605" y="1046538"/>
-            <a:ext cx="272574" cy="273486"/>
+            <a:off x="3677773" y="1671249"/>
+            <a:ext cx="267852" cy="268748"/>
           </a:xfrm>
           <a:prstGeom prst="rect">
             <a:avLst/>
@@ -3215,8 +3416,8 @@
         </p:nvGrpSpPr>
         <p:grpSpPr>
           <a:xfrm>
-            <a:off x="474839" y="1423772"/>
-            <a:ext cx="3726913" cy="802412"/>
+            <a:off x="466615" y="2041948"/>
+            <a:ext cx="3662352" cy="788512"/>
             <a:chOff x="474839" y="1423772"/>
             <a:chExt cx="3726913" cy="802412"/>
           </a:xfrm>
@@ -3265,7 +3466,7 @@
             <a:lstStyle/>
             <a:p>
               <a:pPr algn="ctr"/>
-              <a:endParaRPr lang="en-US" dirty="0"/>
+              <a:endParaRPr lang="en-US" sz="1769" dirty="0"/>
             </a:p>
           </p:txBody>
         </p:sp>
@@ -3306,7 +3507,7 @@
               <a:lstStyle/>
               <a:p>
                 <a:r>
-                  <a:rPr lang="en-US" sz="2000" dirty="0" smtClean="0">
+                  <a:rPr lang="en-US" sz="1965" dirty="0">
                     <a:solidFill>
                       <a:schemeClr val="tx1">
                         <a:lumMod val="65000"/>
@@ -3316,7 +3517,7 @@
                   </a:rPr>
                   <a:t>Football kit</a:t>
                 </a:r>
-                <a:endParaRPr lang="en-US" sz="2000" dirty="0">
+                <a:endParaRPr lang="en-US" sz="1965" dirty="0">
                   <a:solidFill>
                     <a:schemeClr val="tx1">
                       <a:lumMod val="65000"/>
@@ -3350,7 +3551,7 @@
               <a:lstStyle/>
               <a:p>
                 <a:r>
-                  <a:rPr lang="en-US" sz="1100" dirty="0" smtClean="0">
+                  <a:rPr lang="en-US" sz="1081" dirty="0">
                     <a:solidFill>
                       <a:schemeClr val="tx1">
                         <a:lumMod val="65000"/>
@@ -3360,7 +3561,7 @@
                   </a:rPr>
                   <a:t>Boots | Football socks | Shin guard</a:t>
                 </a:r>
-                <a:endParaRPr lang="en-US" sz="1100" dirty="0">
+                <a:endParaRPr lang="en-US" sz="1081" dirty="0">
                   <a:solidFill>
                     <a:schemeClr val="tx1">
                       <a:lumMod val="65000"/>
@@ -3430,7 +3631,7 @@
               <a:lstStyle/>
               <a:p>
                 <a:pPr algn="ctr"/>
-                <a:endParaRPr lang="en-US"/>
+                <a:endParaRPr lang="en-US" sz="1769"/>
               </a:p>
             </p:txBody>
           </p:sp>
@@ -3474,8 +3675,8 @@
         </p:nvGrpSpPr>
         <p:grpSpPr>
           <a:xfrm>
-            <a:off x="478381" y="2384246"/>
-            <a:ext cx="3726913" cy="802412"/>
+            <a:off x="470095" y="2985784"/>
+            <a:ext cx="3662352" cy="788512"/>
             <a:chOff x="478381" y="2384246"/>
             <a:chExt cx="3726913" cy="802412"/>
           </a:xfrm>
@@ -3524,7 +3725,7 @@
             <a:lstStyle/>
             <a:p>
               <a:pPr algn="ctr"/>
-              <a:endParaRPr lang="en-US" dirty="0"/>
+              <a:endParaRPr lang="en-US" sz="1769" dirty="0"/>
             </a:p>
           </p:txBody>
         </p:sp>
@@ -3565,7 +3766,7 @@
               <a:lstStyle/>
               <a:p>
                 <a:r>
-                  <a:rPr lang="en-US" sz="2000" dirty="0" smtClean="0">
+                  <a:rPr lang="en-US" sz="1965" dirty="0">
                     <a:solidFill>
                       <a:schemeClr val="tx1">
                         <a:lumMod val="65000"/>
@@ -3575,7 +3776,7 @@
                   </a:rPr>
                   <a:t>Jollof </a:t>
                 </a:r>
-                <a:endParaRPr lang="en-US" sz="2000" dirty="0">
+                <a:endParaRPr lang="en-US" sz="1965" dirty="0">
                   <a:solidFill>
                     <a:schemeClr val="tx1">
                       <a:lumMod val="65000"/>
@@ -3609,7 +3810,7 @@
               <a:lstStyle/>
               <a:p>
                 <a:r>
-                  <a:rPr lang="en-US" sz="1100" dirty="0" smtClean="0">
+                  <a:rPr lang="en-US" sz="1081" dirty="0">
                     <a:solidFill>
                       <a:schemeClr val="tx1">
                         <a:lumMod val="65000"/>
@@ -3619,7 +3820,7 @@
                   </a:rPr>
                   <a:t>tomatoes | spices | rice</a:t>
                 </a:r>
-                <a:endParaRPr lang="en-US" sz="1100" dirty="0">
+                <a:endParaRPr lang="en-US" sz="1081" dirty="0">
                   <a:solidFill>
                     <a:schemeClr val="tx1">
                       <a:lumMod val="65000"/>
@@ -3689,7 +3890,7 @@
               <a:lstStyle/>
               <a:p>
                 <a:pPr algn="ctr"/>
-                <a:endParaRPr lang="en-US"/>
+                <a:endParaRPr lang="en-US" sz="1769"/>
               </a:p>
             </p:txBody>
           </p:sp>
@@ -3733,8 +3934,8 @@
         </p:nvGrpSpPr>
         <p:grpSpPr>
           <a:xfrm>
-            <a:off x="477635" y="3368826"/>
-            <a:ext cx="3734750" cy="802412"/>
+            <a:off x="469361" y="3953308"/>
+            <a:ext cx="3670054" cy="788512"/>
             <a:chOff x="477635" y="3368826"/>
             <a:chExt cx="3734750" cy="802412"/>
           </a:xfrm>
@@ -3783,7 +3984,7 @@
             <a:lstStyle/>
             <a:p>
               <a:pPr algn="ctr"/>
-              <a:endParaRPr lang="en-US" dirty="0"/>
+              <a:endParaRPr lang="en-US" sz="1769" dirty="0"/>
             </a:p>
           </p:txBody>
         </p:sp>
@@ -3824,7 +4025,7 @@
               <a:lstStyle/>
               <a:p>
                 <a:r>
-                  <a:rPr lang="en-US" sz="2000" dirty="0">
+                  <a:rPr lang="en-US" sz="1965" dirty="0">
                     <a:solidFill>
                       <a:schemeClr val="tx1">
                         <a:lumMod val="65000"/>
@@ -3835,7 +4036,7 @@
                   <a:t>S</a:t>
                 </a:r>
                 <a:r>
-                  <a:rPr lang="en-US" sz="2000" dirty="0" smtClean="0">
+                  <a:rPr lang="en-US" sz="1965" dirty="0">
                     <a:solidFill>
                       <a:schemeClr val="tx1">
                         <a:lumMod val="65000"/>
@@ -3845,7 +4046,7 @@
                   </a:rPr>
                   <a:t>hopping</a:t>
                 </a:r>
-                <a:endParaRPr lang="en-US" sz="2000" dirty="0">
+                <a:endParaRPr lang="en-US" sz="1965" dirty="0">
                   <a:solidFill>
                     <a:schemeClr val="tx1">
                       <a:lumMod val="65000"/>
@@ -3879,7 +4080,7 @@
               <a:lstStyle/>
               <a:p>
                 <a:r>
-                  <a:rPr lang="en-US" sz="1100" dirty="0" smtClean="0">
+                  <a:rPr lang="en-US" sz="1081" dirty="0">
                     <a:solidFill>
                       <a:schemeClr val="tx1">
                         <a:lumMod val="65000"/>
@@ -3889,7 +4090,7 @@
                   </a:rPr>
                   <a:t>heels | bag | washing soap</a:t>
                 </a:r>
-                <a:endParaRPr lang="en-US" sz="1100" dirty="0">
+                <a:endParaRPr lang="en-US" sz="1081" dirty="0">
                   <a:solidFill>
                     <a:schemeClr val="tx1">
                       <a:lumMod val="65000"/>
@@ -3959,7 +4160,7 @@
               <a:lstStyle/>
               <a:p>
                 <a:pPr algn="ctr"/>
-                <a:endParaRPr lang="en-US"/>
+                <a:endParaRPr lang="en-US" sz="1769"/>
               </a:p>
             </p:txBody>
           </p:sp>
@@ -4003,8 +4204,8 @@
         </p:nvGrpSpPr>
         <p:grpSpPr>
           <a:xfrm>
-            <a:off x="470304" y="4373975"/>
-            <a:ext cx="3734750" cy="802412"/>
+            <a:off x="462157" y="4941045"/>
+            <a:ext cx="3670054" cy="788512"/>
             <a:chOff x="470304" y="4373975"/>
             <a:chExt cx="3734750" cy="802412"/>
           </a:xfrm>
@@ -4053,7 +4254,7 @@
             <a:lstStyle/>
             <a:p>
               <a:pPr algn="ctr"/>
-              <a:endParaRPr lang="en-US" dirty="0"/>
+              <a:endParaRPr lang="en-US" sz="1769" dirty="0"/>
             </a:p>
           </p:txBody>
         </p:sp>
@@ -4094,7 +4295,7 @@
               <a:lstStyle/>
               <a:p>
                 <a:r>
-                  <a:rPr lang="en-US" sz="2000" dirty="0" smtClean="0">
+                  <a:rPr lang="en-US" sz="1965" dirty="0">
                     <a:solidFill>
                       <a:schemeClr val="tx1">
                         <a:lumMod val="65000"/>
@@ -4104,7 +4305,7 @@
                   </a:rPr>
                   <a:t>School items</a:t>
                 </a:r>
-                <a:endParaRPr lang="en-US" sz="2000" dirty="0">
+                <a:endParaRPr lang="en-US" sz="1965" dirty="0">
                   <a:solidFill>
                     <a:schemeClr val="tx1">
                       <a:lumMod val="65000"/>
@@ -4138,7 +4339,7 @@
               <a:lstStyle/>
               <a:p>
                 <a:r>
-                  <a:rPr lang="en-US" sz="1100" dirty="0" smtClean="0">
+                  <a:rPr lang="en-US" sz="1081" dirty="0">
                     <a:solidFill>
                       <a:schemeClr val="tx1">
                         <a:lumMod val="65000"/>
@@ -4148,7 +4349,7 @@
                   </a:rPr>
                   <a:t>books | pen | math set</a:t>
                 </a:r>
-                <a:endParaRPr lang="en-US" sz="1100" dirty="0">
+                <a:endParaRPr lang="en-US" sz="1081" dirty="0">
                   <a:solidFill>
                     <a:schemeClr val="tx1">
                       <a:lumMod val="65000"/>
@@ -4218,7 +4419,7 @@
               <a:lstStyle/>
               <a:p>
                 <a:pPr algn="ctr"/>
-                <a:endParaRPr lang="en-US"/>
+                <a:endParaRPr lang="en-US" sz="1769"/>
               </a:p>
             </p:txBody>
           </p:sp>
@@ -4262,8 +4463,8 @@
         </p:nvGrpSpPr>
         <p:grpSpPr>
           <a:xfrm>
-            <a:off x="463084" y="5313880"/>
-            <a:ext cx="3734750" cy="802412"/>
+            <a:off x="455062" y="5864669"/>
+            <a:ext cx="3670054" cy="788512"/>
             <a:chOff x="463084" y="5313880"/>
             <a:chExt cx="3734750" cy="802412"/>
           </a:xfrm>
@@ -4312,7 +4513,7 @@
             <a:lstStyle/>
             <a:p>
               <a:pPr algn="ctr"/>
-              <a:endParaRPr lang="en-US" dirty="0"/>
+              <a:endParaRPr lang="en-US" sz="1769" dirty="0"/>
             </a:p>
           </p:txBody>
         </p:sp>
@@ -4353,7 +4554,7 @@
               <a:lstStyle/>
               <a:p>
                 <a:r>
-                  <a:rPr lang="en-US" sz="2000" dirty="0">
+                  <a:rPr lang="en-US" sz="1965" dirty="0">
                     <a:solidFill>
                       <a:schemeClr val="tx1">
                         <a:lumMod val="65000"/>
@@ -4364,7 +4565,7 @@
                   <a:t>C</a:t>
                 </a:r>
                 <a:r>
-                  <a:rPr lang="en-US" sz="2000" dirty="0" smtClean="0">
+                  <a:rPr lang="en-US" sz="1965" dirty="0">
                     <a:solidFill>
                       <a:schemeClr val="tx1">
                         <a:lumMod val="65000"/>
@@ -4374,7 +4575,7 @@
                   </a:rPr>
                   <a:t>lothes</a:t>
                 </a:r>
-                <a:endParaRPr lang="en-US" sz="2000" dirty="0">
+                <a:endParaRPr lang="en-US" sz="1965" dirty="0">
                   <a:solidFill>
                     <a:schemeClr val="tx1">
                       <a:lumMod val="65000"/>
@@ -4408,7 +4609,7 @@
               <a:lstStyle/>
               <a:p>
                 <a:r>
-                  <a:rPr lang="en-US" sz="1100" dirty="0" smtClean="0">
+                  <a:rPr lang="en-US" sz="1081" dirty="0">
                     <a:solidFill>
                       <a:schemeClr val="tx1">
                         <a:lumMod val="65000"/>
@@ -4418,7 +4619,7 @@
                   </a:rPr>
                   <a:t>jeans | underwear | belts</a:t>
                 </a:r>
-                <a:endParaRPr lang="en-US" sz="1100" dirty="0">
+                <a:endParaRPr lang="en-US" sz="1081" dirty="0">
                   <a:solidFill>
                     <a:schemeClr val="tx1">
                       <a:lumMod val="65000"/>
@@ -4488,7 +4689,7 @@
               <a:lstStyle/>
               <a:p>
                 <a:pPr algn="ctr"/>
-                <a:endParaRPr lang="en-US"/>
+                <a:endParaRPr lang="en-US" sz="1769"/>
               </a:p>
             </p:txBody>
           </p:sp>
@@ -4532,8 +4733,8 @@
         </p:nvSpPr>
         <p:spPr>
           <a:xfrm>
-            <a:off x="430771" y="1001319"/>
-            <a:ext cx="1988429" cy="338554"/>
+            <a:off x="423310" y="1626813"/>
+            <a:ext cx="1973617" cy="334259"/>
           </a:xfrm>
           <a:prstGeom prst="rect">
             <a:avLst/>
@@ -4547,13 +4748,13 @@
           <a:lstStyle/>
           <a:p>
             <a:r>
-              <a:rPr lang="en-US" sz="1600" dirty="0" smtClean="0">
+              <a:rPr lang="en-US" sz="1572" dirty="0">
                 <a:latin typeface="Roboto" panose="02000000000000000000" pitchFamily="2" charset="0"/>
                 <a:ea typeface="Roboto" panose="02000000000000000000" pitchFamily="2" charset="0"/>
               </a:rPr>
               <a:t>Your shopping bags</a:t>
             </a:r>
-            <a:endParaRPr lang="en-US" sz="1600" dirty="0">
+            <a:endParaRPr lang="en-US" sz="1572" dirty="0">
               <a:latin typeface="Roboto" panose="02000000000000000000" pitchFamily="2" charset="0"/>
               <a:ea typeface="Roboto" panose="02000000000000000000" pitchFamily="2" charset="0"/>
             </a:endParaRPr>
@@ -4568,8 +4769,8 @@
         </p:nvSpPr>
         <p:spPr>
           <a:xfrm>
-            <a:off x="6399722" y="1339873"/>
-            <a:ext cx="2210937" cy="3477875"/>
+            <a:off x="6288862" y="1959503"/>
+            <a:ext cx="2172637" cy="3417628"/>
           </a:xfrm>
           <a:prstGeom prst="rect">
             <a:avLst/>
@@ -4583,7 +4784,7 @@
           <a:lstStyle/>
           <a:p>
             <a:r>
-              <a:rPr lang="en-US" sz="2000" spc="-1" dirty="0" smtClean="0">
+              <a:rPr lang="en-US" sz="1965" spc="-1" dirty="0">
                 <a:solidFill>
                   <a:schemeClr val="bg1"/>
                 </a:solidFill>
@@ -4591,7 +4792,7 @@
               <a:t>Bags </a:t>
             </a:r>
             <a:r>
-              <a:rPr lang="en-US" sz="2000" spc="-1" dirty="0">
+              <a:rPr lang="en-US" sz="1965" spc="-1" dirty="0">
                 <a:solidFill>
                   <a:schemeClr val="bg1"/>
                 </a:solidFill>
@@ -4601,7 +4802,7 @@
           </a:p>
           <a:p>
             <a:r>
-              <a:rPr lang="en-US" sz="2000" spc="-1" dirty="0" smtClean="0">
+              <a:rPr lang="en-US" sz="1965" spc="-1" dirty="0">
                 <a:solidFill>
                   <a:schemeClr val="bg1"/>
                 </a:solidFill>
@@ -4609,7 +4810,7 @@
               <a:t>- Search(appear </a:t>
             </a:r>
             <a:r>
-              <a:rPr lang="en-US" sz="2000" spc="-1" dirty="0">
+              <a:rPr lang="en-US" sz="1965" spc="-1" dirty="0">
                 <a:solidFill>
                   <a:schemeClr val="bg1"/>
                 </a:solidFill>
@@ -4617,7 +4818,7 @@
               <a:t>only here and </a:t>
             </a:r>
             <a:r>
-              <a:rPr lang="en-US" sz="2000" spc="-1" dirty="0" smtClean="0">
+              <a:rPr lang="en-US" sz="1965" spc="-1" dirty="0">
                 <a:solidFill>
                   <a:schemeClr val="bg1"/>
                 </a:solidFill>
@@ -4625,7 +4826,7 @@
               <a:t>top </a:t>
             </a:r>
             <a:r>
-              <a:rPr lang="en-US" sz="2000" spc="-1" dirty="0">
+              <a:rPr lang="en-US" sz="1965" spc="-1" dirty="0">
                 <a:solidFill>
                   <a:schemeClr val="bg1"/>
                 </a:solidFill>
@@ -4633,7 +4834,7 @@
               <a:t>on gen header</a:t>
             </a:r>
             <a:r>
-              <a:rPr lang="en-US" sz="2000" spc="-1" dirty="0" smtClean="0">
+              <a:rPr lang="en-US" sz="1965" spc="-1" dirty="0">
                 <a:solidFill>
                   <a:schemeClr val="bg1"/>
                 </a:solidFill>
@@ -4642,7 +4843,7 @@
             </a:r>
           </a:p>
           <a:p>
-            <a:endParaRPr lang="en-US" sz="2000" spc="-1" dirty="0">
+            <a:endParaRPr lang="en-US" sz="1965" spc="-1" dirty="0">
               <a:solidFill>
                 <a:schemeClr val="bg1"/>
               </a:solidFill>
@@ -4650,7 +4851,7 @@
           </a:p>
           <a:p>
             <a:r>
-              <a:rPr lang="en-US" sz="2000" spc="-1" dirty="0" smtClean="0">
+              <a:rPr lang="en-US" sz="1965" spc="-1" dirty="0">
                 <a:solidFill>
                   <a:schemeClr val="bg1"/>
                 </a:solidFill>
@@ -4659,7 +4860,7 @@
               <a:t>- Add </a:t>
             </a:r>
             <a:r>
-              <a:rPr lang="en-US" sz="2000" spc="-1" dirty="0">
+              <a:rPr lang="en-US" sz="1965" spc="-1" dirty="0">
                 <a:solidFill>
                   <a:schemeClr val="bg1"/>
                 </a:solidFill>
@@ -4668,7 +4869,7 @@
               <a:t>button (</a:t>
             </a:r>
             <a:r>
-              <a:rPr lang="en-US" sz="2000" spc="-1" dirty="0">
+              <a:rPr lang="en-US" sz="1965" spc="-1" dirty="0">
                 <a:solidFill>
                   <a:schemeClr val="bg1"/>
                 </a:solidFill>
@@ -4678,7 +4879,7 @@
           </a:p>
           <a:p>
             <a:r>
-              <a:rPr lang="en-US" sz="2000" spc="-1" dirty="0">
+              <a:rPr lang="en-US" sz="1965" spc="-1" dirty="0">
                 <a:solidFill>
                   <a:schemeClr val="bg1"/>
                 </a:solidFill>
@@ -4686,7 +4887,7 @@
               <a:t>Here and bottom</a:t>
             </a:r>
             <a:r>
-              <a:rPr lang="en-US" sz="2000" spc="-1" dirty="0" smtClean="0">
+              <a:rPr lang="en-US" sz="1965" spc="-1" dirty="0">
                 <a:solidFill>
                   <a:schemeClr val="bg1"/>
                 </a:solidFill>
@@ -4695,7 +4896,7 @@
             </a:r>
           </a:p>
           <a:p>
-            <a:endParaRPr lang="en-US" sz="2000" spc="-1" dirty="0">
+            <a:endParaRPr lang="en-US" sz="1965" spc="-1" dirty="0">
               <a:solidFill>
                 <a:schemeClr val="bg1"/>
               </a:solidFill>
@@ -4703,7 +4904,7 @@
           </a:p>
           <a:p>
             <a:r>
-              <a:rPr lang="en-US" sz="2000" spc="-1" dirty="0">
+              <a:rPr lang="en-US" sz="1965" spc="-1" dirty="0">
                 <a:solidFill>
                   <a:schemeClr val="bg1"/>
                 </a:solidFill>
@@ -4713,7 +4914,7 @@
           </a:p>
           <a:p>
             <a:r>
-              <a:rPr lang="en-US" sz="2000" spc="-1" dirty="0">
+              <a:rPr lang="en-US" sz="1965" spc="-1" dirty="0">
                 <a:solidFill>
                   <a:schemeClr val="bg1"/>
                 </a:solidFill>
@@ -4721,14 +4922,14 @@
               <a:t>Your </a:t>
             </a:r>
             <a:r>
-              <a:rPr lang="en-US" sz="2000" spc="-1" dirty="0" smtClean="0">
+              <a:rPr lang="en-US" sz="1965" spc="-1" dirty="0">
                 <a:solidFill>
                   <a:schemeClr val="bg1"/>
                 </a:solidFill>
               </a:rPr>
               <a:t>bags</a:t>
             </a:r>
-            <a:endParaRPr lang="en-US" sz="2000" spc="-1" dirty="0">
+            <a:endParaRPr lang="en-US" sz="1965" spc="-1" dirty="0">
               <a:solidFill>
                 <a:schemeClr val="bg1"/>
               </a:solidFill>
@@ -4745,7 +4946,7 @@
     <mc:Choice Requires="p14">
       <p:transition spd="slow" p14:dur="2000"/>
     </mc:Choice>
-    <mc:Fallback xmlns:p15="http://schemas.microsoft.com/office/powerpoint/2012/main" xmlns="">
+    <mc:Fallback xmlns="" xmlns:p15="http://schemas.microsoft.com/office/powerpoint/2012/main">
       <p:transition spd="slow"/>
     </mc:Fallback>
   </mc:AlternateContent>
@@ -4777,8 +4978,8 @@
         </p:nvSpPr>
         <p:spPr>
           <a:xfrm>
-            <a:off x="368703" y="250723"/>
-            <a:ext cx="3940920" cy="7013520"/>
+            <a:off x="362317" y="889220"/>
+            <a:ext cx="3872652" cy="6892026"/>
           </a:xfrm>
           <a:prstGeom prst="rect">
             <a:avLst/>
@@ -4815,8 +5016,8 @@
         </p:nvSpPr>
         <p:spPr>
           <a:xfrm>
-            <a:off x="4131224" y="-562495"/>
-            <a:ext cx="2007856" cy="314609"/>
+            <a:off x="4059660" y="-552751"/>
+            <a:ext cx="1973074" cy="309159"/>
           </a:xfrm>
           <a:prstGeom prst="rect">
             <a:avLst/>
@@ -4845,7 +5046,7 @@
           </a:lstStyle>
           <a:p>
             <a:pPr algn="ctr"/>
-            <a:endParaRPr lang="en-US" sz="2400" spc="-1" dirty="0"/>
+            <a:endParaRPr lang="en-US" sz="2358" spc="-1" dirty="0"/>
           </a:p>
         </p:txBody>
       </p:sp>
@@ -4861,8 +5062,8 @@
         </p:nvSpPr>
         <p:spPr>
           <a:xfrm>
-            <a:off x="3711500" y="-1100478"/>
-            <a:ext cx="2618458" cy="946440"/>
+            <a:off x="3647207" y="-1081415"/>
+            <a:ext cx="2573099" cy="930045"/>
           </a:xfrm>
         </p:spPr>
         <p:txBody>
@@ -4874,7 +5075,7 @@
               <a:t>Bag </a:t>
             </a:r>
             <a:r>
-              <a:rPr lang="en-US" spc="-1" dirty="0" smtClean="0"/>
+              <a:rPr lang="en-US" spc="-1" dirty="0"/>
               <a:t>page</a:t>
             </a:r>
             <a:endParaRPr lang="en-US" dirty="0"/>
@@ -4889,8 +5090,8 @@
         </p:nvSpPr>
         <p:spPr>
           <a:xfrm>
-            <a:off x="5867791" y="940854"/>
-            <a:ext cx="2382695" cy="4801314"/>
+            <a:off x="5766145" y="1567396"/>
+            <a:ext cx="2341420" cy="4718142"/>
           </a:xfrm>
           <a:prstGeom prst="rect">
             <a:avLst/>
@@ -4904,11 +5105,11 @@
           <a:lstStyle/>
           <a:p>
             <a:r>
-              <a:rPr lang="en-US" sz="2400" spc="-1" dirty="0" smtClean="0"/>
+              <a:rPr lang="en-US" sz="2358" spc="-1" dirty="0"/>
               <a:t> </a:t>
             </a:r>
             <a:r>
-              <a:rPr lang="en-US" sz="2400" spc="-1" dirty="0">
+              <a:rPr lang="en-US" sz="2358" spc="-1" dirty="0">
                 <a:solidFill>
                   <a:schemeClr val="bg1"/>
                 </a:solidFill>
@@ -4916,14 +5117,14 @@
               <a:t>bag </a:t>
             </a:r>
             <a:r>
-              <a:rPr lang="en-US" sz="2400" spc="-1" dirty="0" smtClean="0">
+              <a:rPr lang="en-US" sz="2358" spc="-1" dirty="0">
                 <a:solidFill>
                   <a:schemeClr val="bg1"/>
                 </a:solidFill>
               </a:rPr>
               <a:t>page</a:t>
             </a:r>
-            <a:endParaRPr lang="en-US" sz="2400" spc="-1" dirty="0">
+            <a:endParaRPr lang="en-US" sz="2358" spc="-1" dirty="0">
               <a:solidFill>
                 <a:schemeClr val="bg1"/>
               </a:solidFill>
@@ -4931,7 +5132,7 @@
           </a:p>
           <a:p>
             <a:r>
-              <a:rPr lang="en-US" sz="2400" spc="-1" dirty="0" smtClean="0">
+              <a:rPr lang="en-US" sz="2358" spc="-1" dirty="0">
                 <a:solidFill>
                   <a:schemeClr val="bg1"/>
                 </a:solidFill>
@@ -4939,7 +5140,7 @@
               <a:t>- Edit </a:t>
             </a:r>
             <a:r>
-              <a:rPr lang="en-US" sz="2400" spc="-1" dirty="0">
+              <a:rPr lang="en-US" sz="2358" spc="-1" dirty="0">
                 <a:solidFill>
                   <a:schemeClr val="bg1"/>
                 </a:solidFill>
@@ -4947,7 +5148,7 @@
               <a:t>button(appear </a:t>
             </a:r>
             <a:r>
-              <a:rPr lang="en-US" sz="2400" spc="-1" dirty="0" smtClean="0">
+              <a:rPr lang="en-US" sz="2358" spc="-1" dirty="0">
                 <a:solidFill>
                   <a:schemeClr val="bg1"/>
                 </a:solidFill>
@@ -4955,7 +5156,7 @@
               <a:t>on same </a:t>
             </a:r>
             <a:r>
-              <a:rPr lang="en-US" sz="2400" spc="-1" dirty="0">
+              <a:rPr lang="en-US" sz="2358" spc="-1" dirty="0">
                 <a:solidFill>
                   <a:schemeClr val="bg1"/>
                 </a:solidFill>
@@ -4963,7 +5164,7 @@
               <a:t>line with bag </a:t>
             </a:r>
             <a:r>
-              <a:rPr lang="en-US" sz="2400" spc="-1" dirty="0" smtClean="0">
+              <a:rPr lang="en-US" sz="2358" spc="-1" dirty="0">
                 <a:solidFill>
                   <a:schemeClr val="bg1"/>
                 </a:solidFill>
@@ -4971,7 +5172,7 @@
               <a:t>name </a:t>
             </a:r>
             <a:r>
-              <a:rPr lang="en-US" sz="2400" spc="-1" dirty="0">
+              <a:rPr lang="en-US" sz="2358" spc="-1" dirty="0">
                 <a:solidFill>
                   <a:schemeClr val="bg1"/>
                 </a:solidFill>
@@ -4979,7 +5180,7 @@
               <a:t>on far right</a:t>
             </a:r>
             <a:r>
-              <a:rPr lang="en-US" sz="2400" spc="-1" dirty="0" smtClean="0">
+              <a:rPr lang="en-US" sz="2358" spc="-1" dirty="0">
                 <a:solidFill>
                   <a:schemeClr val="bg1"/>
                 </a:solidFill>
@@ -4988,7 +5189,7 @@
             </a:r>
           </a:p>
           <a:p>
-            <a:endParaRPr lang="en-US" sz="2400" spc="-1" dirty="0">
+            <a:endParaRPr lang="en-US" sz="2358" spc="-1" dirty="0">
               <a:solidFill>
                 <a:schemeClr val="bg1"/>
               </a:solidFill>
@@ -4996,21 +5197,21 @@
           </a:p>
           <a:p>
             <a:r>
-              <a:rPr lang="en-US" sz="2400" spc="-1" dirty="0" smtClean="0">
+              <a:rPr lang="en-US" sz="2358" spc="-1" dirty="0">
                 <a:solidFill>
                   <a:schemeClr val="bg1"/>
                 </a:solidFill>
               </a:rPr>
               <a:t>- Add button on header and bottom</a:t>
             </a:r>
-            <a:endParaRPr lang="en-US" sz="2400" spc="-1" dirty="0">
+            <a:endParaRPr lang="en-US" sz="2358" spc="-1" dirty="0">
               <a:solidFill>
                 <a:schemeClr val="bg1"/>
               </a:solidFill>
             </a:endParaRPr>
           </a:p>
           <a:p>
-            <a:endParaRPr lang="en-US" sz="2400" spc="-1" dirty="0" smtClean="0">
+            <a:endParaRPr lang="en-US" sz="2358" spc="-1" dirty="0">
               <a:solidFill>
                 <a:schemeClr val="bg1"/>
               </a:solidFill>
@@ -5018,7 +5219,7 @@
           </a:p>
           <a:p>
             <a:r>
-              <a:rPr lang="en-US" sz="2400" spc="-1" dirty="0">
+              <a:rPr lang="en-US" sz="2358" spc="-1" dirty="0">
                 <a:solidFill>
                   <a:schemeClr val="bg1"/>
                 </a:solidFill>
@@ -5026,7 +5227,7 @@
               <a:t>-</a:t>
             </a:r>
             <a:r>
-              <a:rPr lang="en-US" sz="2400" spc="-1" dirty="0" smtClean="0">
+              <a:rPr lang="en-US" sz="2358" spc="-1" dirty="0">
                 <a:solidFill>
                   <a:schemeClr val="bg1"/>
                 </a:solidFill>
@@ -5034,7 +5235,7 @@
               <a:t>Totals </a:t>
             </a:r>
             <a:r>
-              <a:rPr lang="en-US" sz="2400" spc="-1" dirty="0">
+              <a:rPr lang="en-US" sz="2358" spc="-1" dirty="0">
                 <a:solidFill>
                   <a:schemeClr val="bg1"/>
                 </a:solidFill>
@@ -5043,7 +5244,7 @@
             </a:r>
           </a:p>
           <a:p>
-            <a:endParaRPr lang="en-US" dirty="0"/>
+            <a:endParaRPr lang="en-US" sz="1769" dirty="0"/>
           </a:p>
         </p:txBody>
       </p:sp>
@@ -5055,8 +5256,8 @@
         </p:nvSpPr>
         <p:spPr>
           <a:xfrm>
-            <a:off x="368703" y="228600"/>
-            <a:ext cx="3945865" cy="685800"/>
+            <a:off x="362317" y="867480"/>
+            <a:ext cx="3877511" cy="673920"/>
           </a:xfrm>
           <a:prstGeom prst="rect">
             <a:avLst/>
@@ -5099,8 +5300,8 @@
         </p:nvGrpSpPr>
         <p:grpSpPr>
           <a:xfrm>
-            <a:off x="483682" y="1571775"/>
-            <a:ext cx="3726913" cy="802412"/>
+            <a:off x="475304" y="2187387"/>
+            <a:ext cx="3662352" cy="788512"/>
             <a:chOff x="474839" y="1183142"/>
             <a:chExt cx="3726913" cy="802412"/>
           </a:xfrm>
@@ -5149,7 +5350,7 @@
             <a:lstStyle/>
             <a:p>
               <a:pPr algn="ctr"/>
-              <a:endParaRPr lang="en-US" dirty="0"/>
+              <a:endParaRPr lang="en-US" sz="1769" dirty="0"/>
             </a:p>
           </p:txBody>
         </p:sp>
@@ -5190,7 +5391,7 @@
               <a:lstStyle/>
               <a:p>
                 <a:r>
-                  <a:rPr lang="en-US" sz="2000" dirty="0" smtClean="0">
+                  <a:rPr lang="en-US" sz="1965" dirty="0">
                     <a:solidFill>
                       <a:schemeClr val="tx1">
                         <a:lumMod val="85000"/>
@@ -5201,7 +5402,7 @@
                   <a:t>Tomatoes</a:t>
                 </a:r>
                 <a:r>
-                  <a:rPr lang="en-US" sz="2000" dirty="0" smtClean="0">
+                  <a:rPr lang="en-US" sz="1965" dirty="0">
                     <a:solidFill>
                       <a:schemeClr val="tx1">
                         <a:lumMod val="65000"/>
@@ -5211,7 +5412,7 @@
                   </a:rPr>
                   <a:t> </a:t>
                 </a:r>
-                <a:endParaRPr lang="en-US" sz="2000" dirty="0">
+                <a:endParaRPr lang="en-US" sz="1965" dirty="0">
                   <a:solidFill>
                     <a:schemeClr val="tx1">
                       <a:lumMod val="65000"/>
@@ -5245,7 +5446,7 @@
               <a:lstStyle/>
               <a:p>
                 <a:r>
-                  <a:rPr lang="en-US" sz="1400" dirty="0" smtClean="0">
+                  <a:rPr lang="en-US" sz="1376" dirty="0">
                     <a:solidFill>
                       <a:schemeClr val="tx1">
                         <a:lumMod val="65000"/>
@@ -5255,7 +5456,7 @@
                   </a:rPr>
                   <a:t>₵20     ₵20     2     ₵20</a:t>
                 </a:r>
-                <a:endParaRPr lang="en-US" sz="1400" dirty="0">
+                <a:endParaRPr lang="en-US" sz="1376" dirty="0">
                   <a:solidFill>
                     <a:schemeClr val="tx1">
                       <a:lumMod val="65000"/>
@@ -5325,7 +5526,7 @@
               <a:lstStyle/>
               <a:p>
                 <a:pPr algn="ctr"/>
-                <a:endParaRPr lang="en-US"/>
+                <a:endParaRPr lang="en-US" sz="1769"/>
               </a:p>
             </p:txBody>
           </p:sp>
@@ -5369,8 +5570,8 @@
         </p:nvSpPr>
         <p:spPr>
           <a:xfrm>
-            <a:off x="446705" y="1021367"/>
-            <a:ext cx="904415" cy="461665"/>
+            <a:off x="438968" y="1646514"/>
+            <a:ext cx="888748" cy="453668"/>
           </a:xfrm>
           <a:prstGeom prst="rect">
             <a:avLst/>
@@ -5384,10 +5585,10 @@
           <a:lstStyle/>
           <a:p>
             <a:r>
-              <a:rPr lang="en-US" sz="2400" dirty="0"/>
+              <a:rPr lang="en-US" sz="2358" dirty="0"/>
               <a:t>Jollof</a:t>
             </a:r>
-            <a:endParaRPr lang="en-US" sz="1600" dirty="0">
+            <a:endParaRPr lang="en-US" sz="1572" dirty="0">
               <a:latin typeface="Roboto" panose="02000000000000000000" pitchFamily="2" charset="0"/>
               <a:ea typeface="Roboto" panose="02000000000000000000" pitchFamily="2" charset="0"/>
             </a:endParaRPr>
@@ -5406,8 +5607,8 @@
         </p:blipFill>
         <p:spPr>
           <a:xfrm>
-            <a:off x="474839" y="319680"/>
-            <a:ext cx="1440213" cy="499186"/>
+            <a:off x="466615" y="956982"/>
+            <a:ext cx="1415264" cy="490539"/>
           </a:xfrm>
           <a:prstGeom prst="rect">
             <a:avLst/>
@@ -5429,8 +5630,8 @@
         </p:blipFill>
         <p:spPr>
           <a:xfrm>
-            <a:off x="3782847" y="409764"/>
-            <a:ext cx="261647" cy="309492"/>
+            <a:off x="3717318" y="1045506"/>
+            <a:ext cx="257115" cy="304131"/>
           </a:xfrm>
           <a:prstGeom prst="rect">
             <a:avLst/>
@@ -5452,8 +5653,8 @@
         </p:blipFill>
         <p:spPr>
           <a:xfrm>
-            <a:off x="3142317" y="384341"/>
-            <a:ext cx="367348" cy="375002"/>
+            <a:off x="3087884" y="1020523"/>
+            <a:ext cx="360984" cy="368506"/>
           </a:xfrm>
           <a:prstGeom prst="rect">
             <a:avLst/>
@@ -5471,8 +5672,8 @@
         </p:nvGrpSpPr>
         <p:grpSpPr>
           <a:xfrm>
-            <a:off x="475707" y="2581516"/>
-            <a:ext cx="3724256" cy="802412"/>
+            <a:off x="467467" y="3179637"/>
+            <a:ext cx="3659741" cy="788512"/>
             <a:chOff x="474839" y="1183142"/>
             <a:chExt cx="3726913" cy="802412"/>
           </a:xfrm>
@@ -5521,7 +5722,7 @@
             <a:lstStyle/>
             <a:p>
               <a:pPr algn="ctr"/>
-              <a:endParaRPr lang="en-US" dirty="0"/>
+              <a:endParaRPr lang="en-US" sz="1769" dirty="0"/>
             </a:p>
           </p:txBody>
         </p:sp>
@@ -5562,7 +5763,7 @@
               <a:lstStyle/>
               <a:p>
                 <a:r>
-                  <a:rPr lang="en-US" sz="2000" dirty="0" smtClean="0">
+                  <a:rPr lang="en-US" sz="1965" dirty="0">
                     <a:solidFill>
                       <a:schemeClr val="tx1">
                         <a:lumMod val="85000"/>
@@ -5573,7 +5774,7 @@
                   <a:t>Rice 5kg</a:t>
                 </a:r>
                 <a:r>
-                  <a:rPr lang="en-US" sz="2000" dirty="0" smtClean="0">
+                  <a:rPr lang="en-US" sz="1965" dirty="0">
                     <a:solidFill>
                       <a:schemeClr val="tx1">
                         <a:lumMod val="65000"/>
@@ -5583,7 +5784,7 @@
                   </a:rPr>
                   <a:t> </a:t>
                 </a:r>
-                <a:endParaRPr lang="en-US" sz="2000" dirty="0">
+                <a:endParaRPr lang="en-US" sz="1965" dirty="0">
                   <a:solidFill>
                     <a:schemeClr val="tx1">
                       <a:lumMod val="65000"/>
@@ -5617,7 +5818,7 @@
               <a:lstStyle/>
               <a:p>
                 <a:r>
-                  <a:rPr lang="en-US" sz="1400" dirty="0" smtClean="0">
+                  <a:rPr lang="en-US" sz="1376" dirty="0">
                     <a:solidFill>
                       <a:schemeClr val="tx1">
                         <a:lumMod val="65000"/>
@@ -5628,7 +5829,7 @@
                   <a:t>₵20     ₵0     </a:t>
                 </a:r>
                 <a:r>
-                  <a:rPr lang="en-US" sz="1400" dirty="0">
+                  <a:rPr lang="en-US" sz="1376" dirty="0">
                     <a:solidFill>
                       <a:schemeClr val="tx1">
                         <a:lumMod val="65000"/>
@@ -5639,7 +5840,7 @@
                   <a:t>0</a:t>
                 </a:r>
                 <a:r>
-                  <a:rPr lang="en-US" sz="1400" dirty="0" smtClean="0">
+                  <a:rPr lang="en-US" sz="1376" dirty="0">
                     <a:solidFill>
                       <a:schemeClr val="tx1">
                         <a:lumMod val="65000"/>
@@ -5649,7 +5850,7 @@
                   </a:rPr>
                   <a:t>     ₵0</a:t>
                 </a:r>
-                <a:endParaRPr lang="en-US" sz="1400" dirty="0">
+                <a:endParaRPr lang="en-US" sz="1376" dirty="0">
                   <a:solidFill>
                     <a:schemeClr val="tx1">
                       <a:lumMod val="65000"/>
@@ -5719,7 +5920,7 @@
               <a:lstStyle/>
               <a:p>
                 <a:pPr algn="ctr"/>
-                <a:endParaRPr lang="en-US"/>
+                <a:endParaRPr lang="en-US" sz="1769"/>
               </a:p>
             </p:txBody>
           </p:sp>
@@ -5763,8 +5964,8 @@
         </p:nvGrpSpPr>
         <p:grpSpPr>
           <a:xfrm>
-            <a:off x="473049" y="3634651"/>
-            <a:ext cx="3726913" cy="802412"/>
+            <a:off x="464856" y="4214529"/>
+            <a:ext cx="3662352" cy="788512"/>
             <a:chOff x="474839" y="1183142"/>
             <a:chExt cx="3726913" cy="802412"/>
           </a:xfrm>
@@ -5813,7 +6014,7 @@
             <a:lstStyle/>
             <a:p>
               <a:pPr algn="ctr"/>
-              <a:endParaRPr lang="en-US" dirty="0"/>
+              <a:endParaRPr lang="en-US" sz="1769" dirty="0"/>
             </a:p>
           </p:txBody>
         </p:sp>
@@ -5854,7 +6055,7 @@
               <a:lstStyle/>
               <a:p>
                 <a:r>
-                  <a:rPr lang="en-US" sz="2000" strike="sngStrike" dirty="0" smtClean="0">
+                  <a:rPr lang="en-US" sz="1965" strike="sngStrike" dirty="0">
                     <a:solidFill>
                       <a:schemeClr val="tx1">
                         <a:lumMod val="85000"/>
@@ -5864,7 +6065,7 @@
                   </a:rPr>
                   <a:t>Tomato paste</a:t>
                 </a:r>
-                <a:endParaRPr lang="en-US" sz="2000" strike="sngStrike" dirty="0">
+                <a:endParaRPr lang="en-US" sz="1965" strike="sngStrike" dirty="0">
                   <a:solidFill>
                     <a:schemeClr val="tx1">
                       <a:lumMod val="65000"/>
@@ -5898,7 +6099,7 @@
               <a:lstStyle/>
               <a:p>
                 <a:r>
-                  <a:rPr lang="en-US" sz="1400" strike="sngStrike" dirty="0">
+                  <a:rPr lang="en-US" sz="1376" strike="sngStrike" dirty="0">
                     <a:solidFill>
                       <a:schemeClr val="tx1">
                         <a:lumMod val="65000"/>
@@ -5909,7 +6110,7 @@
                   <a:t>₵</a:t>
                 </a:r>
                 <a:r>
-                  <a:rPr lang="en-US" sz="1400" strike="sngStrike" dirty="0" smtClean="0">
+                  <a:rPr lang="en-US" sz="1376" strike="sngStrike" dirty="0">
                     <a:solidFill>
                       <a:schemeClr val="tx1">
                         <a:lumMod val="65000"/>
@@ -5920,7 +6121,7 @@
                   <a:t>10     </a:t>
                 </a:r>
                 <a:r>
-                  <a:rPr lang="en-US" sz="1400" strike="sngStrike" dirty="0">
+                  <a:rPr lang="en-US" sz="1376" strike="sngStrike" dirty="0">
                     <a:solidFill>
                       <a:schemeClr val="tx1">
                         <a:lumMod val="65000"/>
@@ -5931,7 +6132,7 @@
                   <a:t>₵</a:t>
                 </a:r>
                 <a:r>
-                  <a:rPr lang="en-US" sz="1400" strike="sngStrike" dirty="0" smtClean="0">
+                  <a:rPr lang="en-US" sz="1376" strike="sngStrike" dirty="0">
                     <a:solidFill>
                       <a:schemeClr val="tx1">
                         <a:lumMod val="65000"/>
@@ -5941,7 +6142,7 @@
                   </a:rPr>
                   <a:t>15.20     2     ₵40</a:t>
                 </a:r>
-                <a:endParaRPr lang="en-US" sz="1400" strike="sngStrike" dirty="0">
+                <a:endParaRPr lang="en-US" sz="1376" strike="sngStrike" dirty="0">
                   <a:solidFill>
                     <a:schemeClr val="tx1">
                       <a:lumMod val="65000"/>
@@ -6011,7 +6212,7 @@
               <a:lstStyle/>
               <a:p>
                 <a:pPr algn="ctr"/>
-                <a:endParaRPr lang="en-US"/>
+                <a:endParaRPr lang="en-US" sz="1769"/>
               </a:p>
             </p:txBody>
           </p:sp>
@@ -6055,8 +6256,8 @@
         </p:nvSpPr>
         <p:spPr>
           <a:xfrm>
-            <a:off x="680920" y="1880802"/>
-            <a:ext cx="228599" cy="218643"/>
+            <a:off x="669126" y="2491062"/>
+            <a:ext cx="224639" cy="214855"/>
           </a:xfrm>
           <a:prstGeom prst="roundRect">
             <a:avLst/>
@@ -6093,7 +6294,7 @@
           <a:lstStyle/>
           <a:p>
             <a:pPr algn="ctr"/>
-            <a:endParaRPr lang="en-US"/>
+            <a:endParaRPr lang="en-US" sz="1769"/>
           </a:p>
         </p:txBody>
       </p:sp>
@@ -6105,8 +6306,8 @@
         </p:nvSpPr>
         <p:spPr>
           <a:xfrm>
-            <a:off x="680920" y="3954154"/>
-            <a:ext cx="228599" cy="218643"/>
+            <a:off x="669126" y="4528498"/>
+            <a:ext cx="224639" cy="214855"/>
           </a:xfrm>
           <a:prstGeom prst="roundRect">
             <a:avLst/>
@@ -6144,7 +6345,7 @@
           <a:lstStyle/>
           <a:p>
             <a:pPr algn="ctr"/>
-            <a:endParaRPr lang="en-US"/>
+            <a:endParaRPr lang="en-US" sz="1769"/>
           </a:p>
         </p:txBody>
       </p:sp>
@@ -6156,8 +6357,8 @@
         </p:nvSpPr>
         <p:spPr>
           <a:xfrm>
-            <a:off x="684459" y="2905075"/>
-            <a:ext cx="228599" cy="218643"/>
+            <a:off x="672603" y="3497592"/>
+            <a:ext cx="224639" cy="214855"/>
           </a:xfrm>
           <a:prstGeom prst="roundRect">
             <a:avLst/>
@@ -6194,7 +6395,7 @@
           <a:lstStyle/>
           <a:p>
             <a:pPr algn="ctr"/>
-            <a:endParaRPr lang="en-US"/>
+            <a:endParaRPr lang="en-US" sz="1769"/>
           </a:p>
         </p:txBody>
       </p:sp>
@@ -6206,8 +6407,8 @@
         </p:nvSpPr>
         <p:spPr>
           <a:xfrm>
-            <a:off x="483682" y="4644540"/>
-            <a:ext cx="3716280" cy="1137684"/>
+            <a:off x="475304" y="5206923"/>
+            <a:ext cx="3651903" cy="1117976"/>
           </a:xfrm>
           <a:prstGeom prst="roundRect">
             <a:avLst>
@@ -6244,7 +6445,7 @@
           <a:lstStyle/>
           <a:p>
             <a:r>
-              <a:rPr lang="en-US" sz="1600" dirty="0" smtClean="0">
+              <a:rPr lang="en-US" sz="1572" dirty="0">
                 <a:solidFill>
                   <a:srgbClr val="262626"/>
                 </a:solidFill>
@@ -6254,7 +6455,7 @@
           </a:p>
           <a:p>
             <a:r>
-              <a:rPr lang="en-US" sz="1400" dirty="0" smtClean="0">
+              <a:rPr lang="en-US" sz="1376" dirty="0">
                 <a:solidFill>
                   <a:schemeClr val="tx1">
                     <a:lumMod val="65000"/>
@@ -6264,7 +6465,7 @@
               </a:rPr>
               <a:t>One olonka of tomatoes is 1 quantity. </a:t>
             </a:r>
-            <a:endParaRPr lang="en-US" sz="1400" dirty="0">
+            <a:endParaRPr lang="en-US" sz="1376" dirty="0">
               <a:solidFill>
                 <a:schemeClr val="tx1">
                   <a:lumMod val="65000"/>
@@ -6297,8 +6498,8 @@
         </p:blipFill>
         <p:spPr>
           <a:xfrm>
-            <a:off x="3767339" y="1128320"/>
-            <a:ext cx="237436" cy="337587"/>
+            <a:off x="3702078" y="1751615"/>
+            <a:ext cx="233323" cy="331739"/>
           </a:xfrm>
           <a:prstGeom prst="rect">
             <a:avLst/>
@@ -6314,7 +6515,7 @@
     <mc:Choice Requires="p14">
       <p:transition spd="slow" p14:dur="2000"/>
     </mc:Choice>
-    <mc:Fallback xmlns:p15="http://schemas.microsoft.com/office/powerpoint/2012/main" xmlns="">
+    <mc:Fallback xmlns="" xmlns:p15="http://schemas.microsoft.com/office/powerpoint/2012/main">
       <p:transition spd="slow"/>
     </mc:Fallback>
   </mc:AlternateContent>
@@ -6346,8 +6547,8 @@
         </p:nvSpPr>
         <p:spPr>
           <a:xfrm>
-            <a:off x="368703" y="250723"/>
-            <a:ext cx="3940920" cy="7013520"/>
+            <a:off x="362317" y="889220"/>
+            <a:ext cx="3872652" cy="6892026"/>
           </a:xfrm>
           <a:prstGeom prst="rect">
             <a:avLst/>
@@ -6382,8 +6583,8 @@
         </p:nvSpPr>
         <p:spPr>
           <a:xfrm>
-            <a:off x="4131224" y="-562495"/>
-            <a:ext cx="2007856" cy="314609"/>
+            <a:off x="4059660" y="-552751"/>
+            <a:ext cx="1973074" cy="309159"/>
           </a:xfrm>
           <a:prstGeom prst="rect">
             <a:avLst/>
@@ -6412,7 +6613,7 @@
           </a:lstStyle>
           <a:p>
             <a:pPr algn="ctr"/>
-            <a:endParaRPr lang="en-US" sz="2400" spc="-1" dirty="0"/>
+            <a:endParaRPr lang="en-US" sz="2358" spc="-1" dirty="0"/>
           </a:p>
         </p:txBody>
       </p:sp>
@@ -6428,8 +6629,8 @@
         </p:nvSpPr>
         <p:spPr>
           <a:xfrm>
-            <a:off x="3711500" y="-1100478"/>
-            <a:ext cx="2618458" cy="946440"/>
+            <a:off x="3647207" y="-1081415"/>
+            <a:ext cx="2573099" cy="930045"/>
           </a:xfrm>
         </p:spPr>
         <p:txBody>
@@ -6441,7 +6642,7 @@
               <a:t>Bag </a:t>
             </a:r>
             <a:r>
-              <a:rPr lang="en-US" spc="-1" dirty="0" smtClean="0"/>
+              <a:rPr lang="en-US" spc="-1" dirty="0"/>
               <a:t>page</a:t>
             </a:r>
             <a:endParaRPr lang="en-US" dirty="0"/>
@@ -6456,8 +6657,8 @@
         </p:nvSpPr>
         <p:spPr>
           <a:xfrm>
-            <a:off x="5867791" y="940854"/>
-            <a:ext cx="2382695" cy="4801314"/>
+            <a:off x="5766145" y="1567396"/>
+            <a:ext cx="2341420" cy="4718142"/>
           </a:xfrm>
           <a:prstGeom prst="rect">
             <a:avLst/>
@@ -6471,11 +6672,11 @@
           <a:lstStyle/>
           <a:p>
             <a:r>
-              <a:rPr lang="en-US" sz="2400" spc="-1" dirty="0" smtClean="0"/>
+              <a:rPr lang="en-US" sz="2358" spc="-1" dirty="0"/>
               <a:t> </a:t>
             </a:r>
             <a:r>
-              <a:rPr lang="en-US" sz="2400" spc="-1" dirty="0">
+              <a:rPr lang="en-US" sz="2358" spc="-1" dirty="0">
                 <a:solidFill>
                   <a:schemeClr val="bg1"/>
                 </a:solidFill>
@@ -6483,14 +6684,14 @@
               <a:t>bag </a:t>
             </a:r>
             <a:r>
-              <a:rPr lang="en-US" sz="2400" spc="-1" dirty="0" smtClean="0">
+              <a:rPr lang="en-US" sz="2358" spc="-1" dirty="0">
                 <a:solidFill>
                   <a:schemeClr val="bg1"/>
                 </a:solidFill>
               </a:rPr>
               <a:t>page</a:t>
             </a:r>
-            <a:endParaRPr lang="en-US" sz="2400" spc="-1" dirty="0">
+            <a:endParaRPr lang="en-US" sz="2358" spc="-1" dirty="0">
               <a:solidFill>
                 <a:schemeClr val="bg1"/>
               </a:solidFill>
@@ -6498,7 +6699,7 @@
           </a:p>
           <a:p>
             <a:r>
-              <a:rPr lang="en-US" sz="2400" spc="-1" dirty="0" smtClean="0">
+              <a:rPr lang="en-US" sz="2358" spc="-1" dirty="0">
                 <a:solidFill>
                   <a:schemeClr val="bg1"/>
                 </a:solidFill>
@@ -6506,7 +6707,7 @@
               <a:t>- Edit </a:t>
             </a:r>
             <a:r>
-              <a:rPr lang="en-US" sz="2400" spc="-1" dirty="0">
+              <a:rPr lang="en-US" sz="2358" spc="-1" dirty="0">
                 <a:solidFill>
                   <a:schemeClr val="bg1"/>
                 </a:solidFill>
@@ -6514,7 +6715,7 @@
               <a:t>button(appear </a:t>
             </a:r>
             <a:r>
-              <a:rPr lang="en-US" sz="2400" spc="-1" dirty="0" smtClean="0">
+              <a:rPr lang="en-US" sz="2358" spc="-1" dirty="0">
                 <a:solidFill>
                   <a:schemeClr val="bg1"/>
                 </a:solidFill>
@@ -6522,7 +6723,7 @@
               <a:t>on same </a:t>
             </a:r>
             <a:r>
-              <a:rPr lang="en-US" sz="2400" spc="-1" dirty="0">
+              <a:rPr lang="en-US" sz="2358" spc="-1" dirty="0">
                 <a:solidFill>
                   <a:schemeClr val="bg1"/>
                 </a:solidFill>
@@ -6530,7 +6731,7 @@
               <a:t>line with bag </a:t>
             </a:r>
             <a:r>
-              <a:rPr lang="en-US" sz="2400" spc="-1" dirty="0" smtClean="0">
+              <a:rPr lang="en-US" sz="2358" spc="-1" dirty="0">
                 <a:solidFill>
                   <a:schemeClr val="bg1"/>
                 </a:solidFill>
@@ -6538,7 +6739,7 @@
               <a:t>name </a:t>
             </a:r>
             <a:r>
-              <a:rPr lang="en-US" sz="2400" spc="-1" dirty="0">
+              <a:rPr lang="en-US" sz="2358" spc="-1" dirty="0">
                 <a:solidFill>
                   <a:schemeClr val="bg1"/>
                 </a:solidFill>
@@ -6546,7 +6747,7 @@
               <a:t>on far right</a:t>
             </a:r>
             <a:r>
-              <a:rPr lang="en-US" sz="2400" spc="-1" dirty="0" smtClean="0">
+              <a:rPr lang="en-US" sz="2358" spc="-1" dirty="0">
                 <a:solidFill>
                   <a:schemeClr val="bg1"/>
                 </a:solidFill>
@@ -6555,7 +6756,7 @@
             </a:r>
           </a:p>
           <a:p>
-            <a:endParaRPr lang="en-US" sz="2400" spc="-1" dirty="0">
+            <a:endParaRPr lang="en-US" sz="2358" spc="-1" dirty="0">
               <a:solidFill>
                 <a:schemeClr val="bg1"/>
               </a:solidFill>
@@ -6563,21 +6764,21 @@
           </a:p>
           <a:p>
             <a:r>
-              <a:rPr lang="en-US" sz="2400" spc="-1" dirty="0" smtClean="0">
+              <a:rPr lang="en-US" sz="2358" spc="-1" dirty="0">
                 <a:solidFill>
                   <a:schemeClr val="bg1"/>
                 </a:solidFill>
               </a:rPr>
               <a:t>- Add button on header and bottom</a:t>
             </a:r>
-            <a:endParaRPr lang="en-US" sz="2400" spc="-1" dirty="0">
+            <a:endParaRPr lang="en-US" sz="2358" spc="-1" dirty="0">
               <a:solidFill>
                 <a:schemeClr val="bg1"/>
               </a:solidFill>
             </a:endParaRPr>
           </a:p>
           <a:p>
-            <a:endParaRPr lang="en-US" sz="2400" spc="-1" dirty="0" smtClean="0">
+            <a:endParaRPr lang="en-US" sz="2358" spc="-1" dirty="0">
               <a:solidFill>
                 <a:schemeClr val="bg1"/>
               </a:solidFill>
@@ -6585,7 +6786,7 @@
           </a:p>
           <a:p>
             <a:r>
-              <a:rPr lang="en-US" sz="2400" spc="-1" dirty="0">
+              <a:rPr lang="en-US" sz="2358" spc="-1" dirty="0">
                 <a:solidFill>
                   <a:schemeClr val="bg1"/>
                 </a:solidFill>
@@ -6593,7 +6794,7 @@
               <a:t>-</a:t>
             </a:r>
             <a:r>
-              <a:rPr lang="en-US" sz="2400" spc="-1" dirty="0" smtClean="0">
+              <a:rPr lang="en-US" sz="2358" spc="-1" dirty="0">
                 <a:solidFill>
                   <a:schemeClr val="bg1"/>
                 </a:solidFill>
@@ -6601,7 +6802,7 @@
               <a:t>Totals </a:t>
             </a:r>
             <a:r>
-              <a:rPr lang="en-US" sz="2400" spc="-1" dirty="0">
+              <a:rPr lang="en-US" sz="2358" spc="-1" dirty="0">
                 <a:solidFill>
                   <a:schemeClr val="bg1"/>
                 </a:solidFill>
@@ -6610,7 +6811,7 @@
             </a:r>
           </a:p>
           <a:p>
-            <a:endParaRPr lang="en-US" dirty="0"/>
+            <a:endParaRPr lang="en-US" sz="1769" dirty="0"/>
           </a:p>
         </p:txBody>
       </p:sp>
@@ -6622,8 +6823,8 @@
         </p:nvSpPr>
         <p:spPr>
           <a:xfrm>
-            <a:off x="368703" y="228600"/>
-            <a:ext cx="3945865" cy="685800"/>
+            <a:off x="362317" y="867480"/>
+            <a:ext cx="3877511" cy="673920"/>
           </a:xfrm>
           <a:prstGeom prst="rect">
             <a:avLst/>
@@ -6664,8 +6865,8 @@
         </p:nvGrpSpPr>
         <p:grpSpPr>
           <a:xfrm>
-            <a:off x="1095352" y="1616019"/>
-            <a:ext cx="2918451" cy="677110"/>
+            <a:off x="1076378" y="2230865"/>
+            <a:ext cx="2867895" cy="665381"/>
             <a:chOff x="1086509" y="1227386"/>
             <a:chExt cx="2918451" cy="677110"/>
           </a:xfrm>
@@ -6707,7 +6908,7 @@
               <a:lstStyle/>
               <a:p>
                 <a:r>
-                  <a:rPr lang="en-US" sz="2000" dirty="0" smtClean="0">
+                  <a:rPr lang="en-US" sz="1965" dirty="0">
                     <a:solidFill>
                       <a:schemeClr val="tx1">
                         <a:lumMod val="85000"/>
@@ -6718,7 +6919,7 @@
                   <a:t>Tomatoes</a:t>
                 </a:r>
                 <a:r>
-                  <a:rPr lang="en-US" sz="2000" dirty="0" smtClean="0">
+                  <a:rPr lang="en-US" sz="1965" dirty="0">
                     <a:solidFill>
                       <a:schemeClr val="tx1">
                         <a:lumMod val="65000"/>
@@ -6728,7 +6929,7 @@
                   </a:rPr>
                   <a:t> </a:t>
                 </a:r>
-                <a:endParaRPr lang="en-US" sz="2000" dirty="0">
+                <a:endParaRPr lang="en-US" sz="1965" dirty="0">
                   <a:solidFill>
                     <a:schemeClr val="tx1">
                       <a:lumMod val="65000"/>
@@ -6762,7 +6963,7 @@
               <a:lstStyle/>
               <a:p>
                 <a:r>
-                  <a:rPr lang="en-US" sz="1400" dirty="0" smtClean="0">
+                  <a:rPr lang="en-US" sz="1376" dirty="0">
                     <a:solidFill>
                       <a:schemeClr val="tx1">
                         <a:lumMod val="65000"/>
@@ -6772,7 +6973,7 @@
                   </a:rPr>
                   <a:t>₵20     ₵20     2     ₵20</a:t>
                 </a:r>
-                <a:endParaRPr lang="en-US" sz="1400" dirty="0">
+                <a:endParaRPr lang="en-US" sz="1376" dirty="0">
                   <a:solidFill>
                     <a:schemeClr val="tx1">
                       <a:lumMod val="65000"/>
@@ -6842,7 +7043,7 @@
               <a:lstStyle/>
               <a:p>
                 <a:pPr algn="ctr"/>
-                <a:endParaRPr lang="en-US"/>
+                <a:endParaRPr lang="en-US" sz="1769"/>
               </a:p>
             </p:txBody>
           </p:sp>
@@ -6886,8 +7087,8 @@
         </p:nvSpPr>
         <p:spPr>
           <a:xfrm>
-            <a:off x="446705" y="1021367"/>
-            <a:ext cx="904415" cy="461665"/>
+            <a:off x="438968" y="1646514"/>
+            <a:ext cx="888748" cy="453668"/>
           </a:xfrm>
           <a:prstGeom prst="rect">
             <a:avLst/>
@@ -6901,10 +7102,10 @@
           <a:lstStyle/>
           <a:p>
             <a:r>
-              <a:rPr lang="en-US" sz="2400" dirty="0"/>
+              <a:rPr lang="en-US" sz="2358" dirty="0"/>
               <a:t>Jollof</a:t>
             </a:r>
-            <a:endParaRPr lang="en-US" sz="1600" dirty="0">
+            <a:endParaRPr lang="en-US" sz="1572" dirty="0">
               <a:latin typeface="Roboto" panose="02000000000000000000" pitchFamily="2" charset="0"/>
               <a:ea typeface="Roboto" panose="02000000000000000000" pitchFamily="2" charset="0"/>
             </a:endParaRPr>
@@ -6923,8 +7124,8 @@
         </p:blipFill>
         <p:spPr>
           <a:xfrm>
-            <a:off x="474839" y="319680"/>
-            <a:ext cx="1440213" cy="499186"/>
+            <a:off x="466615" y="956982"/>
+            <a:ext cx="1415264" cy="490539"/>
           </a:xfrm>
           <a:prstGeom prst="rect">
             <a:avLst/>
@@ -6946,8 +7147,8 @@
         </p:blipFill>
         <p:spPr>
           <a:xfrm>
-            <a:off x="3782847" y="409764"/>
-            <a:ext cx="261647" cy="309492"/>
+            <a:off x="3717318" y="1045506"/>
+            <a:ext cx="257115" cy="304131"/>
           </a:xfrm>
           <a:prstGeom prst="rect">
             <a:avLst/>
@@ -6969,8 +7170,8 @@
         </p:blipFill>
         <p:spPr>
           <a:xfrm>
-            <a:off x="3142317" y="384341"/>
-            <a:ext cx="367348" cy="375002"/>
+            <a:off x="3087884" y="1020523"/>
+            <a:ext cx="360984" cy="368506"/>
           </a:xfrm>
           <a:prstGeom prst="rect">
             <a:avLst/>
@@ -6988,8 +7189,8 @@
         </p:nvGrpSpPr>
         <p:grpSpPr>
           <a:xfrm>
-            <a:off x="1086941" y="2625760"/>
-            <a:ext cx="2916370" cy="677110"/>
+            <a:off x="1068113" y="3223114"/>
+            <a:ext cx="2865850" cy="665381"/>
             <a:chOff x="1086509" y="1227386"/>
             <a:chExt cx="2918451" cy="677110"/>
           </a:xfrm>
@@ -7031,7 +7232,7 @@
               <a:lstStyle/>
               <a:p>
                 <a:r>
-                  <a:rPr lang="en-US" sz="2000" dirty="0" smtClean="0">
+                  <a:rPr lang="en-US" sz="1965" dirty="0">
                     <a:solidFill>
                       <a:schemeClr val="tx1">
                         <a:lumMod val="85000"/>
@@ -7042,7 +7243,7 @@
                   <a:t>Rice 5kg</a:t>
                 </a:r>
                 <a:r>
-                  <a:rPr lang="en-US" sz="2000" dirty="0" smtClean="0">
+                  <a:rPr lang="en-US" sz="1965" dirty="0">
                     <a:solidFill>
                       <a:schemeClr val="tx1">
                         <a:lumMod val="65000"/>
@@ -7052,7 +7253,7 @@
                   </a:rPr>
                   <a:t> </a:t>
                 </a:r>
-                <a:endParaRPr lang="en-US" sz="2000" dirty="0">
+                <a:endParaRPr lang="en-US" sz="1965" dirty="0">
                   <a:solidFill>
                     <a:schemeClr val="tx1">
                       <a:lumMod val="65000"/>
@@ -7086,7 +7287,7 @@
               <a:lstStyle/>
               <a:p>
                 <a:r>
-                  <a:rPr lang="en-US" sz="1400" dirty="0" smtClean="0">
+                  <a:rPr lang="en-US" sz="1376" dirty="0">
                     <a:solidFill>
                       <a:schemeClr val="tx1">
                         <a:lumMod val="65000"/>
@@ -7097,7 +7298,7 @@
                   <a:t>₵20     ₵0     </a:t>
                 </a:r>
                 <a:r>
-                  <a:rPr lang="en-US" sz="1400" dirty="0">
+                  <a:rPr lang="en-US" sz="1376" dirty="0">
                     <a:solidFill>
                       <a:schemeClr val="tx1">
                         <a:lumMod val="65000"/>
@@ -7108,7 +7309,7 @@
                   <a:t>0</a:t>
                 </a:r>
                 <a:r>
-                  <a:rPr lang="en-US" sz="1400" dirty="0" smtClean="0">
+                  <a:rPr lang="en-US" sz="1376" dirty="0">
                     <a:solidFill>
                       <a:schemeClr val="tx1">
                         <a:lumMod val="65000"/>
@@ -7118,7 +7319,7 @@
                   </a:rPr>
                   <a:t>     ₵0</a:t>
                 </a:r>
-                <a:endParaRPr lang="en-US" sz="1400" dirty="0">
+                <a:endParaRPr lang="en-US" sz="1376" dirty="0">
                   <a:solidFill>
                     <a:schemeClr val="tx1">
                       <a:lumMod val="65000"/>
@@ -7188,7 +7389,7 @@
               <a:lstStyle/>
               <a:p>
                 <a:pPr algn="ctr"/>
-                <a:endParaRPr lang="en-US"/>
+                <a:endParaRPr lang="en-US" sz="1769"/>
               </a:p>
             </p:txBody>
           </p:sp>
@@ -7232,8 +7433,8 @@
         </p:nvGrpSpPr>
         <p:grpSpPr>
           <a:xfrm>
-            <a:off x="1084718" y="3678895"/>
-            <a:ext cx="2918452" cy="677110"/>
+            <a:off x="1065928" y="4258006"/>
+            <a:ext cx="2867896" cy="665381"/>
             <a:chOff x="1086508" y="1227386"/>
             <a:chExt cx="2918452" cy="677110"/>
           </a:xfrm>
@@ -7275,7 +7476,7 @@
               <a:lstStyle/>
               <a:p>
                 <a:r>
-                  <a:rPr lang="en-US" sz="2000" strike="sngStrike" dirty="0" smtClean="0">
+                  <a:rPr lang="en-US" sz="1965" strike="sngStrike" dirty="0">
                     <a:solidFill>
                       <a:schemeClr val="tx1">
                         <a:lumMod val="85000"/>
@@ -7285,7 +7486,7 @@
                   </a:rPr>
                   <a:t>Tomato paste</a:t>
                 </a:r>
-                <a:endParaRPr lang="en-US" sz="2000" strike="sngStrike" dirty="0">
+                <a:endParaRPr lang="en-US" sz="1965" strike="sngStrike" dirty="0">
                   <a:solidFill>
                     <a:schemeClr val="tx1">
                       <a:lumMod val="65000"/>
@@ -7319,7 +7520,7 @@
               <a:lstStyle/>
               <a:p>
                 <a:r>
-                  <a:rPr lang="en-US" sz="1400" strike="sngStrike" dirty="0">
+                  <a:rPr lang="en-US" sz="1376" strike="sngStrike" dirty="0">
                     <a:solidFill>
                       <a:schemeClr val="tx1">
                         <a:lumMod val="65000"/>
@@ -7330,7 +7531,7 @@
                   <a:t>₵</a:t>
                 </a:r>
                 <a:r>
-                  <a:rPr lang="en-US" sz="1400" strike="sngStrike" dirty="0" smtClean="0">
+                  <a:rPr lang="en-US" sz="1376" strike="sngStrike" dirty="0">
                     <a:solidFill>
                       <a:schemeClr val="tx1">
                         <a:lumMod val="65000"/>
@@ -7341,7 +7542,7 @@
                   <a:t>10     </a:t>
                 </a:r>
                 <a:r>
-                  <a:rPr lang="en-US" sz="1400" strike="sngStrike" dirty="0">
+                  <a:rPr lang="en-US" sz="1376" strike="sngStrike" dirty="0">
                     <a:solidFill>
                       <a:schemeClr val="tx1">
                         <a:lumMod val="65000"/>
@@ -7352,7 +7553,7 @@
                   <a:t>₵</a:t>
                 </a:r>
                 <a:r>
-                  <a:rPr lang="en-US" sz="1400" strike="sngStrike" dirty="0" smtClean="0">
+                  <a:rPr lang="en-US" sz="1376" strike="sngStrike" dirty="0">
                     <a:solidFill>
                       <a:schemeClr val="tx1">
                         <a:lumMod val="65000"/>
@@ -7362,7 +7563,7 @@
                   </a:rPr>
                   <a:t>15.20     2     ₵40</a:t>
                 </a:r>
-                <a:endParaRPr lang="en-US" sz="1400" strike="sngStrike" dirty="0">
+                <a:endParaRPr lang="en-US" sz="1376" strike="sngStrike" dirty="0">
                   <a:solidFill>
                     <a:schemeClr val="tx1">
                       <a:lumMod val="65000"/>
@@ -7432,7 +7633,7 @@
               <a:lstStyle/>
               <a:p>
                 <a:pPr algn="ctr"/>
-                <a:endParaRPr lang="en-US"/>
+                <a:endParaRPr lang="en-US" sz="1769"/>
               </a:p>
             </p:txBody>
           </p:sp>
@@ -7476,8 +7677,8 @@
         </p:nvSpPr>
         <p:spPr>
           <a:xfrm>
-            <a:off x="680920" y="1880802"/>
-            <a:ext cx="228599" cy="218643"/>
+            <a:off x="669126" y="2491062"/>
+            <a:ext cx="224639" cy="214855"/>
           </a:xfrm>
           <a:prstGeom prst="roundRect">
             <a:avLst/>
@@ -7514,7 +7715,7 @@
           <a:lstStyle/>
           <a:p>
             <a:pPr algn="ctr"/>
-            <a:endParaRPr lang="en-US"/>
+            <a:endParaRPr lang="en-US" sz="1769"/>
           </a:p>
         </p:txBody>
       </p:sp>
@@ -7526,8 +7727,8 @@
         </p:nvSpPr>
         <p:spPr>
           <a:xfrm>
-            <a:off x="680920" y="3954154"/>
-            <a:ext cx="228599" cy="218643"/>
+            <a:off x="669126" y="4528498"/>
+            <a:ext cx="224639" cy="214855"/>
           </a:xfrm>
           <a:prstGeom prst="roundRect">
             <a:avLst/>
@@ -7565,7 +7766,7 @@
           <a:lstStyle/>
           <a:p>
             <a:pPr algn="ctr"/>
-            <a:endParaRPr lang="en-US"/>
+            <a:endParaRPr lang="en-US" sz="1769"/>
           </a:p>
         </p:txBody>
       </p:sp>
@@ -7577,8 +7778,8 @@
         </p:nvSpPr>
         <p:spPr>
           <a:xfrm>
-            <a:off x="684459" y="2905075"/>
-            <a:ext cx="228599" cy="218643"/>
+            <a:off x="672603" y="3497592"/>
+            <a:ext cx="224639" cy="214855"/>
           </a:xfrm>
           <a:prstGeom prst="roundRect">
             <a:avLst/>
@@ -7615,7 +7816,7 @@
           <a:lstStyle/>
           <a:p>
             <a:pPr algn="ctr"/>
-            <a:endParaRPr lang="en-US"/>
+            <a:endParaRPr lang="en-US" sz="1769"/>
           </a:p>
         </p:txBody>
       </p:sp>
@@ -7627,8 +7828,8 @@
         </p:nvSpPr>
         <p:spPr>
           <a:xfrm>
-            <a:off x="483682" y="4644540"/>
-            <a:ext cx="3716280" cy="1137684"/>
+            <a:off x="475304" y="5206923"/>
+            <a:ext cx="3651903" cy="1117976"/>
           </a:xfrm>
           <a:prstGeom prst="roundRect">
             <a:avLst>
@@ -7663,7 +7864,7 @@
           <a:lstStyle/>
           <a:p>
             <a:r>
-              <a:rPr lang="en-US" sz="1600" dirty="0" smtClean="0">
+              <a:rPr lang="en-US" sz="1572" dirty="0">
                 <a:solidFill>
                   <a:srgbClr val="262626"/>
                 </a:solidFill>
@@ -7673,7 +7874,7 @@
           </a:p>
           <a:p>
             <a:r>
-              <a:rPr lang="en-US" sz="1400" dirty="0" smtClean="0">
+              <a:rPr lang="en-US" sz="1376" dirty="0">
                 <a:solidFill>
                   <a:schemeClr val="tx1">
                     <a:lumMod val="65000"/>
@@ -7683,7 +7884,7 @@
               </a:rPr>
               <a:t>One olonka of tomatoes is 1 quantity. </a:t>
             </a:r>
-            <a:endParaRPr lang="en-US" sz="1400" dirty="0">
+            <a:endParaRPr lang="en-US" sz="1376" dirty="0">
               <a:solidFill>
                 <a:schemeClr val="tx1">
                   <a:lumMod val="65000"/>
@@ -7716,8 +7917,8 @@
         </p:blipFill>
         <p:spPr>
           <a:xfrm>
-            <a:off x="3799089" y="1128321"/>
-            <a:ext cx="186077" cy="264564"/>
+            <a:off x="3733279" y="1751615"/>
+            <a:ext cx="182854" cy="259981"/>
           </a:xfrm>
           <a:prstGeom prst="rect">
             <a:avLst/>
@@ -7732,8 +7933,8 @@
         </p:nvCxnSpPr>
         <p:spPr>
           <a:xfrm>
-            <a:off x="483682" y="2473569"/>
-            <a:ext cx="3647542" cy="0"/>
+            <a:off x="475304" y="3073560"/>
+            <a:ext cx="3584356" cy="0"/>
           </a:xfrm>
           <a:prstGeom prst="line">
             <a:avLst/>
@@ -7767,8 +7968,8 @@
         </p:nvCxnSpPr>
         <p:spPr>
           <a:xfrm>
-            <a:off x="507129" y="3540367"/>
-            <a:ext cx="3647542" cy="0"/>
+            <a:off x="498345" y="4121878"/>
+            <a:ext cx="3584356" cy="0"/>
           </a:xfrm>
           <a:prstGeom prst="line">
             <a:avLst/>
@@ -7802,8 +8003,8 @@
         </p:nvCxnSpPr>
         <p:spPr>
           <a:xfrm>
-            <a:off x="518852" y="4665783"/>
-            <a:ext cx="3647542" cy="0"/>
+            <a:off x="509865" y="5227798"/>
+            <a:ext cx="3584356" cy="0"/>
           </a:xfrm>
           <a:prstGeom prst="line">
             <a:avLst/>
@@ -7837,8 +8038,8 @@
         </p:nvSpPr>
         <p:spPr>
           <a:xfrm>
-            <a:off x="1567476" y="5810100"/>
-            <a:ext cx="1295678" cy="439275"/>
+            <a:off x="1540323" y="6995133"/>
+            <a:ext cx="1273233" cy="431666"/>
           </a:xfrm>
           <a:prstGeom prst="roundRect">
             <a:avLst>
@@ -7876,14 +8077,14 @@
           <a:p>
             <a:pPr algn="ctr"/>
             <a:r>
-              <a:rPr lang="en-US" dirty="0" smtClean="0">
+              <a:rPr lang="en-US" sz="1769" dirty="0">
                 <a:solidFill>
                   <a:schemeClr val="tx1"/>
                 </a:solidFill>
               </a:rPr>
               <a:t>Add Item</a:t>
             </a:r>
-            <a:endParaRPr lang="en-US" dirty="0">
+            <a:endParaRPr lang="en-US" sz="1769" dirty="0">
               <a:solidFill>
                 <a:schemeClr val="tx1"/>
               </a:solidFill>
@@ -7899,8 +8100,8 @@
         </p:nvSpPr>
         <p:spPr>
           <a:xfrm>
-            <a:off x="6329958" y="6526975"/>
-            <a:ext cx="3724256" cy="528026"/>
+            <a:off x="6220306" y="7699589"/>
+            <a:ext cx="3659741" cy="518879"/>
           </a:xfrm>
           <a:prstGeom prst="roundRect">
             <a:avLst>
@@ -7936,14 +8137,14 @@
           <a:p>
             <a:pPr algn="ctr"/>
             <a:r>
-              <a:rPr lang="en-US" dirty="0" smtClean="0">
+              <a:rPr lang="en-US" sz="1769" dirty="0">
                 <a:solidFill>
                   <a:schemeClr val="tx1"/>
                 </a:solidFill>
               </a:rPr>
               <a:t>Create Bag</a:t>
             </a:r>
-            <a:endParaRPr lang="en-US" dirty="0">
+            <a:endParaRPr lang="en-US" sz="1769" dirty="0">
               <a:solidFill>
                 <a:schemeClr val="tx1"/>
               </a:solidFill>
@@ -7959,8 +8160,8 @@
         </p:nvSpPr>
         <p:spPr>
           <a:xfrm>
-            <a:off x="1021071" y="6526975"/>
-            <a:ext cx="2488594" cy="446868"/>
+            <a:off x="1003384" y="7699589"/>
+            <a:ext cx="2445484" cy="439127"/>
           </a:xfrm>
           <a:prstGeom prst="roundRect">
             <a:avLst>
@@ -7998,14 +8199,14 @@
           <a:p>
             <a:pPr algn="ctr"/>
             <a:r>
-              <a:rPr lang="en-US" dirty="0" smtClean="0">
+              <a:rPr lang="en-US" sz="1769" dirty="0">
                 <a:solidFill>
                   <a:schemeClr val="tx1"/>
                 </a:solidFill>
               </a:rPr>
               <a:t>Add Item</a:t>
             </a:r>
-            <a:endParaRPr lang="en-US" dirty="0">
+            <a:endParaRPr lang="en-US" sz="1769" dirty="0">
               <a:solidFill>
                 <a:schemeClr val="tx1"/>
               </a:solidFill>
@@ -8021,8 +8222,8 @@
         </p:nvCxnSpPr>
         <p:spPr>
           <a:xfrm>
-            <a:off x="495148" y="1479553"/>
-            <a:ext cx="3647542" cy="0"/>
+            <a:off x="486571" y="2096763"/>
+            <a:ext cx="3584356" cy="0"/>
           </a:xfrm>
           <a:prstGeom prst="line">
             <a:avLst/>
@@ -8062,7 +8263,7 @@
     <mc:Choice Requires="p14">
       <p:transition spd="slow" p14:dur="2000"/>
     </mc:Choice>
-    <mc:Fallback xmlns:p15="http://schemas.microsoft.com/office/powerpoint/2012/main" xmlns="">
+    <mc:Fallback xmlns="" xmlns:p15="http://schemas.microsoft.com/office/powerpoint/2012/main">
       <p:transition spd="slow"/>
     </mc:Fallback>
   </mc:AlternateContent>
@@ -8098,8 +8299,8 @@
         </p:nvSpPr>
         <p:spPr>
           <a:xfrm>
-            <a:off x="4136569" y="-1037022"/>
-            <a:ext cx="2864843" cy="946440"/>
+            <a:off x="4064913" y="-1019058"/>
+            <a:ext cx="2815216" cy="930045"/>
           </a:xfrm>
         </p:spPr>
         <p:txBody>
@@ -8107,7 +8308,7 @@
           <a:lstStyle/>
           <a:p>
             <a:r>
-              <a:rPr lang="en-US" spc="-1" dirty="0" smtClean="0"/>
+              <a:rPr lang="en-US" spc="-1" dirty="0"/>
               <a:t>add page</a:t>
             </a:r>
             <a:endParaRPr lang="en-US" dirty="0"/>
@@ -8122,8 +8323,8 @@
         </p:nvSpPr>
         <p:spPr>
           <a:xfrm>
-            <a:off x="513083" y="234680"/>
-            <a:ext cx="3940920" cy="7882625"/>
+            <a:off x="504195" y="873455"/>
+            <a:ext cx="3872652" cy="7746076"/>
           </a:xfrm>
           <a:prstGeom prst="rect">
             <a:avLst/>
@@ -8158,8 +8359,8 @@
         </p:nvSpPr>
         <p:spPr>
           <a:xfrm>
-            <a:off x="513083" y="212557"/>
-            <a:ext cx="3945865" cy="685800"/>
+            <a:off x="504196" y="851715"/>
+            <a:ext cx="3877511" cy="673920"/>
           </a:xfrm>
           <a:prstGeom prst="rect">
             <a:avLst/>
@@ -8206,8 +8407,8 @@
         </p:blipFill>
         <p:spPr>
           <a:xfrm>
-            <a:off x="619219" y="303637"/>
-            <a:ext cx="1440213" cy="499186"/>
+            <a:off x="608494" y="941217"/>
+            <a:ext cx="1415264" cy="490539"/>
           </a:xfrm>
           <a:prstGeom prst="rect">
             <a:avLst/>
@@ -8229,8 +8430,8 @@
         </p:blipFill>
         <p:spPr>
           <a:xfrm>
-            <a:off x="3927227" y="393721"/>
-            <a:ext cx="261647" cy="309492"/>
+            <a:off x="3859197" y="1029740"/>
+            <a:ext cx="257115" cy="304131"/>
           </a:xfrm>
           <a:prstGeom prst="rect">
             <a:avLst/>
@@ -8252,8 +8453,8 @@
         </p:blipFill>
         <p:spPr>
           <a:xfrm>
-            <a:off x="3286697" y="368298"/>
-            <a:ext cx="367348" cy="375002"/>
+            <a:off x="3229763" y="1004758"/>
+            <a:ext cx="360984" cy="368506"/>
           </a:xfrm>
           <a:prstGeom prst="rect">
             <a:avLst/>
@@ -8271,8 +8472,8 @@
         </p:nvSpPr>
         <p:spPr>
           <a:xfrm>
-            <a:off x="620982" y="1558436"/>
-            <a:ext cx="3725123" cy="493161"/>
+            <a:off x="610226" y="2174280"/>
+            <a:ext cx="3660593" cy="484618"/>
           </a:xfrm>
           <a:prstGeom prst="roundRect">
             <a:avLst/>
@@ -8305,7 +8506,7 @@
           <a:lstStyle/>
           <a:p>
             <a:r>
-              <a:rPr lang="en-US" sz="1600" dirty="0" smtClean="0">
+              <a:rPr lang="en-US" sz="1572" dirty="0">
                 <a:solidFill>
                   <a:schemeClr val="bg1">
                     <a:lumMod val="50000"/>
@@ -8314,7 +8515,7 @@
               </a:rPr>
               <a:t>Name your shopping</a:t>
             </a:r>
-            <a:endParaRPr lang="en-US" sz="1600" dirty="0">
+            <a:endParaRPr lang="en-US" sz="1572" dirty="0">
               <a:solidFill>
                 <a:schemeClr val="bg1">
                   <a:lumMod val="50000"/>
@@ -8332,8 +8533,8 @@
         </p:nvSpPr>
         <p:spPr>
           <a:xfrm>
-            <a:off x="1267505" y="1119494"/>
-            <a:ext cx="2432076" cy="307777"/>
+            <a:off x="1277382" y="1742941"/>
+            <a:ext cx="2326278" cy="304058"/>
           </a:xfrm>
           <a:prstGeom prst="rect">
             <a:avLst/>
@@ -8348,7 +8549,7 @@
           <a:p>
             <a:pPr algn="ctr"/>
             <a:r>
-              <a:rPr lang="en-US" sz="1400" dirty="0">
+              <a:rPr lang="en-US" sz="1376" dirty="0">
                 <a:solidFill>
                   <a:schemeClr val="tx1">
                     <a:lumMod val="65000"/>
@@ -8360,7 +8561,7 @@
               <a:t>Create bag and items to </a:t>
             </a:r>
             <a:r>
-              <a:rPr lang="en-US" sz="1400" dirty="0" smtClean="0">
+              <a:rPr lang="en-US" sz="1376" dirty="0">
                 <a:solidFill>
                   <a:schemeClr val="tx1">
                     <a:lumMod val="65000"/>
@@ -8371,7 +8572,7 @@
               </a:rPr>
               <a:t>buy</a:t>
             </a:r>
-            <a:endParaRPr lang="en-US" sz="1400" dirty="0">
+            <a:endParaRPr lang="en-US" sz="1376" dirty="0">
               <a:solidFill>
                 <a:schemeClr val="tx1">
                   <a:lumMod val="65000"/>
@@ -8391,8 +8592,8 @@
         </p:nvSpPr>
         <p:spPr>
           <a:xfrm>
-            <a:off x="620982" y="2245732"/>
-            <a:ext cx="3725123" cy="493161"/>
+            <a:off x="610226" y="2849670"/>
+            <a:ext cx="3660593" cy="484618"/>
           </a:xfrm>
           <a:prstGeom prst="roundRect">
             <a:avLst/>
@@ -8425,7 +8626,7 @@
           <a:lstStyle/>
           <a:p>
             <a:r>
-              <a:rPr lang="en-US" sz="1600" dirty="0" smtClean="0">
+              <a:rPr lang="en-US" sz="1572" dirty="0">
                 <a:solidFill>
                   <a:schemeClr val="bg1">
                     <a:lumMod val="50000"/>
@@ -8434,7 +8635,7 @@
               </a:rPr>
               <a:t>Some notes...</a:t>
             </a:r>
-            <a:endParaRPr lang="en-US" sz="1600" dirty="0">
+            <a:endParaRPr lang="en-US" sz="1572" dirty="0">
               <a:solidFill>
                 <a:schemeClr val="bg1">
                   <a:lumMod val="50000"/>
@@ -8452,8 +8653,8 @@
         </p:nvSpPr>
         <p:spPr>
           <a:xfrm>
-            <a:off x="620982" y="2900944"/>
-            <a:ext cx="3725123" cy="493161"/>
+            <a:off x="610226" y="3493532"/>
+            <a:ext cx="3660593" cy="484618"/>
           </a:xfrm>
           <a:prstGeom prst="roundRect">
             <a:avLst/>
@@ -8486,7 +8687,7 @@
           <a:lstStyle/>
           <a:p>
             <a:r>
-              <a:rPr lang="en-US" sz="1600" dirty="0" smtClean="0">
+              <a:rPr lang="en-US" sz="1572" dirty="0">
                 <a:solidFill>
                   <a:schemeClr val="bg1">
                     <a:lumMod val="50000"/>
@@ -8495,7 +8696,7 @@
               </a:rPr>
               <a:t>Shopping item</a:t>
             </a:r>
-            <a:endParaRPr lang="en-US" sz="1600" dirty="0">
+            <a:endParaRPr lang="en-US" sz="1572" dirty="0">
               <a:solidFill>
                 <a:schemeClr val="bg1">
                   <a:lumMod val="50000"/>
@@ -8513,8 +8714,8 @@
         </p:nvSpPr>
         <p:spPr>
           <a:xfrm>
-            <a:off x="620982" y="3556156"/>
-            <a:ext cx="3725123" cy="493161"/>
+            <a:off x="610226" y="4137394"/>
+            <a:ext cx="3660593" cy="484618"/>
           </a:xfrm>
           <a:prstGeom prst="roundRect">
             <a:avLst/>
@@ -8547,7 +8748,7 @@
           <a:lstStyle/>
           <a:p>
             <a:r>
-              <a:rPr lang="en-US" sz="1600" dirty="0" smtClean="0">
+              <a:rPr lang="en-US" sz="1572" dirty="0">
                 <a:solidFill>
                   <a:schemeClr val="bg1">
                     <a:lumMod val="50000"/>
@@ -8556,7 +8757,7 @@
               </a:rPr>
               <a:t>Budget price</a:t>
             </a:r>
-            <a:endParaRPr lang="en-US" sz="1600" dirty="0">
+            <a:endParaRPr lang="en-US" sz="1572" dirty="0">
               <a:solidFill>
                 <a:schemeClr val="bg1">
                   <a:lumMod val="50000"/>
@@ -8574,8 +8775,8 @@
         </p:nvSpPr>
         <p:spPr>
           <a:xfrm>
-            <a:off x="620982" y="4211369"/>
-            <a:ext cx="3725123" cy="493161"/>
+            <a:off x="610226" y="4781257"/>
+            <a:ext cx="3660593" cy="484618"/>
           </a:xfrm>
           <a:prstGeom prst="roundRect">
             <a:avLst/>
@@ -8608,7 +8809,7 @@
           <a:lstStyle/>
           <a:p>
             <a:r>
-              <a:rPr lang="en-US" sz="1600" dirty="0" smtClean="0">
+              <a:rPr lang="en-US" sz="1572" dirty="0">
                 <a:solidFill>
                   <a:schemeClr val="bg1">
                     <a:lumMod val="50000"/>
@@ -8617,7 +8818,7 @@
               </a:rPr>
               <a:t>Market price</a:t>
             </a:r>
-            <a:endParaRPr lang="en-US" sz="1600" dirty="0">
+            <a:endParaRPr lang="en-US" sz="1572" dirty="0">
               <a:solidFill>
                 <a:schemeClr val="bg1">
                   <a:lumMod val="50000"/>
@@ -8635,8 +8836,8 @@
         </p:nvSpPr>
         <p:spPr>
           <a:xfrm>
-            <a:off x="620982" y="4882622"/>
-            <a:ext cx="3725123" cy="493161"/>
+            <a:off x="610226" y="5440882"/>
+            <a:ext cx="3660593" cy="484618"/>
           </a:xfrm>
           <a:prstGeom prst="roundRect">
             <a:avLst/>
@@ -8669,7 +8870,7 @@
           <a:lstStyle/>
           <a:p>
             <a:r>
-              <a:rPr lang="en-US" sz="1600" dirty="0" smtClean="0">
+              <a:rPr lang="en-US" sz="1572" dirty="0">
                 <a:solidFill>
                   <a:schemeClr val="bg1">
                     <a:lumMod val="50000"/>
@@ -8678,7 +8879,7 @@
               </a:rPr>
               <a:t>Quantity</a:t>
             </a:r>
-            <a:endParaRPr lang="en-US" sz="1600" dirty="0">
+            <a:endParaRPr lang="en-US" sz="1572" dirty="0">
               <a:solidFill>
                 <a:schemeClr val="bg1">
                   <a:lumMod val="50000"/>
@@ -8696,8 +8897,8 @@
         </p:nvSpPr>
         <p:spPr>
           <a:xfrm>
-            <a:off x="620982" y="5553874"/>
-            <a:ext cx="3725123" cy="493161"/>
+            <a:off x="610226" y="6100506"/>
+            <a:ext cx="3660593" cy="484618"/>
           </a:xfrm>
           <a:prstGeom prst="roundRect">
             <a:avLst/>
@@ -8730,7 +8931,7 @@
           <a:lstStyle/>
           <a:p>
             <a:r>
-              <a:rPr lang="en-US" sz="1600" dirty="0" smtClean="0">
+              <a:rPr lang="en-US" sz="1572" dirty="0">
                 <a:solidFill>
                   <a:schemeClr val="bg1">
                     <a:lumMod val="50000"/>
@@ -8739,7 +8940,7 @@
               </a:rPr>
               <a:t>Price you bought</a:t>
             </a:r>
-            <a:endParaRPr lang="en-US" sz="1600" dirty="0">
+            <a:endParaRPr lang="en-US" sz="1572" dirty="0">
               <a:solidFill>
                 <a:schemeClr val="bg1">
                   <a:lumMod val="50000"/>
@@ -8757,8 +8958,8 @@
         </p:nvSpPr>
         <p:spPr>
           <a:xfrm>
-            <a:off x="1835704" y="6471317"/>
-            <a:ext cx="1295678" cy="458872"/>
+            <a:off x="1803905" y="7644895"/>
+            <a:ext cx="1273233" cy="450923"/>
           </a:xfrm>
           <a:prstGeom prst="roundRect">
             <a:avLst>
@@ -8794,14 +8995,14 @@
           <a:p>
             <a:pPr algn="ctr"/>
             <a:r>
-              <a:rPr lang="en-US" dirty="0" smtClean="0">
+              <a:rPr lang="en-US" sz="1769" dirty="0">
                 <a:solidFill>
                   <a:srgbClr val="E4E4E4"/>
                 </a:solidFill>
               </a:rPr>
               <a:t>Add Item</a:t>
             </a:r>
-            <a:endParaRPr lang="en-US" dirty="0">
+            <a:endParaRPr lang="en-US" sz="1769" dirty="0">
               <a:solidFill>
                 <a:srgbClr val="E4E4E4"/>
               </a:solidFill>
@@ -8817,8 +9018,8 @@
         </p:nvSpPr>
         <p:spPr>
           <a:xfrm>
-            <a:off x="619219" y="7268437"/>
-            <a:ext cx="3724256" cy="528026"/>
+            <a:off x="608493" y="8428207"/>
+            <a:ext cx="3659741" cy="518879"/>
           </a:xfrm>
           <a:prstGeom prst="roundRect">
             <a:avLst>
@@ -8854,14 +9055,14 @@
           <a:p>
             <a:pPr algn="ctr"/>
             <a:r>
-              <a:rPr lang="en-US" dirty="0" smtClean="0">
+              <a:rPr lang="en-US" sz="1769" dirty="0">
                 <a:solidFill>
                   <a:srgbClr val="E4E4E4"/>
                 </a:solidFill>
               </a:rPr>
               <a:t>Create Bag</a:t>
             </a:r>
-            <a:endParaRPr lang="en-US" dirty="0">
+            <a:endParaRPr lang="en-US" sz="1769" dirty="0">
               <a:solidFill>
                 <a:srgbClr val="E4E4E4"/>
               </a:solidFill>
@@ -8878,7 +9079,7 @@
     <mc:Choice Requires="p14">
       <p:transition spd="slow" p14:dur="2000"/>
     </mc:Choice>
-    <mc:Fallback xmlns:p15="http://schemas.microsoft.com/office/powerpoint/2012/main" xmlns="">
+    <mc:Fallback xmlns="" xmlns:p15="http://schemas.microsoft.com/office/powerpoint/2012/main">
       <p:transition spd="slow"/>
     </mc:Fallback>
   </mc:AlternateContent>
@@ -8914,8 +9115,8 @@
         </p:nvSpPr>
         <p:spPr>
           <a:xfrm>
-            <a:off x="3952050" y="-1469370"/>
-            <a:ext cx="3534600" cy="946440"/>
+            <a:off x="3883590" y="-1443916"/>
+            <a:ext cx="3473371" cy="930045"/>
           </a:xfrm>
         </p:spPr>
         <p:txBody>
@@ -8938,8 +9139,8 @@
         </p:nvSpPr>
         <p:spPr>
           <a:xfrm>
-            <a:off x="513084" y="192505"/>
-            <a:ext cx="3940920" cy="6224337"/>
+            <a:off x="504196" y="832011"/>
+            <a:ext cx="3872652" cy="6116514"/>
           </a:xfrm>
           <a:prstGeom prst="rect">
             <a:avLst/>
@@ -8974,8 +9175,8 @@
         </p:nvSpPr>
         <p:spPr>
           <a:xfrm>
-            <a:off x="513084" y="170382"/>
-            <a:ext cx="3945865" cy="685800"/>
+            <a:off x="504197" y="810271"/>
+            <a:ext cx="3877511" cy="673920"/>
           </a:xfrm>
           <a:prstGeom prst="rect">
             <a:avLst/>
@@ -9022,8 +9223,8 @@
         </p:blipFill>
         <p:spPr>
           <a:xfrm>
-            <a:off x="619220" y="261462"/>
-            <a:ext cx="1440213" cy="499186"/>
+            <a:off x="608495" y="899773"/>
+            <a:ext cx="1415264" cy="490539"/>
           </a:xfrm>
           <a:prstGeom prst="rect">
             <a:avLst/>
@@ -9045,8 +9246,8 @@
         </p:blipFill>
         <p:spPr>
           <a:xfrm>
-            <a:off x="3927228" y="351546"/>
-            <a:ext cx="261647" cy="309492"/>
+            <a:off x="3859198" y="988296"/>
+            <a:ext cx="257115" cy="304131"/>
           </a:xfrm>
           <a:prstGeom prst="rect">
             <a:avLst/>
@@ -9068,8 +9269,8 @@
         </p:blipFill>
         <p:spPr>
           <a:xfrm>
-            <a:off x="3286698" y="326123"/>
-            <a:ext cx="367348" cy="375002"/>
+            <a:off x="3229764" y="963314"/>
+            <a:ext cx="360984" cy="368506"/>
           </a:xfrm>
           <a:prstGeom prst="rect">
             <a:avLst/>
@@ -9087,8 +9288,8 @@
         </p:nvSpPr>
         <p:spPr>
           <a:xfrm>
-            <a:off x="620983" y="1194117"/>
-            <a:ext cx="3725123" cy="493161"/>
+            <a:off x="610227" y="1816272"/>
+            <a:ext cx="3660593" cy="484618"/>
           </a:xfrm>
           <a:prstGeom prst="roundRect">
             <a:avLst>
@@ -9123,7 +9324,7 @@
           <a:lstStyle/>
           <a:p>
             <a:r>
-              <a:rPr lang="en-US" sz="1600" dirty="0" smtClean="0">
+              <a:rPr lang="en-US" sz="1572" dirty="0">
                 <a:solidFill>
                   <a:schemeClr val="bg1">
                     <a:lumMod val="50000"/>
@@ -9132,7 +9333,7 @@
               </a:rPr>
               <a:t>Search</a:t>
             </a:r>
-            <a:endParaRPr lang="en-US" sz="1600" dirty="0">
+            <a:endParaRPr lang="en-US" sz="1572" dirty="0">
               <a:solidFill>
                 <a:schemeClr val="bg1">
                   <a:lumMod val="50000"/>
@@ -9164,8 +9365,8 @@
         </p:blipFill>
         <p:spPr>
           <a:xfrm>
-            <a:off x="3891592" y="1285951"/>
-            <a:ext cx="310527" cy="309492"/>
+            <a:off x="3824179" y="1906515"/>
+            <a:ext cx="305148" cy="304131"/>
           </a:xfrm>
           <a:prstGeom prst="rect">
             <a:avLst/>
@@ -9176,6 +9377,349 @@
     <p:extLst>
       <p:ext uri="{BB962C8B-B14F-4D97-AF65-F5344CB8AC3E}">
         <p14:creationId xmlns:p14="http://schemas.microsoft.com/office/powerpoint/2010/main" val="3308063259"/>
+      </p:ext>
+    </p:extLst>
+  </p:cSld>
+  <p:clrMapOvr>
+    <a:masterClrMapping/>
+  </p:clrMapOvr>
+</p:sld>
+</file>
+
+<file path=ppt/slides/slide7.xml><?xml version="1.0" encoding="utf-8"?>
+<p:sld xmlns:a="http://schemas.openxmlformats.org/drawingml/2006/main" xmlns:r="http://schemas.openxmlformats.org/officeDocument/2006/relationships" xmlns:p="http://schemas.openxmlformats.org/presentationml/2006/main">
+  <p:cSld>
+    <p:bg>
+      <p:bgPr>
+        <a:solidFill>
+          <a:schemeClr val="bg1"/>
+        </a:solidFill>
+        <a:effectLst/>
+      </p:bgPr>
+    </p:bg>
+    <p:spTree>
+      <p:nvGrpSpPr>
+        <p:cNvPr id="1" name=""/>
+        <p:cNvGrpSpPr/>
+        <p:nvPr/>
+      </p:nvGrpSpPr>
+      <p:grpSpPr>
+        <a:xfrm>
+          <a:off x="0" y="0"/>
+          <a:ext cx="0" cy="0"/>
+          <a:chOff x="0" y="0"/>
+          <a:chExt cx="0" cy="0"/>
+        </a:xfrm>
+      </p:grpSpPr>
+      <p:sp>
+        <p:nvSpPr>
+          <p:cNvPr id="2" name="Title 1"/>
+          <p:cNvSpPr>
+            <a:spLocks noGrp="1"/>
+          </p:cNvSpPr>
+          <p:nvPr>
+            <p:ph type="title"/>
+          </p:nvPr>
+        </p:nvSpPr>
+        <p:spPr>
+          <a:xfrm>
+            <a:off x="3428971" y="-1402977"/>
+            <a:ext cx="3067080" cy="869578"/>
+          </a:xfrm>
+        </p:spPr>
+        <p:txBody>
+          <a:bodyPr/>
+          <a:lstStyle/>
+          <a:p>
+            <a:r>
+              <a:rPr lang="en-US" sz="3600" dirty="0" smtClean="0"/>
+              <a:t>Hero image</a:t>
+            </a:r>
+            <a:endParaRPr lang="en-US" sz="3600" dirty="0"/>
+          </a:p>
+        </p:txBody>
+      </p:sp>
+      <p:pic>
+        <p:nvPicPr>
+          <p:cNvPr id="4" name="Picture 3"/>
+          <p:cNvPicPr>
+            <a:picLocks noChangeAspect="1"/>
+          </p:cNvPicPr>
+          <p:nvPr/>
+        </p:nvPicPr>
+        <p:blipFill rotWithShape="1">
+          <a:blip r:embed="rId2">
+            <a:extLst>
+              <a:ext uri="{28A0092B-C50C-407E-A947-70E740481C1C}">
+                <a14:useLocalDpi xmlns:a14="http://schemas.microsoft.com/office/drawing/2010/main" val="0"/>
+              </a:ext>
+            </a:extLst>
+          </a:blip>
+          <a:srcRect l="19013" t="20533" r="29323" b="7913"/>
+          <a:stretch/>
+        </p:blipFill>
+        <p:spPr>
+          <a:xfrm>
+            <a:off x="2403555" y="1405720"/>
+            <a:ext cx="5117911" cy="3985146"/>
+          </a:xfrm>
+          <a:prstGeom prst="rect">
+            <a:avLst/>
+          </a:prstGeom>
+        </p:spPr>
+      </p:pic>
+    </p:spTree>
+    <p:extLst>
+      <p:ext uri="{BB962C8B-B14F-4D97-AF65-F5344CB8AC3E}">
+        <p14:creationId xmlns:p14="http://schemas.microsoft.com/office/powerpoint/2010/main" val="1915815545"/>
+      </p:ext>
+    </p:extLst>
+  </p:cSld>
+  <p:clrMapOvr>
+    <a:masterClrMapping/>
+  </p:clrMapOvr>
+</p:sld>
+</file>
+
+<file path=ppt/slides/slide8.xml><?xml version="1.0" encoding="utf-8"?>
+<p:sld xmlns:a="http://schemas.openxmlformats.org/drawingml/2006/main" xmlns:r="http://schemas.openxmlformats.org/officeDocument/2006/relationships" xmlns:p="http://schemas.openxmlformats.org/presentationml/2006/main">
+  <p:cSld>
+    <p:bg>
+      <p:bgPr>
+        <a:solidFill>
+          <a:schemeClr val="bg1"/>
+        </a:solidFill>
+        <a:effectLst/>
+      </p:bgPr>
+    </p:bg>
+    <p:spTree>
+      <p:nvGrpSpPr>
+        <p:cNvPr id="1" name=""/>
+        <p:cNvGrpSpPr/>
+        <p:nvPr/>
+      </p:nvGrpSpPr>
+      <p:grpSpPr>
+        <a:xfrm>
+          <a:off x="0" y="0"/>
+          <a:ext cx="0" cy="0"/>
+          <a:chOff x="0" y="0"/>
+          <a:chExt cx="0" cy="0"/>
+        </a:xfrm>
+      </p:grpSpPr>
+      <p:sp>
+        <p:nvSpPr>
+          <p:cNvPr id="2" name="Title 1"/>
+          <p:cNvSpPr>
+            <a:spLocks noGrp="1"/>
+          </p:cNvSpPr>
+          <p:nvPr>
+            <p:ph type="title"/>
+          </p:nvPr>
+        </p:nvSpPr>
+        <p:spPr>
+          <a:xfrm>
+            <a:off x="3428971" y="-1402977"/>
+            <a:ext cx="3067080" cy="869578"/>
+          </a:xfrm>
+        </p:spPr>
+        <p:txBody>
+          <a:bodyPr/>
+          <a:lstStyle/>
+          <a:p>
+            <a:r>
+              <a:rPr lang="en-US" sz="3600" dirty="0" smtClean="0"/>
+              <a:t>stock image</a:t>
+            </a:r>
+            <a:endParaRPr lang="en-US" sz="3600" dirty="0"/>
+          </a:p>
+        </p:txBody>
+      </p:sp>
+      <p:sp>
+        <p:nvSpPr>
+          <p:cNvPr id="3" name="Rounded Rectangle 2"/>
+          <p:cNvSpPr/>
+          <p:nvPr/>
+        </p:nvSpPr>
+        <p:spPr>
+          <a:xfrm>
+            <a:off x="2674961" y="1119116"/>
+            <a:ext cx="3971215" cy="3794078"/>
+          </a:xfrm>
+          <a:prstGeom prst="roundRect">
+            <a:avLst>
+              <a:gd name="adj" fmla="val 0"/>
+            </a:avLst>
+          </a:prstGeom>
+          <a:blipFill>
+            <a:blip r:embed="rId2"/>
+            <a:stretch>
+              <a:fillRect/>
+            </a:stretch>
+          </a:blipFill>
+          <a:ln>
+            <a:noFill/>
+          </a:ln>
+          <a:effectLst>
+            <a:outerShdw blurRad="355600" dist="38100" dir="5400000" algn="t" rotWithShape="0">
+              <a:prstClr val="black">
+                <a:alpha val="40000"/>
+              </a:prstClr>
+            </a:outerShdw>
+          </a:effectLst>
+        </p:spPr>
+        <p:style>
+          <a:lnRef idx="2">
+            <a:schemeClr val="accent1">
+              <a:shade val="50000"/>
+            </a:schemeClr>
+          </a:lnRef>
+          <a:fillRef idx="1">
+            <a:schemeClr val="accent1"/>
+          </a:fillRef>
+          <a:effectRef idx="0">
+            <a:schemeClr val="accent1"/>
+          </a:effectRef>
+          <a:fontRef idx="minor">
+            <a:schemeClr val="lt1"/>
+          </a:fontRef>
+        </p:style>
+        <p:txBody>
+          <a:bodyPr rtlCol="0" anchor="ctr"/>
+          <a:lstStyle/>
+          <a:p>
+            <a:pPr algn="ctr"/>
+            <a:endParaRPr lang="en-US"/>
+          </a:p>
+        </p:txBody>
+      </p:sp>
+    </p:spTree>
+    <p:extLst>
+      <p:ext uri="{BB962C8B-B14F-4D97-AF65-F5344CB8AC3E}">
+        <p14:creationId xmlns:p14="http://schemas.microsoft.com/office/powerpoint/2010/main" val="2037575542"/>
+      </p:ext>
+    </p:extLst>
+  </p:cSld>
+  <p:clrMapOvr>
+    <a:masterClrMapping/>
+  </p:clrMapOvr>
+</p:sld>
+</file>
+
+<file path=ppt/slides/slide9.xml><?xml version="1.0" encoding="utf-8"?>
+<p:sld xmlns:a="http://schemas.openxmlformats.org/drawingml/2006/main" xmlns:r="http://schemas.openxmlformats.org/officeDocument/2006/relationships" xmlns:p="http://schemas.openxmlformats.org/presentationml/2006/main">
+  <p:cSld>
+    <p:bg>
+      <p:bgPr>
+        <a:solidFill>
+          <a:schemeClr val="bg1"/>
+        </a:solidFill>
+        <a:effectLst/>
+      </p:bgPr>
+    </p:bg>
+    <p:spTree>
+      <p:nvGrpSpPr>
+        <p:cNvPr id="1" name=""/>
+        <p:cNvGrpSpPr/>
+        <p:nvPr/>
+      </p:nvGrpSpPr>
+      <p:grpSpPr>
+        <a:xfrm>
+          <a:off x="0" y="0"/>
+          <a:ext cx="0" cy="0"/>
+          <a:chOff x="0" y="0"/>
+          <a:chExt cx="0" cy="0"/>
+        </a:xfrm>
+      </p:grpSpPr>
+      <p:sp>
+        <p:nvSpPr>
+          <p:cNvPr id="2" name="Title 1"/>
+          <p:cNvSpPr>
+            <a:spLocks noGrp="1"/>
+          </p:cNvSpPr>
+          <p:nvPr>
+            <p:ph type="title"/>
+          </p:nvPr>
+        </p:nvSpPr>
+        <p:spPr>
+          <a:xfrm>
+            <a:off x="3428971" y="-1402977"/>
+            <a:ext cx="3067080" cy="869578"/>
+          </a:xfrm>
+        </p:spPr>
+        <p:txBody>
+          <a:bodyPr/>
+          <a:lstStyle/>
+          <a:p>
+            <a:r>
+              <a:rPr lang="en-US" sz="3600" dirty="0" smtClean="0"/>
+              <a:t>stock image</a:t>
+            </a:r>
+            <a:endParaRPr lang="en-US" sz="3600" dirty="0"/>
+          </a:p>
+        </p:txBody>
+      </p:sp>
+      <p:sp>
+        <p:nvSpPr>
+          <p:cNvPr id="3" name="Rounded Rectangle 2"/>
+          <p:cNvSpPr/>
+          <p:nvPr/>
+        </p:nvSpPr>
+        <p:spPr>
+          <a:xfrm>
+            <a:off x="2674961" y="1119116"/>
+            <a:ext cx="3971215" cy="3794078"/>
+          </a:xfrm>
+          <a:prstGeom prst="roundRect">
+            <a:avLst>
+              <a:gd name="adj" fmla="val 0"/>
+            </a:avLst>
+          </a:prstGeom>
+          <a:blipFill>
+            <a:blip r:embed="rId2"/>
+            <a:stretch>
+              <a:fillRect/>
+            </a:stretch>
+          </a:blipFill>
+          <a:ln>
+            <a:noFill/>
+          </a:ln>
+          <a:effectLst>
+            <a:outerShdw blurRad="355600" dist="38100" dir="5400000" algn="t" rotWithShape="0">
+              <a:prstClr val="black">
+                <a:alpha val="40000"/>
+              </a:prstClr>
+            </a:outerShdw>
+          </a:effectLst>
+        </p:spPr>
+        <p:style>
+          <a:lnRef idx="2">
+            <a:schemeClr val="accent1">
+              <a:shade val="50000"/>
+            </a:schemeClr>
+          </a:lnRef>
+          <a:fillRef idx="1">
+            <a:schemeClr val="accent1"/>
+          </a:fillRef>
+          <a:effectRef idx="0">
+            <a:schemeClr val="accent1"/>
+          </a:effectRef>
+          <a:fontRef idx="minor">
+            <a:schemeClr val="lt1"/>
+          </a:fontRef>
+        </p:style>
+        <p:txBody>
+          <a:bodyPr rtlCol="0" anchor="ctr"/>
+          <a:lstStyle/>
+          <a:p>
+            <a:pPr algn="ctr"/>
+            <a:endParaRPr lang="en-US"/>
+          </a:p>
+        </p:txBody>
+      </p:sp>
+    </p:spTree>
+    <p:extLst>
+      <p:ext uri="{BB962C8B-B14F-4D97-AF65-F5344CB8AC3E}">
+        <p14:creationId xmlns:p14="http://schemas.microsoft.com/office/powerpoint/2010/main" val="2130269509"/>
       </p:ext>
     </p:extLst>
   </p:cSld>
